--- a/文档/Bbossgroups演示文档.pptx
+++ b/文档/Bbossgroups演示文档.pptx
@@ -5,27 +5,29 @@
     <p:sldMasterId id="2147483648" r:id="rId1"/>
   </p:sldMasterIdLst>
   <p:notesMasterIdLst>
-    <p:notesMasterId r:id="rId17"/>
+    <p:notesMasterId r:id="rId19"/>
   </p:notesMasterIdLst>
   <p:handoutMasterIdLst>
-    <p:handoutMasterId r:id="rId18"/>
+    <p:handoutMasterId r:id="rId20"/>
   </p:handoutMasterIdLst>
   <p:sldIdLst>
     <p:sldId id="319" r:id="rId2"/>
     <p:sldId id="336" r:id="rId3"/>
     <p:sldId id="341" r:id="rId4"/>
-    <p:sldId id="334" r:id="rId5"/>
-    <p:sldId id="342" r:id="rId6"/>
-    <p:sldId id="347" r:id="rId7"/>
-    <p:sldId id="348" r:id="rId8"/>
-    <p:sldId id="349" r:id="rId9"/>
-    <p:sldId id="343" r:id="rId10"/>
-    <p:sldId id="340" r:id="rId11"/>
-    <p:sldId id="344" r:id="rId12"/>
-    <p:sldId id="346" r:id="rId13"/>
-    <p:sldId id="345" r:id="rId14"/>
-    <p:sldId id="350" r:id="rId15"/>
-    <p:sldId id="304" r:id="rId16"/>
+    <p:sldId id="351" r:id="rId5"/>
+    <p:sldId id="352" r:id="rId6"/>
+    <p:sldId id="334" r:id="rId7"/>
+    <p:sldId id="342" r:id="rId8"/>
+    <p:sldId id="347" r:id="rId9"/>
+    <p:sldId id="348" r:id="rId10"/>
+    <p:sldId id="349" r:id="rId11"/>
+    <p:sldId id="343" r:id="rId12"/>
+    <p:sldId id="340" r:id="rId13"/>
+    <p:sldId id="344" r:id="rId14"/>
+    <p:sldId id="346" r:id="rId15"/>
+    <p:sldId id="345" r:id="rId16"/>
+    <p:sldId id="350" r:id="rId17"/>
+    <p:sldId id="304" r:id="rId18"/>
   </p:sldIdLst>
   <p:sldSz cx="9144000" cy="6858000" type="screen4x3"/>
   <p:notesSz cx="6858000" cy="9144000"/>
@@ -210,7 +212,7 @@
             <a:fld id="{68F88C59-319B-4332-9A1D-2A62CFCB00D8}" type="datetimeFigureOut">
               <a:rPr lang="en-US" altLang="zh-CN" smtClean="0"/>
               <a:pPr/>
-              <a:t>10/24/2011</a:t>
+              <a:t>7/10/2012</a:t>
             </a:fld>
             <a:endParaRPr lang="zh-CN"/>
           </a:p>
@@ -1126,7 +1128,171 @@
             <a:fld id="{9B26CD33-4337-4529-948A-94F6960B2374}" type="slidenum">
               <a:rPr lang="en-US" altLang="zh-CN" smtClean="0"/>
               <a:pPr/>
+              <a:t>14</a:t>
+            </a:fld>
+            <a:endParaRPr lang="zh-CN"/>
+          </a:p>
+        </p:txBody>
+      </p:sp>
+    </p:spTree>
+  </p:cSld>
+  <p:clrMapOvr>
+    <a:masterClrMapping/>
+  </p:clrMapOvr>
+</p:notes>
+</file>
+
+<file path=ppt/notesSlides/notesSlide15.xml><?xml version="1.0" encoding="utf-8"?>
+<p:notes xmlns:a="http://schemas.openxmlformats.org/drawingml/2006/main" xmlns:r="http://schemas.openxmlformats.org/officeDocument/2006/relationships" xmlns:p="http://schemas.openxmlformats.org/presentationml/2006/main">
+  <p:cSld>
+    <p:spTree>
+      <p:nvGrpSpPr>
+        <p:cNvPr id="1" name=""/>
+        <p:cNvGrpSpPr/>
+        <p:nvPr/>
+      </p:nvGrpSpPr>
+      <p:grpSpPr>
+        <a:xfrm>
+          <a:off x="0" y="0"/>
+          <a:ext cx="0" cy="0"/>
+          <a:chOff x="0" y="0"/>
+          <a:chExt cx="0" cy="0"/>
+        </a:xfrm>
+      </p:grpSpPr>
+      <p:sp>
+        <p:nvSpPr>
+          <p:cNvPr id="2" name="Slide Image Placeholder 1"/>
+          <p:cNvSpPr>
+            <a:spLocks noGrp="1" noRot="1" noChangeAspect="1"/>
+          </p:cNvSpPr>
+          <p:nvPr>
+            <p:ph type="sldImg"/>
+          </p:nvPr>
+        </p:nvSpPr>
+        <p:spPr/>
+      </p:sp>
+      <p:sp>
+        <p:nvSpPr>
+          <p:cNvPr id="3" name="Notes Placeholder 2"/>
+          <p:cNvSpPr>
+            <a:spLocks noGrp="1"/>
+          </p:cNvSpPr>
+          <p:nvPr>
+            <p:ph type="body" idx="1"/>
+          </p:nvPr>
+        </p:nvSpPr>
+        <p:spPr/>
+        <p:txBody>
+          <a:bodyPr>
+            <a:normAutofit/>
+          </a:bodyPr>
+          <a:lstStyle/>
+          <a:p>
+            <a:endParaRPr lang="zh-CN"/>
+          </a:p>
+        </p:txBody>
+      </p:sp>
+      <p:sp>
+        <p:nvSpPr>
+          <p:cNvPr id="4" name="Slide Number Placeholder 3"/>
+          <p:cNvSpPr>
+            <a:spLocks noGrp="1"/>
+          </p:cNvSpPr>
+          <p:nvPr>
+            <p:ph type="sldNum" sz="quarter" idx="10"/>
+          </p:nvPr>
+        </p:nvSpPr>
+        <p:spPr/>
+        <p:txBody>
+          <a:bodyPr/>
+          <a:lstStyle/>
+          <a:p>
+            <a:fld id="{9B26CD33-4337-4529-948A-94F6960B2374}" type="slidenum">
+              <a:rPr lang="en-US" altLang="zh-CN" smtClean="0"/>
+              <a:pPr/>
               <a:t>15</a:t>
+            </a:fld>
+            <a:endParaRPr lang="zh-CN"/>
+          </a:p>
+        </p:txBody>
+      </p:sp>
+    </p:spTree>
+  </p:cSld>
+  <p:clrMapOvr>
+    <a:masterClrMapping/>
+  </p:clrMapOvr>
+</p:notes>
+</file>
+
+<file path=ppt/notesSlides/notesSlide16.xml><?xml version="1.0" encoding="utf-8"?>
+<p:notes xmlns:a="http://schemas.openxmlformats.org/drawingml/2006/main" xmlns:r="http://schemas.openxmlformats.org/officeDocument/2006/relationships" xmlns:p="http://schemas.openxmlformats.org/presentationml/2006/main">
+  <p:cSld>
+    <p:spTree>
+      <p:nvGrpSpPr>
+        <p:cNvPr id="1" name=""/>
+        <p:cNvGrpSpPr/>
+        <p:nvPr/>
+      </p:nvGrpSpPr>
+      <p:grpSpPr>
+        <a:xfrm>
+          <a:off x="0" y="0"/>
+          <a:ext cx="0" cy="0"/>
+          <a:chOff x="0" y="0"/>
+          <a:chExt cx="0" cy="0"/>
+        </a:xfrm>
+      </p:grpSpPr>
+      <p:sp>
+        <p:nvSpPr>
+          <p:cNvPr id="2" name="Slide Image Placeholder 1"/>
+          <p:cNvSpPr>
+            <a:spLocks noGrp="1" noRot="1" noChangeAspect="1"/>
+          </p:cNvSpPr>
+          <p:nvPr>
+            <p:ph type="sldImg"/>
+          </p:nvPr>
+        </p:nvSpPr>
+        <p:spPr/>
+      </p:sp>
+      <p:sp>
+        <p:nvSpPr>
+          <p:cNvPr id="3" name="Notes Placeholder 2"/>
+          <p:cNvSpPr>
+            <a:spLocks noGrp="1"/>
+          </p:cNvSpPr>
+          <p:nvPr>
+            <p:ph type="body" idx="1"/>
+          </p:nvPr>
+        </p:nvSpPr>
+        <p:spPr/>
+        <p:txBody>
+          <a:bodyPr>
+            <a:normAutofit/>
+          </a:bodyPr>
+          <a:lstStyle/>
+          <a:p>
+            <a:endParaRPr lang="zh-CN"/>
+          </a:p>
+        </p:txBody>
+      </p:sp>
+      <p:sp>
+        <p:nvSpPr>
+          <p:cNvPr id="4" name="Slide Number Placeholder 3"/>
+          <p:cNvSpPr>
+            <a:spLocks noGrp="1"/>
+          </p:cNvSpPr>
+          <p:nvPr>
+            <p:ph type="sldNum" sz="quarter" idx="10"/>
+          </p:nvPr>
+        </p:nvSpPr>
+        <p:spPr/>
+        <p:txBody>
+          <a:bodyPr/>
+          <a:lstStyle/>
+          <a:p>
+            <a:fld id="{9B26CD33-4337-4529-948A-94F6960B2374}" type="slidenum">
+              <a:rPr lang="en-US" altLang="zh-CN" smtClean="0"/>
+              <a:pPr/>
+              <a:t>17</a:t>
             </a:fld>
             <a:endParaRPr lang="zh-CN"/>
           </a:p>
@@ -2091,7 +2257,7 @@
                 </a:solidFill>
               </a:rPr>
               <a:pPr/>
-              <a:t>10/24/2011</a:t>
+              <a:t>7/10/2012</a:t>
             </a:fld>
             <a:endParaRPr kumimoji="0" lang="zh-CN"/>
           </a:p>
@@ -2488,7 +2654,7 @@
                 </a:solidFill>
               </a:rPr>
               <a:pPr/>
-              <a:t>10/24/2011</a:t>
+              <a:t>7/10/2012</a:t>
             </a:fld>
             <a:endParaRPr kumimoji="0" lang="zh-CN"/>
           </a:p>
@@ -2829,7 +2995,7 @@
                 </a:solidFill>
               </a:rPr>
               <a:pPr/>
-              <a:t>10/24/2011</a:t>
+              <a:t>7/10/2012</a:t>
             </a:fld>
             <a:endParaRPr kumimoji="0" lang="zh-CN"/>
           </a:p>
@@ -3418,7 +3584,7 @@
                 </a:solidFill>
               </a:rPr>
               <a:pPr/>
-              <a:t>10/24/2011</a:t>
+              <a:t>7/10/2012</a:t>
             </a:fld>
             <a:endParaRPr kumimoji="0" lang="zh-CN"/>
           </a:p>
@@ -3988,7 +4154,7 @@
                 </a:solidFill>
               </a:rPr>
               <a:pPr/>
-              <a:t>10/24/2011</a:t>
+              <a:t>7/10/2012</a:t>
             </a:fld>
             <a:endParaRPr kumimoji="0" lang="zh-CN"/>
           </a:p>
@@ -4453,7 +4619,7 @@
                 </a:solidFill>
               </a:rPr>
               <a:pPr/>
-              <a:t>10/24/2011</a:t>
+              <a:t>7/10/2012</a:t>
             </a:fld>
             <a:endParaRPr kumimoji="0" lang="zh-CN"/>
           </a:p>
@@ -4883,7 +5049,7 @@
                 </a:solidFill>
               </a:rPr>
               <a:pPr/>
-              <a:t>10/24/2011</a:t>
+              <a:t>7/10/2012</a:t>
             </a:fld>
             <a:endParaRPr kumimoji="0" lang="zh-CN"/>
           </a:p>
@@ -5393,7 +5559,7 @@
                 </a:solidFill>
               </a:rPr>
               <a:pPr/>
-              <a:t>10/24/2011</a:t>
+              <a:t>7/10/2012</a:t>
             </a:fld>
             <a:endParaRPr kumimoji="0" lang="zh-CN"/>
           </a:p>
@@ -5903,7 +6069,7 @@
                 </a:solidFill>
               </a:rPr>
               <a:pPr/>
-              <a:t>10/24/2011</a:t>
+              <a:t>7/10/2012</a:t>
             </a:fld>
             <a:endParaRPr kumimoji="0" lang="zh-CN"/>
           </a:p>
@@ -6125,7 +6291,7 @@
                 </a:solidFill>
               </a:rPr>
               <a:pPr/>
-              <a:t>10/24/2011</a:t>
+              <a:t>7/10/2012</a:t>
             </a:fld>
             <a:endParaRPr kumimoji="0" lang="zh-CN"/>
           </a:p>
@@ -6459,7 +6625,7 @@
                 </a:solidFill>
               </a:rPr>
               <a:pPr/>
-              <a:t>10/24/2011</a:t>
+              <a:t>7/10/2012</a:t>
             </a:fld>
             <a:endParaRPr kumimoji="0" lang="zh-CN"/>
           </a:p>
@@ -6691,7 +6857,7 @@
                 </a:solidFill>
               </a:rPr>
               <a:pPr/>
-              <a:t>10/24/2011</a:t>
+              <a:t>7/10/2012</a:t>
             </a:fld>
             <a:endParaRPr kumimoji="0" lang="zh-CN"/>
           </a:p>
@@ -6916,7 +7082,7 @@
                 </a:solidFill>
               </a:rPr>
               <a:pPr/>
-              <a:t>10/24/2011</a:t>
+              <a:t>7/10/2012</a:t>
             </a:fld>
             <a:endParaRPr kumimoji="0" lang="zh-CN"/>
           </a:p>
@@ -7353,7 +7519,7 @@
                 </a:solidFill>
               </a:rPr>
               <a:pPr/>
-              <a:t>10/24/2011</a:t>
+              <a:t>7/10/2012</a:t>
             </a:fld>
             <a:endParaRPr kumimoji="0" lang="zh-CN"/>
           </a:p>
@@ -7837,7 +8003,7 @@
                 </a:solidFill>
               </a:rPr>
               <a:pPr/>
-              <a:t>10/24/2011</a:t>
+              <a:t>7/10/2012</a:t>
             </a:fld>
             <a:endParaRPr kumimoji="0" lang="zh-CN"/>
           </a:p>
@@ -8195,7 +8361,7 @@
                 </a:solidFill>
               </a:rPr>
               <a:pPr/>
-              <a:t>10/24/2011</a:t>
+              <a:t>7/10/2012</a:t>
             </a:fld>
             <a:endParaRPr kumimoji="0" lang="zh-CN"/>
           </a:p>
@@ -8559,7 +8725,7 @@
                 </a:solidFill>
               </a:rPr>
               <a:pPr/>
-              <a:t>10/24/2011</a:t>
+              <a:t>7/10/2012</a:t>
             </a:fld>
             <a:endParaRPr kumimoji="0" lang="zh-CN"/>
           </a:p>
@@ -8870,7 +9036,7 @@
                 </a:solidFill>
               </a:rPr>
               <a:pPr/>
-              <a:t>10/24/2011</a:t>
+              <a:t>7/10/2012</a:t>
             </a:fld>
             <a:endParaRPr kumimoji="0" lang="zh-CN"/>
           </a:p>
@@ -9359,7 +9525,7 @@
                 </a:solidFill>
               </a:rPr>
               <a:pPr/>
-              <a:t>10/24/2011</a:t>
+              <a:t>7/10/2012</a:t>
             </a:fld>
             <a:endParaRPr kumimoji="0" lang="zh-CN"/>
           </a:p>
@@ -9589,7 +9755,7 @@
                 </a:solidFill>
               </a:rPr>
               <a:pPr/>
-              <a:t>10/24/2011</a:t>
+              <a:t>7/10/2012</a:t>
             </a:fld>
             <a:endParaRPr kumimoji="0" lang="zh-CN" sz="1200">
               <a:solidFill>
@@ -10223,7 +10389,7 @@
         <p:spPr>
           <a:xfrm>
             <a:off x="500034" y="2000240"/>
-            <a:ext cx="4537445" cy="1477328"/>
+            <a:ext cx="4537445" cy="1754326"/>
           </a:xfrm>
           <a:prstGeom prst="rect">
             <a:avLst/>
@@ -10237,46 +10403,86 @@
           <a:lstStyle/>
           <a:p>
             <a:r>
-              <a:rPr lang="en-US" altLang="zh-CN" dirty="0" smtClean="0"/>
+              <a:rPr lang="en-US" altLang="zh-CN" dirty="0" smtClean="0">
+                <a:latin typeface="Century Schoolbook" pitchFamily="18" charset="0"/>
+              </a:rPr>
               <a:t>2001</a:t>
             </a:r>
             <a:r>
-              <a:rPr altLang="en-US" dirty="0" smtClean="0"/>
+              <a:rPr altLang="en-US" dirty="0" smtClean="0">
+                <a:latin typeface="Century Schoolbook" pitchFamily="18" charset="0"/>
+              </a:rPr>
               <a:t>年大学毕业，一直从事</a:t>
             </a:r>
             <a:r>
-              <a:rPr lang="en-US" altLang="zh-CN" dirty="0" smtClean="0"/>
+              <a:rPr lang="en-US" altLang="zh-CN" dirty="0" smtClean="0">
+                <a:latin typeface="Century Schoolbook" pitchFamily="18" charset="0"/>
+              </a:rPr>
               <a:t>java</a:t>
             </a:r>
             <a:r>
-              <a:rPr altLang="en-US" dirty="0" smtClean="0"/>
-              <a:t>开发工作，目前就职于湖南科创信息股份有限公司，但任基础平台部首席架构师，兼任</a:t>
-            </a:r>
-            <a:r>
-              <a:rPr lang="en-US" altLang="zh-CN" dirty="0" smtClean="0"/>
+              <a:rPr altLang="en-US" dirty="0" smtClean="0">
+                <a:latin typeface="Century Schoolbook" pitchFamily="18" charset="0"/>
+              </a:rPr>
+              <a:t>开发工作，曾职于湖南科创信息股份有限公司，但任基础平台部首席架构师</a:t>
+            </a:r>
+            <a:r>
+              <a:rPr altLang="en-US" dirty="0" smtClean="0">
+                <a:latin typeface="Century Schoolbook" pitchFamily="18" charset="0"/>
+              </a:rPr>
+              <a:t>，</a:t>
+            </a:r>
+            <a:r>
+              <a:rPr altLang="en-US" dirty="0" smtClean="0">
+                <a:latin typeface="Century Schoolbook" pitchFamily="18" charset="0"/>
+              </a:rPr>
+              <a:t>负责</a:t>
+            </a:r>
+            <a:r>
+              <a:rPr altLang="en-US" dirty="0" smtClean="0">
+                <a:latin typeface="Century Schoolbook" pitchFamily="18" charset="0"/>
+              </a:rPr>
+              <a:t>公司产品架构设计和开发</a:t>
+            </a:r>
+            <a:r>
+              <a:rPr altLang="en-US" dirty="0" smtClean="0">
+                <a:latin typeface="Century Schoolbook" pitchFamily="18" charset="0"/>
+              </a:rPr>
+              <a:t>，兼任</a:t>
+            </a:r>
+            <a:r>
+              <a:rPr lang="en-US" altLang="zh-CN" dirty="0" smtClean="0">
+                <a:latin typeface="Century Schoolbook" pitchFamily="18" charset="0"/>
+              </a:rPr>
               <a:t>J2ee</a:t>
             </a:r>
             <a:r>
-              <a:rPr altLang="en-US" dirty="0" smtClean="0"/>
+              <a:rPr altLang="en-US" dirty="0" smtClean="0">
+                <a:latin typeface="Century Schoolbook" pitchFamily="18" charset="0"/>
+              </a:rPr>
               <a:t>开源项目</a:t>
             </a:r>
             <a:r>
-              <a:rPr lang="en-US" altLang="zh-CN" dirty="0" err="1" smtClean="0"/>
+              <a:rPr lang="en-US" altLang="zh-CN" dirty="0" err="1" smtClean="0">
+                <a:latin typeface="Century Schoolbook" pitchFamily="18" charset="0"/>
+              </a:rPr>
               <a:t>BBossGroups</a:t>
             </a:r>
             <a:r>
-              <a:rPr lang="en-US" altLang="zh-CN" dirty="0" smtClean="0"/>
-              <a:t> </a:t>
-            </a:r>
-            <a:r>
-              <a:rPr lang="en-US" altLang="zh-CN" dirty="0" smtClean="0"/>
-              <a:t>CTO,</a:t>
-            </a:r>
-            <a:r>
-              <a:rPr altLang="en-US" dirty="0" smtClean="0"/>
+              <a:rPr lang="en-US" altLang="zh-CN" dirty="0" smtClean="0">
+                <a:latin typeface="Century Schoolbook" pitchFamily="18" charset="0"/>
+              </a:rPr>
+              <a:t> CTO,</a:t>
+            </a:r>
+            <a:r>
+              <a:rPr altLang="en-US" dirty="0" smtClean="0">
+                <a:latin typeface="Century Schoolbook" pitchFamily="18" charset="0"/>
+              </a:rPr>
               <a:t>拥有工信部项目经理资质。</a:t>
             </a:r>
-            <a:endParaRPr lang="zh-CN" altLang="en-US" dirty="0"/>
+            <a:endParaRPr altLang="en-US" dirty="0">
+              <a:latin typeface="Century Schoolbook" pitchFamily="18" charset="0"/>
+            </a:endParaRPr>
           </a:p>
         </p:txBody>
       </p:sp>
@@ -10315,220 +10521,110 @@
           <a:chExt cx="0" cy="0"/>
         </a:xfrm>
       </p:grpSpPr>
-      <p:pic>
-        <p:nvPicPr>
-          <p:cNvPr id="7" name="waterfall_j0262353.png"/>
-          <p:cNvPicPr>
-            <a:picLocks noGrp="1" noChangeAspect="1"/>
-          </p:cNvPicPr>
-          <p:nvPr>
-            <p:ph type="pic" sz="quarter" idx="11"/>
-          </p:nvPr>
-        </p:nvPicPr>
-        <p:blipFill>
-          <a:blip r:embed="rId3"/>
-          <a:srcRect/>
-          <a:stretch>
-            <a:fillRect/>
-          </a:stretch>
-        </p:blipFill>
-        <p:spPr>
-          <a:xfrm>
-            <a:off x="5067300" y="3436938"/>
-            <a:ext cx="3649663" cy="2135202"/>
+      <p:sp>
+        <p:nvSpPr>
+          <p:cNvPr id="11" name="W¥ل云玗İαЂÕØÚáÛ丫:Téxt Plàçèhòlðêr 表¥鷗字㌍_W 10"/>
+          <p:cNvSpPr>
+            <a:spLocks noGrp="1"/>
+          </p:cNvSpPr>
+          <p:nvPr>
+            <p:ph type="body" sz="quarter" idx="13"/>
+          </p:nvPr>
+        </p:nvSpPr>
+        <p:spPr>
+          <a:xfrm>
+            <a:off x="0" y="5819756"/>
+            <a:ext cx="8610600" cy="1038244"/>
+          </a:xfrm>
+        </p:spPr>
+        <p:txBody>
+          <a:bodyPr/>
+          <a:lstStyle>
+            <a:extLst/>
+          </a:lstStyle>
+          <a:p>
+            <a:r>
+              <a:rPr lang="en-US" altLang="zh-CN" sz="3200" dirty="0" err="1" smtClean="0"/>
+              <a:t>BBossGroups</a:t>
+            </a:r>
+            <a:r>
+              <a:rPr altLang="en-US" sz="3200" dirty="0" smtClean="0"/>
+              <a:t>特点</a:t>
+            </a:r>
+            <a:r>
+              <a:rPr lang="en-US" altLang="zh-CN" sz="3200" dirty="0" smtClean="0"/>
+              <a:t>-</a:t>
+            </a:r>
+            <a:r>
+              <a:rPr altLang="en-US" sz="3200" dirty="0" smtClean="0"/>
+              <a:t>可监控</a:t>
+            </a:r>
+            <a:endParaRPr lang="zh-CN" sz="3200" dirty="0"/>
+          </a:p>
+        </p:txBody>
+      </p:sp>
+      <p:sp>
+        <p:nvSpPr>
+          <p:cNvPr id="8" name="矩形 7"/>
+          <p:cNvSpPr/>
+          <p:nvPr/>
+        </p:nvSpPr>
+        <p:spPr>
+          <a:xfrm>
+            <a:off x="285720" y="214290"/>
+            <a:ext cx="8425705" cy="400110"/>
           </a:xfrm>
           <a:prstGeom prst="rect">
             <a:avLst/>
           </a:prstGeom>
-          <a:noFill/>
-          <a:ln w="38100" cap="sq" cmpd="sng" algn="ctr">
-            <a:solidFill>
-              <a:schemeClr val="tx1"/>
-            </a:solidFill>
-            <a:prstDash val="solid"/>
-            <a:miter lim="800000"/>
-          </a:ln>
-          <a:effectLst>
-            <a:outerShdw blurRad="50800" dist="50800" dir="2700000" algn="tl" rotWithShape="0">
-              <a:srgbClr val="000000">
-                <a:alpha val="50000"/>
-              </a:srgbClr>
-            </a:outerShdw>
-          </a:effectLst>
-        </p:spPr>
-      </p:pic>
-      <p:pic>
-        <p:nvPicPr>
-          <p:cNvPr id="6" name="sunflower_j0262344.png"/>
-          <p:cNvPicPr>
-            <a:picLocks noGrp="1" noChangeAspect="1"/>
-          </p:cNvPicPr>
-          <p:nvPr>
-            <p:ph type="pic" sz="quarter" idx="13"/>
-          </p:nvPr>
-        </p:nvPicPr>
-        <p:blipFill>
-          <a:blip r:embed="rId4"/>
-          <a:srcRect l="8307" r="8307"/>
-          <a:stretch>
-            <a:fillRect/>
-          </a:stretch>
-        </p:blipFill>
-        <p:spPr>
-          <a:xfrm>
-            <a:off x="5067300" y="388938"/>
-            <a:ext cx="3657600" cy="2887662"/>
-          </a:xfrm>
-          <a:prstGeom prst="rect">
-            <a:avLst/>
-          </a:prstGeom>
-          <a:noFill/>
-          <a:ln w="38100" cap="sq" cmpd="sng" algn="ctr">
-            <a:solidFill>
-              <a:schemeClr val="tx1"/>
-            </a:solidFill>
-            <a:prstDash val="solid"/>
-            <a:miter lim="800000"/>
-          </a:ln>
-          <a:effectLst>
-            <a:outerShdw blurRad="50800" dist="50800" dir="2700000" algn="tl" rotWithShape="0">
-              <a:srgbClr val="000000">
-                <a:alpha val="50000"/>
-              </a:srgbClr>
-            </a:outerShdw>
-          </a:effectLst>
-        </p:spPr>
-      </p:pic>
-      <p:sp>
-        <p:nvSpPr>
-          <p:cNvPr id="8" name="W¥ل云玗İαЂÕØÚáÛ丫:Téxt Plàçèhòlðêr 表¥鷗字㌍_W 10"/>
-          <p:cNvSpPr txBox="1">
-            <a:spLocks/>
-          </p:cNvSpPr>
-          <p:nvPr/>
-        </p:nvSpPr>
-        <p:spPr>
-          <a:xfrm>
-            <a:off x="0" y="5819756"/>
-            <a:ext cx="8610600" cy="752516"/>
-          </a:xfrm>
-          <a:prstGeom prst="rect">
-            <a:avLst/>
-          </a:prstGeom>
-          <a:noFill/>
-          <a:ln w="38100" cap="sq" cmpd="sng" algn="ctr">
-            <a:solidFill>
-              <a:schemeClr val="tx1"/>
-            </a:solidFill>
-            <a:prstDash val="solid"/>
-            <a:miter lim="800000"/>
-          </a:ln>
-          <a:effectLst>
-            <a:outerShdw blurRad="50800" dist="50800" dir="2700000" algn="tl" rotWithShape="0">
-              <a:srgbClr val="000000">
-                <a:alpha val="50000"/>
-              </a:srgbClr>
-            </a:outerShdw>
-          </a:effectLst>
-        </p:spPr>
-        <p:txBody>
-          <a:bodyPr anchor="t">
-            <a:normAutofit/>
+        </p:spPr>
+        <p:txBody>
+          <a:bodyPr wrap="none">
+            <a:spAutoFit/>
           </a:bodyPr>
-          <a:lstStyle>
-            <a:extLst/>
-          </a:lstStyle>
-          <a:p>
-            <a:pPr marL="0" marR="0" lvl="0" indent="1588" defTabSz="914400" rtl="0" eaLnBrk="1" fontAlgn="auto" latinLnBrk="0" hangingPunct="1">
-              <a:lnSpc>
-                <a:spcPct val="100000"/>
-              </a:lnSpc>
-              <a:spcBef>
-                <a:spcPct val="20000"/>
-              </a:spcBef>
-              <a:spcAft>
-                <a:spcPts val="0"/>
-              </a:spcAft>
-              <a:buClrTx/>
-              <a:buSzTx/>
-              <a:buFontTx/>
-              <a:buNone/>
-              <a:tabLst/>
-              <a:defRPr/>
+          <a:lstStyle/>
+          <a:p>
+            <a:pPr>
+              <a:buFont typeface="Wingdings" pitchFamily="2" charset="2"/>
+              <a:buChar char="u"/>
             </a:pPr>
             <a:r>
-              <a:rPr kumimoji="0" lang="en-US" altLang="zh-CN" sz="3200" b="0" i="0" u="none" strike="noStrike" kern="0" cap="none" spc="0" normalizeH="0" baseline="0" noProof="0" dirty="0" err="1" smtClean="0">
-                <a:ln>
-                  <a:noFill/>
-                </a:ln>
-                <a:solidFill>
-                  <a:schemeClr val="tx1"/>
-                </a:solidFill>
-                <a:effectLst/>
-                <a:uLnTx/>
-                <a:uFillTx/>
-                <a:latin typeface="+mn-lt"/>
-                <a:ea typeface="+mn-ea"/>
-                <a:cs typeface="+mn-cs"/>
-              </a:rPr>
-              <a:t>BBossGroupsHOW</a:t>
-            </a:r>
-            <a:r>
-              <a:rPr kumimoji="0" lang="en-US" altLang="zh-CN" sz="3200" b="0" i="0" u="none" strike="noStrike" kern="0" cap="none" spc="0" normalizeH="0" baseline="0" noProof="0" dirty="0" smtClean="0">
-                <a:ln>
-                  <a:noFill/>
-                </a:ln>
-                <a:solidFill>
-                  <a:schemeClr val="tx1"/>
-                </a:solidFill>
-                <a:effectLst/>
-                <a:uLnTx/>
-                <a:uFillTx/>
-                <a:latin typeface="+mn-lt"/>
-                <a:ea typeface="+mn-ea"/>
-                <a:cs typeface="+mn-cs"/>
-              </a:rPr>
-              <a:t>-MVC</a:t>
-            </a:r>
-            <a:r>
-              <a:rPr altLang="en-US" sz="3200" kern="0" dirty="0" smtClean="0"/>
-              <a:t>架构（</a:t>
-            </a:r>
-            <a:r>
-              <a:rPr lang="en-US" altLang="zh-CN" sz="3200" kern="0" dirty="0" smtClean="0"/>
-              <a:t>MVC2</a:t>
-            </a:r>
-            <a:r>
-              <a:rPr altLang="en-US" sz="3200" kern="0" dirty="0" smtClean="0"/>
-              <a:t>）</a:t>
-            </a:r>
-            <a:endParaRPr kumimoji="0" lang="zh-CN" sz="3200" b="0" i="0" u="none" strike="noStrike" kern="0" cap="none" spc="0" normalizeH="0" baseline="0" noProof="0" dirty="0">
-              <a:ln>
-                <a:noFill/>
-              </a:ln>
-              <a:solidFill>
-                <a:schemeClr val="tx1"/>
-              </a:solidFill>
-              <a:effectLst/>
-              <a:uLnTx/>
-              <a:uFillTx/>
-              <a:latin typeface="+mn-lt"/>
-              <a:ea typeface="+mn-ea"/>
-              <a:cs typeface="+mn-cs"/>
-            </a:endParaRPr>
+              <a:rPr lang="en-US" altLang="zh-CN" sz="2000" dirty="0" smtClean="0"/>
+              <a:t>AOP/IOC</a:t>
+            </a:r>
+            <a:r>
+              <a:rPr altLang="en-US" sz="2000" dirty="0" smtClean="0"/>
+              <a:t>监控</a:t>
+            </a:r>
+            <a:r>
+              <a:rPr lang="en-US" altLang="en-US" sz="2000" dirty="0" smtClean="0"/>
+              <a:t>-</a:t>
+            </a:r>
+            <a:r>
+              <a:rPr altLang="en-US" sz="2000" dirty="0" smtClean="0"/>
+              <a:t>可方便地查看组件配置信息，可方便地查找</a:t>
+            </a:r>
+            <a:r>
+              <a:rPr lang="en-US" altLang="zh-CN" sz="2000" dirty="0" err="1" smtClean="0"/>
+              <a:t>rpc</a:t>
+            </a:r>
+            <a:r>
+              <a:rPr altLang="en-US" sz="2000" dirty="0" smtClean="0"/>
+              <a:t>服务信息</a:t>
+            </a:r>
           </a:p>
         </p:txBody>
       </p:sp>
       <p:cxnSp>
         <p:nvCxnSpPr>
-          <p:cNvPr id="9" name="直接连接符 8"/>
+          <p:cNvPr id="18" name="直接连接符 17"/>
           <p:cNvCxnSpPr/>
           <p:nvPr/>
         </p:nvCxnSpPr>
         <p:spPr>
           <a:xfrm>
-            <a:off x="3857620" y="6429396"/>
-            <a:ext cx="3500462" cy="1588"/>
+            <a:off x="3643306" y="6357958"/>
+            <a:ext cx="1143008" cy="1588"/>
           </a:xfrm>
           <a:prstGeom prst="line">
             <a:avLst/>
@@ -10554,296 +10650,54 @@
           </a:fontRef>
         </p:style>
       </p:cxnSp>
-      <p:sp>
-        <p:nvSpPr>
-          <p:cNvPr id="11" name="图片占位符 10"/>
-          <p:cNvSpPr>
-            <a:spLocks noGrp="1"/>
-          </p:cNvSpPr>
-          <p:nvPr>
-            <p:ph type="pic" sz="quarter" idx="12"/>
-          </p:nvPr>
-        </p:nvSpPr>
-        <p:spPr>
-          <a:xfrm>
-            <a:off x="426720" y="384048"/>
-            <a:ext cx="4457700" cy="5188092"/>
-          </a:xfrm>
-        </p:spPr>
-      </p:sp>
-      <p:sp>
-        <p:nvSpPr>
-          <p:cNvPr id="12" name="矩形 11"/>
-          <p:cNvSpPr/>
+      <p:pic>
+        <p:nvPicPr>
+          <p:cNvPr id="5123" name="Picture 3"/>
+          <p:cNvPicPr>
+            <a:picLocks noChangeAspect="1" noChangeArrowheads="1"/>
+          </p:cNvPicPr>
           <p:nvPr/>
-        </p:nvSpPr>
-        <p:spPr>
-          <a:xfrm>
-            <a:off x="1428728" y="571480"/>
-            <a:ext cx="2214578" cy="914400"/>
-          </a:xfrm>
-          <a:prstGeom prst="rect">
-            <a:avLst/>
-          </a:prstGeom>
-        </p:spPr>
-        <p:style>
-          <a:lnRef idx="1">
-            <a:schemeClr val="accent3"/>
-          </a:lnRef>
-          <a:fillRef idx="3">
-            <a:schemeClr val="accent3"/>
-          </a:fillRef>
-          <a:effectRef idx="2">
-            <a:schemeClr val="accent3"/>
-          </a:effectRef>
-          <a:fontRef idx="minor">
-            <a:schemeClr val="lt1"/>
-          </a:fontRef>
-        </p:style>
-        <p:txBody>
-          <a:bodyPr rtlCol="0" anchor="ctr"/>
-          <a:lstStyle/>
-          <a:p>
-            <a:pPr algn="ctr"/>
-            <a:r>
-              <a:rPr lang="en-US" altLang="zh-CN" dirty="0" smtClean="0"/>
-              <a:t>View</a:t>
-            </a:r>
-            <a:endParaRPr lang="zh-CN" altLang="en-US" dirty="0"/>
-          </a:p>
-        </p:txBody>
-      </p:sp>
-      <p:sp>
-        <p:nvSpPr>
-          <p:cNvPr id="13" name="矩形 12"/>
-          <p:cNvSpPr/>
-          <p:nvPr/>
-        </p:nvSpPr>
-        <p:spPr>
-          <a:xfrm>
-            <a:off x="1428728" y="2357430"/>
-            <a:ext cx="2214578" cy="914400"/>
-          </a:xfrm>
-          <a:prstGeom prst="rect">
-            <a:avLst/>
-          </a:prstGeom>
-        </p:spPr>
-        <p:style>
-          <a:lnRef idx="1">
-            <a:schemeClr val="accent3"/>
-          </a:lnRef>
-          <a:fillRef idx="2">
-            <a:schemeClr val="accent3"/>
-          </a:fillRef>
-          <a:effectRef idx="1">
-            <a:schemeClr val="accent3"/>
-          </a:effectRef>
-          <a:fontRef idx="minor">
-            <a:schemeClr val="dk1"/>
-          </a:fontRef>
-        </p:style>
-        <p:txBody>
-          <a:bodyPr rtlCol="0" anchor="ctr"/>
-          <a:lstStyle/>
-          <a:p>
-            <a:pPr algn="ctr"/>
-            <a:r>
-              <a:rPr lang="en-US" altLang="zh-CN" dirty="0" smtClean="0"/>
-              <a:t>Controller</a:t>
-            </a:r>
-            <a:endParaRPr lang="zh-CN" altLang="en-US" dirty="0"/>
-          </a:p>
-        </p:txBody>
-      </p:sp>
-      <p:sp>
-        <p:nvSpPr>
-          <p:cNvPr id="14" name="矩形 13"/>
-          <p:cNvSpPr/>
-          <p:nvPr/>
-        </p:nvSpPr>
-        <p:spPr>
-          <a:xfrm>
-            <a:off x="1428728" y="3929066"/>
-            <a:ext cx="2214578" cy="914400"/>
-          </a:xfrm>
-          <a:prstGeom prst="rect">
-            <a:avLst/>
-          </a:prstGeom>
-        </p:spPr>
-        <p:style>
-          <a:lnRef idx="1">
-            <a:schemeClr val="accent5"/>
-          </a:lnRef>
-          <a:fillRef idx="3">
-            <a:schemeClr val="accent5"/>
-          </a:fillRef>
-          <a:effectRef idx="2">
-            <a:schemeClr val="accent5"/>
-          </a:effectRef>
-          <a:fontRef idx="minor">
-            <a:schemeClr val="lt1"/>
-          </a:fontRef>
-        </p:style>
-        <p:txBody>
-          <a:bodyPr rtlCol="0" anchor="ctr"/>
-          <a:lstStyle/>
-          <a:p>
-            <a:pPr algn="ctr"/>
-            <a:r>
-              <a:rPr lang="en-US" altLang="zh-CN" dirty="0" smtClean="0"/>
-              <a:t>Model</a:t>
-            </a:r>
-            <a:endParaRPr lang="zh-CN" altLang="en-US" dirty="0"/>
-          </a:p>
-        </p:txBody>
-      </p:sp>
-      <p:cxnSp>
-        <p:nvCxnSpPr>
-          <p:cNvPr id="16" name="直接箭头连接符 15"/>
-          <p:cNvCxnSpPr/>
-          <p:nvPr/>
-        </p:nvCxnSpPr>
-        <p:spPr>
-          <a:xfrm rot="5400000">
-            <a:off x="1785124" y="1928802"/>
-            <a:ext cx="857256" cy="1588"/>
-          </a:xfrm>
-          <a:prstGeom prst="straightConnector1">
-            <a:avLst/>
-          </a:prstGeom>
-          <a:ln w="38100">
-            <a:tailEnd type="arrow"/>
-          </a:ln>
-        </p:spPr>
-        <p:style>
-          <a:lnRef idx="2">
-            <a:schemeClr val="accent2"/>
-          </a:lnRef>
-          <a:fillRef idx="0">
-            <a:schemeClr val="accent2"/>
-          </a:fillRef>
-          <a:effectRef idx="1">
-            <a:schemeClr val="accent2"/>
-          </a:effectRef>
-          <a:fontRef idx="minor">
-            <a:schemeClr val="tx1"/>
-          </a:fontRef>
-        </p:style>
-      </p:cxnSp>
-      <p:cxnSp>
-        <p:nvCxnSpPr>
-          <p:cNvPr id="18" name="直接箭头连接符 17"/>
-          <p:cNvCxnSpPr/>
-          <p:nvPr/>
-        </p:nvCxnSpPr>
-        <p:spPr>
-          <a:xfrm rot="5400000" flipH="1" flipV="1">
-            <a:off x="2358216" y="1928802"/>
-            <a:ext cx="857256" cy="1588"/>
-          </a:xfrm>
-          <a:prstGeom prst="straightConnector1">
-            <a:avLst/>
-          </a:prstGeom>
-          <a:ln w="38100">
-            <a:tailEnd type="arrow"/>
-          </a:ln>
-        </p:spPr>
-        <p:style>
-          <a:lnRef idx="2">
-            <a:schemeClr val="dk1"/>
-          </a:lnRef>
-          <a:fillRef idx="0">
-            <a:schemeClr val="dk1"/>
-          </a:fillRef>
-          <a:effectRef idx="1">
-            <a:schemeClr val="dk1"/>
-          </a:effectRef>
-          <a:fontRef idx="minor">
-            <a:schemeClr val="tx1"/>
-          </a:fontRef>
-        </p:style>
-      </p:cxnSp>
-      <p:cxnSp>
-        <p:nvCxnSpPr>
-          <p:cNvPr id="20" name="直接箭头连接符 19"/>
-          <p:cNvCxnSpPr/>
-          <p:nvPr/>
-        </p:nvCxnSpPr>
-        <p:spPr>
-          <a:xfrm rot="5400000">
-            <a:off x="1893075" y="3607595"/>
-            <a:ext cx="642942" cy="1588"/>
-          </a:xfrm>
-          <a:prstGeom prst="straightConnector1">
-            <a:avLst/>
-          </a:prstGeom>
-          <a:ln w="38100">
-            <a:tailEnd type="arrow"/>
-          </a:ln>
-        </p:spPr>
-        <p:style>
-          <a:lnRef idx="2">
-            <a:schemeClr val="accent2"/>
-          </a:lnRef>
-          <a:fillRef idx="0">
-            <a:schemeClr val="accent2"/>
-          </a:fillRef>
-          <a:effectRef idx="1">
-            <a:schemeClr val="accent2"/>
-          </a:effectRef>
-          <a:fontRef idx="minor">
-            <a:schemeClr val="tx1"/>
-          </a:fontRef>
-        </p:style>
-      </p:cxnSp>
-      <p:cxnSp>
-        <p:nvCxnSpPr>
-          <p:cNvPr id="22" name="直接箭头连接符 21"/>
-          <p:cNvCxnSpPr/>
-          <p:nvPr/>
-        </p:nvCxnSpPr>
-        <p:spPr>
-          <a:xfrm rot="5400000" flipH="1" flipV="1">
-            <a:off x="2464579" y="3607595"/>
-            <a:ext cx="642942" cy="1588"/>
-          </a:xfrm>
-          <a:prstGeom prst="straightConnector1">
-            <a:avLst/>
-          </a:prstGeom>
-          <a:ln w="38100">
-            <a:tailEnd type="arrow"/>
-          </a:ln>
-        </p:spPr>
-        <p:style>
-          <a:lnRef idx="2">
-            <a:schemeClr val="dk1"/>
-          </a:lnRef>
-          <a:fillRef idx="0">
-            <a:schemeClr val="dk1"/>
-          </a:fillRef>
-          <a:effectRef idx="1">
-            <a:schemeClr val="dk1"/>
-          </a:effectRef>
-          <a:fontRef idx="minor">
-            <a:schemeClr val="tx1"/>
-          </a:fontRef>
-        </p:style>
-      </p:cxnSp>
-      <p:sp>
-        <p:nvSpPr>
-          <p:cNvPr id="23" name="TextBox 22"/>
-          <p:cNvSpPr txBox="1"/>
-          <p:nvPr/>
-        </p:nvSpPr>
-        <p:spPr>
-          <a:xfrm>
-            <a:off x="1500166" y="1643050"/>
-            <a:ext cx="646331" cy="646331"/>
+        </p:nvPicPr>
+        <p:blipFill>
+          <a:blip r:embed="rId3"/>
+          <a:srcRect/>
+          <a:stretch>
+            <a:fillRect/>
+          </a:stretch>
+        </p:blipFill>
+        <p:spPr bwMode="auto">
+          <a:xfrm>
+            <a:off x="500033" y="642918"/>
+            <a:ext cx="8358247" cy="5214974"/>
           </a:xfrm>
           <a:prstGeom prst="rect">
             <a:avLst/>
           </a:prstGeom>
           <a:noFill/>
+          <a:ln w="9525">
+            <a:noFill/>
+            <a:miter lim="800000"/>
+            <a:headEnd/>
+            <a:tailEnd/>
+          </a:ln>
+          <a:effectLst/>
+        </p:spPr>
+      </p:pic>
+      <p:sp>
+        <p:nvSpPr>
+          <p:cNvPr id="9" name="TextBox 8"/>
+          <p:cNvSpPr txBox="1"/>
+          <p:nvPr/>
+        </p:nvSpPr>
+        <p:spPr>
+          <a:xfrm>
+            <a:off x="0" y="6488668"/>
+            <a:ext cx="3230372" cy="369332"/>
+          </a:xfrm>
+          <a:prstGeom prst="rect">
+            <a:avLst/>
+          </a:prstGeom>
+          <a:noFill/>
         </p:spPr>
         <p:txBody>
           <a:bodyPr wrap="none" rtlCol="0">
@@ -10852,558 +10706,8 @@
           <a:lstStyle/>
           <a:p>
             <a:r>
-              <a:rPr altLang="en-US" dirty="0" smtClean="0"/>
-              <a:t>参数</a:t>
-            </a:r>
-            <a:endParaRPr lang="en-US" altLang="en-US" dirty="0" smtClean="0"/>
-          </a:p>
-          <a:p>
-            <a:r>
-              <a:rPr altLang="en-US" dirty="0" smtClean="0"/>
-              <a:t>绑定</a:t>
-            </a:r>
-            <a:endParaRPr lang="zh-CN" altLang="en-US" dirty="0"/>
-          </a:p>
-        </p:txBody>
-      </p:sp>
-      <p:sp>
-        <p:nvSpPr>
-          <p:cNvPr id="25" name="TextBox 24"/>
-          <p:cNvSpPr txBox="1"/>
-          <p:nvPr/>
-        </p:nvSpPr>
-        <p:spPr>
-          <a:xfrm>
-            <a:off x="2928926" y="1643050"/>
-            <a:ext cx="1813317" cy="646331"/>
-          </a:xfrm>
-          <a:prstGeom prst="rect">
-            <a:avLst/>
-          </a:prstGeom>
-          <a:noFill/>
-        </p:spPr>
-        <p:txBody>
-          <a:bodyPr wrap="none" rtlCol="0">
-            <a:spAutoFit/>
-          </a:bodyPr>
-          <a:lstStyle/>
-          <a:p>
-            <a:r>
-              <a:rPr lang="en-US" altLang="zh-CN" dirty="0" smtClean="0"/>
-              <a:t>Model</a:t>
-            </a:r>
-          </a:p>
-          <a:p>
-            <a:r>
-              <a:rPr lang="en-US" altLang="zh-CN" dirty="0" err="1" smtClean="0"/>
-              <a:t>ModelAndView</a:t>
-            </a:r>
-            <a:endParaRPr lang="zh-CN" altLang="en-US" dirty="0"/>
-          </a:p>
-        </p:txBody>
-      </p:sp>
-      <p:sp>
-        <p:nvSpPr>
-          <p:cNvPr id="26" name="TextBox 25"/>
-          <p:cNvSpPr txBox="1"/>
-          <p:nvPr/>
-        </p:nvSpPr>
-        <p:spPr>
-          <a:xfrm>
-            <a:off x="1500166" y="3286124"/>
-            <a:ext cx="646331" cy="646331"/>
-          </a:xfrm>
-          <a:prstGeom prst="rect">
-            <a:avLst/>
-          </a:prstGeom>
-          <a:noFill/>
-        </p:spPr>
-        <p:txBody>
-          <a:bodyPr wrap="none" rtlCol="0">
-            <a:spAutoFit/>
-          </a:bodyPr>
-          <a:lstStyle/>
-          <a:p>
-            <a:r>
-              <a:rPr altLang="en-US" dirty="0" smtClean="0"/>
-              <a:t>业务</a:t>
-            </a:r>
-            <a:endParaRPr lang="en-US" altLang="en-US" dirty="0" smtClean="0"/>
-          </a:p>
-          <a:p>
-            <a:r>
-              <a:rPr altLang="en-US" dirty="0" smtClean="0"/>
-              <a:t>处理</a:t>
-            </a:r>
-            <a:endParaRPr lang="zh-CN" altLang="en-US" dirty="0"/>
-          </a:p>
-        </p:txBody>
-      </p:sp>
-      <p:sp>
-        <p:nvSpPr>
-          <p:cNvPr id="27" name="TextBox 26"/>
-          <p:cNvSpPr txBox="1"/>
-          <p:nvPr/>
-        </p:nvSpPr>
-        <p:spPr>
-          <a:xfrm>
-            <a:off x="2857488" y="3357562"/>
-            <a:ext cx="646331" cy="646331"/>
-          </a:xfrm>
-          <a:prstGeom prst="rect">
-            <a:avLst/>
-          </a:prstGeom>
-          <a:noFill/>
-        </p:spPr>
-        <p:txBody>
-          <a:bodyPr wrap="none" rtlCol="0">
-            <a:spAutoFit/>
-          </a:bodyPr>
-          <a:lstStyle/>
-          <a:p>
-            <a:r>
-              <a:rPr altLang="en-US" dirty="0" smtClean="0"/>
-              <a:t>返回</a:t>
-            </a:r>
-            <a:endParaRPr lang="en-US" altLang="en-US" dirty="0" smtClean="0"/>
-          </a:p>
-          <a:p>
-            <a:r>
-              <a:rPr altLang="en-US" dirty="0" smtClean="0"/>
-              <a:t>结果</a:t>
-            </a:r>
-            <a:endParaRPr lang="zh-CN" altLang="en-US" dirty="0"/>
-          </a:p>
-        </p:txBody>
-      </p:sp>
-      <p:sp>
-        <p:nvSpPr>
-          <p:cNvPr id="28" name="椭圆 27"/>
-          <p:cNvSpPr/>
-          <p:nvPr/>
-        </p:nvSpPr>
-        <p:spPr>
-          <a:xfrm>
-            <a:off x="5357818" y="1643050"/>
-            <a:ext cx="3286148" cy="2714644"/>
-          </a:xfrm>
-          <a:prstGeom prst="ellipse">
-            <a:avLst/>
-          </a:prstGeom>
-        </p:spPr>
-        <p:style>
-          <a:lnRef idx="1">
-            <a:schemeClr val="dk1"/>
-          </a:lnRef>
-          <a:fillRef idx="3">
-            <a:schemeClr val="dk1"/>
-          </a:fillRef>
-          <a:effectRef idx="2">
-            <a:schemeClr val="dk1"/>
-          </a:effectRef>
-          <a:fontRef idx="minor">
-            <a:schemeClr val="lt1"/>
-          </a:fontRef>
-        </p:style>
-        <p:txBody>
-          <a:bodyPr rtlCol="0" anchor="ctr"/>
-          <a:lstStyle/>
-          <a:p>
-            <a:pPr algn="ctr"/>
-            <a:r>
-              <a:rPr lang="en-US" altLang="zh-CN" dirty="0" smtClean="0"/>
-              <a:t>AOP/IOC</a:t>
-            </a:r>
-            <a:r>
-              <a:rPr altLang="en-US" dirty="0" smtClean="0"/>
-              <a:t>内核</a:t>
-            </a:r>
-            <a:endParaRPr lang="zh-CN" altLang="en-US" dirty="0"/>
-          </a:p>
-        </p:txBody>
-      </p:sp>
-      <p:cxnSp>
-        <p:nvCxnSpPr>
-          <p:cNvPr id="30" name="直接连接符 29"/>
-          <p:cNvCxnSpPr/>
-          <p:nvPr/>
-        </p:nvCxnSpPr>
-        <p:spPr>
-          <a:xfrm>
-            <a:off x="3643306" y="1214422"/>
-            <a:ext cx="1857388" cy="1143008"/>
-          </a:xfrm>
-          <a:prstGeom prst="line">
-            <a:avLst/>
-          </a:prstGeom>
-          <a:ln w="38100">
-            <a:solidFill>
-              <a:srgbClr val="FF0000"/>
-            </a:solidFill>
-          </a:ln>
-        </p:spPr>
-        <p:style>
-          <a:lnRef idx="1">
-            <a:schemeClr val="accent1"/>
-          </a:lnRef>
-          <a:fillRef idx="0">
-            <a:schemeClr val="accent1"/>
-          </a:fillRef>
-          <a:effectRef idx="0">
-            <a:schemeClr val="accent1"/>
-          </a:effectRef>
-          <a:fontRef idx="minor">
-            <a:schemeClr val="tx1"/>
-          </a:fontRef>
-        </p:style>
-      </p:cxnSp>
-      <p:cxnSp>
-        <p:nvCxnSpPr>
-          <p:cNvPr id="32" name="直接连接符 31"/>
-          <p:cNvCxnSpPr>
-            <a:stCxn id="28" idx="2"/>
-            <a:endCxn id="13" idx="3"/>
-          </p:cNvCxnSpPr>
-          <p:nvPr/>
-        </p:nvCxnSpPr>
-        <p:spPr>
-          <a:xfrm rot="10800000">
-            <a:off x="3643306" y="2814630"/>
-            <a:ext cx="1714512" cy="185742"/>
-          </a:xfrm>
-          <a:prstGeom prst="line">
-            <a:avLst/>
-          </a:prstGeom>
-          <a:ln w="38100">
-            <a:solidFill>
-              <a:srgbClr val="FF0000"/>
-            </a:solidFill>
-          </a:ln>
-        </p:spPr>
-        <p:style>
-          <a:lnRef idx="1">
-            <a:schemeClr val="accent1"/>
-          </a:lnRef>
-          <a:fillRef idx="0">
-            <a:schemeClr val="accent1"/>
-          </a:fillRef>
-          <a:effectRef idx="0">
-            <a:schemeClr val="accent1"/>
-          </a:effectRef>
-          <a:fontRef idx="minor">
-            <a:schemeClr val="tx1"/>
-          </a:fontRef>
-        </p:style>
-      </p:cxnSp>
-      <p:cxnSp>
-        <p:nvCxnSpPr>
-          <p:cNvPr id="34" name="直接连接符 33"/>
-          <p:cNvCxnSpPr>
-            <a:endCxn id="14" idx="3"/>
-          </p:cNvCxnSpPr>
-          <p:nvPr/>
-        </p:nvCxnSpPr>
-        <p:spPr>
-          <a:xfrm rot="10800000" flipV="1">
-            <a:off x="3643306" y="3500438"/>
-            <a:ext cx="1785950" cy="885828"/>
-          </a:xfrm>
-          <a:prstGeom prst="line">
-            <a:avLst/>
-          </a:prstGeom>
-          <a:ln w="38100">
-            <a:solidFill>
-              <a:srgbClr val="FF0000"/>
-            </a:solidFill>
-          </a:ln>
-        </p:spPr>
-        <p:style>
-          <a:lnRef idx="1">
-            <a:schemeClr val="accent1"/>
-          </a:lnRef>
-          <a:fillRef idx="0">
-            <a:schemeClr val="accent1"/>
-          </a:fillRef>
-          <a:effectRef idx="0">
-            <a:schemeClr val="accent1"/>
-          </a:effectRef>
-          <a:fontRef idx="minor">
-            <a:schemeClr val="tx1"/>
-          </a:fontRef>
-        </p:style>
-      </p:cxnSp>
-      <p:sp>
-        <p:nvSpPr>
-          <p:cNvPr id="38" name="矩形 37"/>
-          <p:cNvSpPr/>
-          <p:nvPr/>
-        </p:nvSpPr>
-        <p:spPr>
-          <a:xfrm>
-            <a:off x="1500166" y="4857760"/>
-            <a:ext cx="785818" cy="357190"/>
-          </a:xfrm>
-          <a:prstGeom prst="rect">
-            <a:avLst/>
-          </a:prstGeom>
-        </p:spPr>
-        <p:style>
-          <a:lnRef idx="2">
-            <a:schemeClr val="accent1">
-              <a:shade val="50000"/>
-            </a:schemeClr>
-          </a:lnRef>
-          <a:fillRef idx="1">
-            <a:schemeClr val="accent1"/>
-          </a:fillRef>
-          <a:effectRef idx="0">
-            <a:schemeClr val="accent1"/>
-          </a:effectRef>
-          <a:fontRef idx="minor">
-            <a:schemeClr val="lt1"/>
-          </a:fontRef>
-        </p:style>
-        <p:txBody>
-          <a:bodyPr rtlCol="0" anchor="ctr"/>
-          <a:lstStyle/>
-          <a:p>
-            <a:pPr algn="ctr"/>
-            <a:endParaRPr lang="zh-CN" altLang="en-US"/>
-          </a:p>
-        </p:txBody>
-      </p:sp>
-      <p:sp>
-        <p:nvSpPr>
-          <p:cNvPr id="39" name="矩形 38"/>
-          <p:cNvSpPr/>
-          <p:nvPr/>
-        </p:nvSpPr>
-        <p:spPr>
-          <a:xfrm>
-            <a:off x="2643174" y="4857760"/>
-            <a:ext cx="857256" cy="357190"/>
-          </a:xfrm>
-          <a:prstGeom prst="rect">
-            <a:avLst/>
-          </a:prstGeom>
-        </p:spPr>
-        <p:style>
-          <a:lnRef idx="2">
-            <a:schemeClr val="accent1">
-              <a:shade val="50000"/>
-            </a:schemeClr>
-          </a:lnRef>
-          <a:fillRef idx="1">
-            <a:schemeClr val="accent1"/>
-          </a:fillRef>
-          <a:effectRef idx="0">
-            <a:schemeClr val="accent1"/>
-          </a:effectRef>
-          <a:fontRef idx="minor">
-            <a:schemeClr val="lt1"/>
-          </a:fontRef>
-        </p:style>
-        <p:txBody>
-          <a:bodyPr rtlCol="0" anchor="ctr"/>
-          <a:lstStyle/>
-          <a:p>
-            <a:pPr algn="ctr"/>
-            <a:endParaRPr lang="zh-CN" altLang="en-US"/>
-          </a:p>
-        </p:txBody>
-      </p:sp>
-      <p:sp>
-        <p:nvSpPr>
-          <p:cNvPr id="40" name="TextBox 39"/>
-          <p:cNvSpPr txBox="1"/>
-          <p:nvPr/>
-        </p:nvSpPr>
-        <p:spPr>
-          <a:xfrm>
-            <a:off x="2035244" y="4500570"/>
-            <a:ext cx="1107996" cy="369332"/>
-          </a:xfrm>
-          <a:prstGeom prst="rect">
-            <a:avLst/>
-          </a:prstGeom>
-          <a:noFill/>
-        </p:spPr>
-        <p:txBody>
-          <a:bodyPr wrap="none" rtlCol="0">
-            <a:spAutoFit/>
-          </a:bodyPr>
-          <a:lstStyle/>
-          <a:p>
-            <a:r>
-              <a:rPr altLang="en-US" dirty="0" smtClean="0"/>
-              <a:t>业务组件</a:t>
-            </a:r>
-            <a:endParaRPr lang="zh-CN" altLang="en-US" dirty="0"/>
-          </a:p>
-        </p:txBody>
-      </p:sp>
-      <p:sp>
-        <p:nvSpPr>
-          <p:cNvPr id="41" name="TextBox 40"/>
-          <p:cNvSpPr txBox="1"/>
-          <p:nvPr/>
-        </p:nvSpPr>
-        <p:spPr>
-          <a:xfrm>
-            <a:off x="1357290" y="4857760"/>
-            <a:ext cx="1069524" cy="369332"/>
-          </a:xfrm>
-          <a:prstGeom prst="rect">
-            <a:avLst/>
-          </a:prstGeom>
-        </p:spPr>
-        <p:style>
-          <a:lnRef idx="0">
-            <a:schemeClr val="accent6"/>
-          </a:lnRef>
-          <a:fillRef idx="3">
-            <a:schemeClr val="accent6"/>
-          </a:fillRef>
-          <a:effectRef idx="3">
-            <a:schemeClr val="accent6"/>
-          </a:effectRef>
-          <a:fontRef idx="minor">
-            <a:schemeClr val="lt1"/>
-          </a:fontRef>
-        </p:style>
-        <p:txBody>
-          <a:bodyPr wrap="none" rtlCol="0">
-            <a:spAutoFit/>
-          </a:bodyPr>
-          <a:lstStyle/>
-          <a:p>
-            <a:r>
-              <a:rPr lang="en-US" altLang="zh-CN" dirty="0" smtClean="0"/>
-              <a:t>Dao</a:t>
-            </a:r>
-            <a:r>
-              <a:rPr altLang="en-US" dirty="0" smtClean="0"/>
-              <a:t>组件</a:t>
-            </a:r>
-            <a:endParaRPr lang="zh-CN" altLang="en-US" dirty="0"/>
-          </a:p>
-        </p:txBody>
-      </p:sp>
-      <p:sp>
-        <p:nvSpPr>
-          <p:cNvPr id="42" name="TextBox 41"/>
-          <p:cNvSpPr txBox="1"/>
-          <p:nvPr/>
-        </p:nvSpPr>
-        <p:spPr>
-          <a:xfrm>
-            <a:off x="2643174" y="4857760"/>
-            <a:ext cx="1069524" cy="369332"/>
-          </a:xfrm>
-          <a:prstGeom prst="rect">
-            <a:avLst/>
-          </a:prstGeom>
-        </p:spPr>
-        <p:style>
-          <a:lnRef idx="0">
-            <a:schemeClr val="accent6"/>
-          </a:lnRef>
-          <a:fillRef idx="3">
-            <a:schemeClr val="accent6"/>
-          </a:fillRef>
-          <a:effectRef idx="3">
-            <a:schemeClr val="accent6"/>
-          </a:effectRef>
-          <a:fontRef idx="minor">
-            <a:schemeClr val="lt1"/>
-          </a:fontRef>
-        </p:style>
-        <p:txBody>
-          <a:bodyPr wrap="none" rtlCol="0">
-            <a:spAutoFit/>
-          </a:bodyPr>
-          <a:lstStyle/>
-          <a:p>
-            <a:r>
-              <a:rPr lang="en-US" altLang="zh-CN" dirty="0" smtClean="0"/>
-              <a:t>Dao</a:t>
-            </a:r>
-            <a:r>
-              <a:rPr altLang="en-US" dirty="0" smtClean="0"/>
-              <a:t>组件</a:t>
-            </a:r>
-            <a:endParaRPr lang="zh-CN" altLang="en-US" dirty="0"/>
-          </a:p>
-        </p:txBody>
-      </p:sp>
-      <p:sp>
-        <p:nvSpPr>
-          <p:cNvPr id="44" name="TextBox 43"/>
-          <p:cNvSpPr txBox="1"/>
-          <p:nvPr/>
-        </p:nvSpPr>
-        <p:spPr>
-          <a:xfrm>
-            <a:off x="5857884" y="1214422"/>
-            <a:ext cx="1107996" cy="369332"/>
-          </a:xfrm>
-          <a:prstGeom prst="rect">
-            <a:avLst/>
-          </a:prstGeom>
-        </p:spPr>
-        <p:style>
-          <a:lnRef idx="1">
-            <a:schemeClr val="accent2"/>
-          </a:lnRef>
-          <a:fillRef idx="3">
-            <a:schemeClr val="accent2"/>
-          </a:fillRef>
-          <a:effectRef idx="2">
-            <a:schemeClr val="accent2"/>
-          </a:effectRef>
-          <a:fontRef idx="minor">
-            <a:schemeClr val="lt1"/>
-          </a:fontRef>
-        </p:style>
-        <p:txBody>
-          <a:bodyPr wrap="none" rtlCol="0">
-            <a:spAutoFit/>
-          </a:bodyPr>
-          <a:lstStyle/>
-          <a:p>
-            <a:r>
-              <a:rPr altLang="en-US" dirty="0" smtClean="0"/>
-              <a:t>综合治理</a:t>
-            </a:r>
-            <a:endParaRPr lang="zh-CN" altLang="en-US" dirty="0"/>
-          </a:p>
-        </p:txBody>
-      </p:sp>
-      <p:sp>
-        <p:nvSpPr>
-          <p:cNvPr id="46" name="TextBox 45"/>
-          <p:cNvSpPr txBox="1"/>
-          <p:nvPr/>
-        </p:nvSpPr>
-        <p:spPr>
-          <a:xfrm>
-            <a:off x="0" y="6488668"/>
-            <a:ext cx="3230372" cy="369332"/>
-          </a:xfrm>
-          <a:prstGeom prst="rect">
-            <a:avLst/>
-          </a:prstGeom>
-          <a:noFill/>
-        </p:spPr>
-        <p:txBody>
-          <a:bodyPr wrap="none" rtlCol="0">
-            <a:spAutoFit/>
-          </a:bodyPr>
-          <a:lstStyle/>
-          <a:p>
-            <a:r>
               <a:rPr lang="en-US" altLang="zh-CN" dirty="0" smtClean="0">
-                <a:hlinkClick r:id="rId5"/>
+                <a:hlinkClick r:id="rId4"/>
               </a:rPr>
               <a:t>http://www.bbossgroups.com</a:t>
             </a:r>
@@ -11446,90 +10750,26 @@
           <a:chExt cx="0" cy="0"/>
         </a:xfrm>
       </p:grpSpPr>
-      <p:cxnSp>
-        <p:nvCxnSpPr>
-          <p:cNvPr id="10" name="直接箭头连接符 9"/>
-          <p:cNvCxnSpPr/>
-          <p:nvPr/>
-        </p:nvCxnSpPr>
-        <p:spPr>
-          <a:xfrm rot="5400000">
-            <a:off x="-2037206" y="2821380"/>
-            <a:ext cx="5358644" cy="1589"/>
-          </a:xfrm>
-          <a:prstGeom prst="straightConnector1">
-            <a:avLst/>
-          </a:prstGeom>
-          <a:ln w="38100">
-            <a:solidFill>
-              <a:srgbClr val="C00000"/>
-            </a:solidFill>
-            <a:tailEnd type="arrow"/>
-          </a:ln>
-        </p:spPr>
-        <p:style>
-          <a:lnRef idx="1">
-            <a:schemeClr val="accent1"/>
-          </a:lnRef>
-          <a:fillRef idx="0">
-            <a:schemeClr val="accent1"/>
-          </a:fillRef>
-          <a:effectRef idx="0">
-            <a:schemeClr val="accent1"/>
-          </a:effectRef>
-          <a:fontRef idx="minor">
-            <a:schemeClr val="tx1"/>
-          </a:fontRef>
-        </p:style>
-      </p:cxnSp>
-      <p:cxnSp>
-        <p:nvCxnSpPr>
-          <p:cNvPr id="12" name="直接箭头连接符 11"/>
-          <p:cNvCxnSpPr/>
-          <p:nvPr/>
-        </p:nvCxnSpPr>
-        <p:spPr>
-          <a:xfrm rot="5400000" flipH="1" flipV="1">
-            <a:off x="5821767" y="2749148"/>
-            <a:ext cx="5214180" cy="1589"/>
-          </a:xfrm>
-          <a:prstGeom prst="straightConnector1">
-            <a:avLst/>
-          </a:prstGeom>
-          <a:ln w="38100">
-            <a:solidFill>
-              <a:srgbClr val="FF0000"/>
-            </a:solidFill>
-            <a:tailEnd type="arrow"/>
-          </a:ln>
-        </p:spPr>
-        <p:style>
-          <a:lnRef idx="1">
-            <a:schemeClr val="accent1"/>
-          </a:lnRef>
-          <a:fillRef idx="0">
-            <a:schemeClr val="accent1"/>
-          </a:fillRef>
-          <a:effectRef idx="0">
-            <a:schemeClr val="accent1"/>
-          </a:effectRef>
-          <a:fontRef idx="minor">
-            <a:schemeClr val="tx1"/>
-          </a:fontRef>
-        </p:style>
-      </p:cxnSp>
-      <p:sp>
-        <p:nvSpPr>
-          <p:cNvPr id="13" name="W¥ل云玗İαЂÕØÚáÛ丫:Téxt Plàçèhòlðêr 表¥鷗字㌍_W 10"/>
-          <p:cNvSpPr txBox="1">
-            <a:spLocks/>
-          </p:cNvSpPr>
-          <p:nvPr/>
-        </p:nvSpPr>
-        <p:spPr>
-          <a:xfrm>
-            <a:off x="0" y="5819756"/>
-            <a:ext cx="8715404" cy="681078"/>
+      <p:pic>
+        <p:nvPicPr>
+          <p:cNvPr id="4" name="j0390471.jpg"/>
+          <p:cNvPicPr>
+            <a:picLocks noGrp="1" noChangeAspect="1"/>
+          </p:cNvPicPr>
+          <p:nvPr>
+            <p:ph type="pic" sz="quarter" idx="10"/>
+          </p:nvPr>
+        </p:nvPicPr>
+        <p:blipFill>
+          <a:blip r:embed="rId3"/>
+          <a:stretch>
+            <a:fillRect/>
+          </a:stretch>
+        </p:blipFill>
+        <p:spPr>
+          <a:xfrm>
+            <a:off x="419100" y="381000"/>
+            <a:ext cx="4640263" cy="6172200"/>
           </a:xfrm>
           <a:prstGeom prst="rect">
             <a:avLst/>
@@ -11550,163 +10790,122 @@
             </a:outerShdw>
           </a:effectLst>
         </p:spPr>
-        <p:txBody>
-          <a:bodyPr anchor="t">
-            <a:normAutofit/>
-          </a:bodyPr>
+      </p:pic>
+      <p:sp>
+        <p:nvSpPr>
+          <p:cNvPr id="3" name="Rectangle 2"/>
+          <p:cNvSpPr>
+            <a:spLocks noGrp="1"/>
+          </p:cNvSpPr>
+          <p:nvPr>
+            <p:ph type="body" sz="quarter" idx="11"/>
+          </p:nvPr>
+        </p:nvSpPr>
+        <p:spPr>
+          <a:xfrm>
+            <a:off x="5214942" y="571480"/>
+            <a:ext cx="3505200" cy="3352800"/>
+          </a:xfrm>
+        </p:spPr>
+        <p:txBody>
+          <a:bodyPr/>
           <a:lstStyle>
             <a:extLst/>
           </a:lstStyle>
           <a:p>
-            <a:pPr marL="0" marR="0" lvl="0" indent="1588" defTabSz="914400" rtl="0" eaLnBrk="1" fontAlgn="auto" latinLnBrk="0" hangingPunct="1">
-              <a:lnSpc>
-                <a:spcPct val="100000"/>
-              </a:lnSpc>
-              <a:spcBef>
-                <a:spcPct val="20000"/>
-              </a:spcBef>
-              <a:spcAft>
-                <a:spcPts val="0"/>
-              </a:spcAft>
-              <a:buClrTx/>
-              <a:buSzTx/>
-              <a:buFontTx/>
-              <a:buNone/>
-              <a:tabLst/>
-              <a:defRPr/>
+            <a:pPr>
+              <a:buFont typeface="Wingdings" pitchFamily="2" charset="2"/>
+              <a:buChar char="p"/>
             </a:pPr>
             <a:r>
-              <a:rPr kumimoji="0" lang="en-US" altLang="zh-CN" sz="3200" b="0" i="0" u="none" strike="noStrike" kern="0" cap="none" spc="0" normalizeH="0" baseline="0" noProof="0" dirty="0" err="1" smtClean="0">
-                <a:ln>
-                  <a:noFill/>
-                </a:ln>
-                <a:solidFill>
-                  <a:schemeClr val="tx1"/>
-                </a:solidFill>
-                <a:effectLst/>
-                <a:uLnTx/>
-                <a:uFillTx/>
-                <a:latin typeface="+mn-lt"/>
-                <a:ea typeface="+mn-ea"/>
-                <a:cs typeface="+mn-cs"/>
-              </a:rPr>
-              <a:t>BBossGroupsHOW</a:t>
-            </a:r>
-            <a:r>
-              <a:rPr kumimoji="0" lang="en-US" altLang="zh-CN" sz="3200" b="0" i="0" u="none" strike="noStrike" kern="0" cap="none" spc="0" normalizeH="0" baseline="0" noProof="0" dirty="0" smtClean="0">
-                <a:ln>
-                  <a:noFill/>
-                </a:ln>
-                <a:solidFill>
-                  <a:schemeClr val="tx1"/>
-                </a:solidFill>
-                <a:effectLst/>
-                <a:uLnTx/>
-                <a:uFillTx/>
-                <a:latin typeface="+mn-lt"/>
-                <a:ea typeface="+mn-ea"/>
-                <a:cs typeface="+mn-cs"/>
-              </a:rPr>
-              <a:t>-MVC</a:t>
-            </a:r>
-            <a:r>
-              <a:rPr altLang="en-US" sz="3200" kern="0" dirty="0" smtClean="0"/>
-              <a:t>架构（请求处理流程）</a:t>
-            </a:r>
-            <a:endParaRPr kumimoji="0" lang="zh-CN" sz="3200" b="0" i="0" u="none" strike="noStrike" kern="0" cap="none" spc="0" normalizeH="0" baseline="0" noProof="0" dirty="0">
-              <a:ln>
-                <a:noFill/>
-              </a:ln>
-              <a:solidFill>
-                <a:schemeClr val="tx1"/>
-              </a:solidFill>
-              <a:effectLst/>
-              <a:uLnTx/>
-              <a:uFillTx/>
-              <a:latin typeface="+mn-lt"/>
-              <a:ea typeface="+mn-ea"/>
-              <a:cs typeface="+mn-cs"/>
-            </a:endParaRPr>
-          </a:p>
-        </p:txBody>
-      </p:sp>
-      <p:cxnSp>
-        <p:nvCxnSpPr>
-          <p:cNvPr id="14" name="直接连接符 13"/>
-          <p:cNvCxnSpPr/>
+              <a:rPr lang="en-US" altLang="zh-CN" sz="2800" dirty="0" smtClean="0"/>
+              <a:t>MVC</a:t>
+            </a:r>
+            <a:r>
+              <a:rPr altLang="en-US" sz="2800" dirty="0" smtClean="0"/>
+              <a:t>架构</a:t>
+            </a:r>
+            <a:endParaRPr lang="en-US" altLang="en-US" sz="2800" dirty="0" smtClean="0"/>
+          </a:p>
+          <a:p>
+            <a:pPr>
+              <a:buFont typeface="Wingdings" pitchFamily="2" charset="2"/>
+              <a:buChar char="p"/>
+            </a:pPr>
+            <a:r>
+              <a:rPr lang="en-US" altLang="zh-CN" sz="2800" dirty="0" smtClean="0"/>
+              <a:t>MVC</a:t>
+            </a:r>
+            <a:r>
+              <a:rPr altLang="en-US" sz="2800" dirty="0" smtClean="0"/>
+              <a:t>开发配置</a:t>
+            </a:r>
+            <a:endParaRPr lang="en-US" altLang="en-US" sz="2800" dirty="0" smtClean="0"/>
+          </a:p>
+          <a:p>
+            <a:pPr>
+              <a:buFont typeface="Wingdings" pitchFamily="2" charset="2"/>
+              <a:buChar char="p"/>
+            </a:pPr>
+            <a:r>
+              <a:rPr lang="en-US" altLang="zh-CN" sz="2800" dirty="0" smtClean="0"/>
+              <a:t>MVC</a:t>
+            </a:r>
+            <a:r>
+              <a:rPr altLang="en-US" sz="2800" dirty="0" smtClean="0"/>
+              <a:t>开发代码</a:t>
+            </a:r>
+            <a:endParaRPr lang="zh-CN" sz="2800" dirty="0"/>
+          </a:p>
+        </p:txBody>
+      </p:sp>
+      <p:sp>
+        <p:nvSpPr>
+          <p:cNvPr id="6" name="TextBox 5"/>
+          <p:cNvSpPr txBox="1"/>
           <p:nvPr/>
-        </p:nvCxnSpPr>
-        <p:spPr>
-          <a:xfrm>
-            <a:off x="3857620" y="6429396"/>
-            <a:ext cx="4643470" cy="1588"/>
-          </a:xfrm>
-          <a:prstGeom prst="line">
-            <a:avLst/>
-          </a:prstGeom>
-          <a:ln w="57150">
-            <a:solidFill>
-              <a:srgbClr val="FF0000"/>
-            </a:solidFill>
-          </a:ln>
-        </p:spPr>
-        <p:style>
-          <a:lnRef idx="2">
-            <a:schemeClr val="accent2"/>
-          </a:lnRef>
-          <a:fillRef idx="0">
-            <a:schemeClr val="accent2"/>
-          </a:fillRef>
-          <a:effectRef idx="1">
-            <a:schemeClr val="accent2"/>
-          </a:effectRef>
-          <a:fontRef idx="minor">
-            <a:schemeClr val="tx1"/>
-          </a:fontRef>
-        </p:style>
-      </p:cxnSp>
-      <p:pic>
-        <p:nvPicPr>
-          <p:cNvPr id="1028" name="Picture 4"/>
-          <p:cNvPicPr>
-            <a:picLocks noChangeAspect="1" noChangeArrowheads="1"/>
-          </p:cNvPicPr>
-          <p:nvPr/>
-        </p:nvPicPr>
-        <p:blipFill>
-          <a:blip r:embed="rId3"/>
-          <a:srcRect/>
-          <a:stretch>
-            <a:fillRect/>
-          </a:stretch>
-        </p:blipFill>
-        <p:spPr bwMode="auto">
-          <a:xfrm>
-            <a:off x="828675" y="80963"/>
-            <a:ext cx="7486650" cy="5634053"/>
+        </p:nvSpPr>
+        <p:spPr>
+          <a:xfrm>
+            <a:off x="5214942" y="1428736"/>
+            <a:ext cx="3926075" cy="584775"/>
           </a:xfrm>
           <a:prstGeom prst="rect">
             <a:avLst/>
           </a:prstGeom>
           <a:noFill/>
-          <a:ln w="9525">
-            <a:noFill/>
-            <a:miter lim="800000"/>
-            <a:headEnd/>
-            <a:tailEnd/>
-          </a:ln>
-          <a:effectLst/>
-        </p:spPr>
-      </p:pic>
-      <p:sp>
-        <p:nvSpPr>
-          <p:cNvPr id="191" name="TextBox 190"/>
+        </p:spPr>
+        <p:txBody>
+          <a:bodyPr wrap="none" rtlCol="0">
+            <a:spAutoFit/>
+          </a:bodyPr>
+          <a:lstStyle/>
+          <a:p>
+            <a:pPr>
+              <a:buFont typeface="Wingdings" pitchFamily="2" charset="2"/>
+              <a:buChar char="p"/>
+            </a:pPr>
+            <a:r>
+              <a:rPr lang="en-US" altLang="zh-CN" sz="3200" dirty="0" err="1" smtClean="0"/>
+              <a:t>Bbossgroups</a:t>
+            </a:r>
+            <a:r>
+              <a:rPr lang="en-US" altLang="zh-CN" sz="3200" dirty="0" smtClean="0"/>
+              <a:t> How</a:t>
+            </a:r>
+            <a:endParaRPr altLang="en-US" sz="3200" dirty="0"/>
+          </a:p>
+        </p:txBody>
+      </p:sp>
+      <p:sp>
+        <p:nvSpPr>
+          <p:cNvPr id="7" name="TextBox 6"/>
           <p:cNvSpPr txBox="1"/>
           <p:nvPr/>
         </p:nvSpPr>
         <p:spPr>
           <a:xfrm>
-            <a:off x="0" y="6488668"/>
+            <a:off x="357158" y="357166"/>
             <a:ext cx="3230372" cy="369332"/>
           </a:xfrm>
           <a:prstGeom prst="rect">
@@ -11784,8 +10983,8 @@
         </p:blipFill>
         <p:spPr>
           <a:xfrm>
-            <a:off x="7143768" y="3436938"/>
-            <a:ext cx="1573195" cy="2135202"/>
+            <a:off x="5067300" y="3436938"/>
+            <a:ext cx="3649663" cy="2135202"/>
           </a:xfrm>
           <a:prstGeom prst="rect">
             <a:avLst/>
@@ -11826,8 +11025,8 @@
         </p:blipFill>
         <p:spPr>
           <a:xfrm>
-            <a:off x="7143768" y="388938"/>
-            <a:ext cx="1581132" cy="2887662"/>
+            <a:off x="5067300" y="388938"/>
+            <a:ext cx="3657600" cy="2887662"/>
           </a:xfrm>
           <a:prstGeom prst="rect">
             <a:avLst/>
@@ -11859,8 +11058,8 @@
         </p:nvSpPr>
         <p:spPr>
           <a:xfrm>
-            <a:off x="104804" y="5819756"/>
-            <a:ext cx="8610600" cy="1038244"/>
+            <a:off x="0" y="5819756"/>
+            <a:ext cx="8610600" cy="752516"/>
           </a:xfrm>
           <a:prstGeom prst="rect">
             <a:avLst/>
@@ -11883,7 +11082,7 @@
         </p:spPr>
         <p:txBody>
           <a:bodyPr anchor="t">
-            <a:normAutofit lnSpcReduction="10000"/>
+            <a:normAutofit/>
           </a:bodyPr>
           <a:lstStyle>
             <a:extLst/>
@@ -11921,10 +11120,10 @@
                 <a:ea typeface="+mn-ea"/>
                 <a:cs typeface="+mn-cs"/>
               </a:rPr>
-              <a:t>BBossGroups</a:t>
-            </a:r>
-            <a:r>
-              <a:rPr kumimoji="0" altLang="en-US" sz="3200" b="0" i="0" u="none" strike="noStrike" kern="0" cap="none" spc="0" normalizeH="0" baseline="0" noProof="0" dirty="0" smtClean="0">
+              <a:t>BBossGroupsHOW</a:t>
+            </a:r>
+            <a:r>
+              <a:rPr kumimoji="0" lang="en-US" altLang="zh-CN" sz="3200" b="0" i="0" u="none" strike="noStrike" kern="0" cap="none" spc="0" normalizeH="0" baseline="0" noProof="0" dirty="0" smtClean="0">
                 <a:ln>
                   <a:noFill/>
                 </a:ln>
@@ -11938,92 +11137,19 @@
                 <a:ea typeface="+mn-ea"/>
                 <a:cs typeface="+mn-cs"/>
               </a:rPr>
-              <a:t>开发配置</a:t>
-            </a:r>
-            <a:r>
-              <a:rPr kumimoji="0" lang="en-US" altLang="en-US" sz="3200" b="0" i="0" u="none" strike="noStrike" kern="0" cap="none" spc="0" normalizeH="0" baseline="0" noProof="0" dirty="0" smtClean="0">
-                <a:ln>
-                  <a:noFill/>
-                </a:ln>
-                <a:solidFill>
-                  <a:schemeClr val="tx1"/>
-                </a:solidFill>
-                <a:effectLst/>
-                <a:uLnTx/>
-                <a:uFillTx/>
-                <a:latin typeface="+mn-lt"/>
-                <a:ea typeface="+mn-ea"/>
-                <a:cs typeface="+mn-cs"/>
-              </a:rPr>
-              <a:t>(</a:t>
-            </a:r>
-            <a:r>
-              <a:rPr kumimoji="0" altLang="en-US" sz="3200" b="0" i="0" u="none" strike="noStrike" kern="0" cap="none" spc="0" normalizeH="0" baseline="0" noProof="0" dirty="0" smtClean="0">
-                <a:ln>
-                  <a:noFill/>
-                </a:ln>
-                <a:solidFill>
-                  <a:schemeClr val="tx1"/>
-                </a:solidFill>
-                <a:effectLst/>
-                <a:uLnTx/>
-                <a:uFillTx/>
-                <a:latin typeface="+mn-lt"/>
-                <a:ea typeface="+mn-ea"/>
-                <a:cs typeface="+mn-cs"/>
-              </a:rPr>
-              <a:t>四层体系，</a:t>
-            </a:r>
-            <a:r>
-              <a:rPr kumimoji="0" lang="en-US" altLang="zh-CN" sz="3200" b="0" i="0" u="none" strike="noStrike" kern="0" cap="none" spc="0" normalizeH="0" baseline="0" noProof="0" dirty="0" err="1" smtClean="0">
-                <a:ln>
-                  <a:noFill/>
-                </a:ln>
-                <a:solidFill>
-                  <a:schemeClr val="tx1"/>
-                </a:solidFill>
-                <a:effectLst/>
-                <a:uLnTx/>
-                <a:uFillTx/>
-                <a:latin typeface="+mn-lt"/>
-                <a:ea typeface="+mn-ea"/>
-                <a:cs typeface="+mn-cs"/>
-              </a:rPr>
-              <a:t>webservice</a:t>
-            </a:r>
-            <a:r>
-              <a:rPr kumimoji="0" altLang="en-US" sz="3200" b="0" i="0" u="none" strike="noStrike" kern="0" cap="none" spc="0" normalizeH="0" baseline="0" noProof="0" dirty="0" smtClean="0">
-                <a:ln>
-                  <a:noFill/>
-                </a:ln>
-                <a:solidFill>
-                  <a:schemeClr val="tx1"/>
-                </a:solidFill>
-                <a:effectLst/>
-                <a:uLnTx/>
-                <a:uFillTx/>
-                <a:latin typeface="+mn-lt"/>
-                <a:ea typeface="+mn-ea"/>
-                <a:cs typeface="+mn-cs"/>
-              </a:rPr>
-              <a:t>服务配置</a:t>
-            </a:r>
-            <a:r>
-              <a:rPr kumimoji="0" lang="en-US" altLang="en-US" sz="3200" b="0" i="0" u="none" strike="noStrike" kern="0" cap="none" spc="0" normalizeH="0" baseline="0" noProof="0" dirty="0" smtClean="0">
-                <a:ln>
-                  <a:noFill/>
-                </a:ln>
-                <a:solidFill>
-                  <a:schemeClr val="tx1"/>
-                </a:solidFill>
-                <a:effectLst/>
-                <a:uLnTx/>
-                <a:uFillTx/>
-                <a:latin typeface="+mn-lt"/>
-                <a:ea typeface="+mn-ea"/>
-                <a:cs typeface="+mn-cs"/>
-              </a:rPr>
-              <a:t>)</a:t>
+              <a:t>-MVC</a:t>
+            </a:r>
+            <a:r>
+              <a:rPr altLang="en-US" sz="3200" kern="0" dirty="0" smtClean="0"/>
+              <a:t>架构（</a:t>
+            </a:r>
+            <a:r>
+              <a:rPr lang="en-US" altLang="zh-CN" sz="3200" kern="0" dirty="0" smtClean="0"/>
+              <a:t>MVC2</a:t>
+            </a:r>
+            <a:r>
+              <a:rPr altLang="en-US" sz="3200" kern="0" dirty="0" smtClean="0"/>
+              <a:t>）</a:t>
             </a:r>
             <a:endParaRPr kumimoji="0" lang="zh-CN" sz="3200" b="0" i="0" u="none" strike="noStrike" kern="0" cap="none" spc="0" normalizeH="0" baseline="0" noProof="0" dirty="0">
               <a:ln>
@@ -12044,23 +11170,525 @@
       </p:sp>
       <p:cxnSp>
         <p:nvCxnSpPr>
-          <p:cNvPr id="10" name="直接箭头连接符 9"/>
+          <p:cNvPr id="9" name="直接连接符 8"/>
           <p:cNvCxnSpPr/>
           <p:nvPr/>
         </p:nvCxnSpPr>
         <p:spPr>
+          <a:xfrm>
+            <a:off x="3857620" y="6429396"/>
+            <a:ext cx="3500462" cy="1588"/>
+          </a:xfrm>
+          <a:prstGeom prst="line">
+            <a:avLst/>
+          </a:prstGeom>
+          <a:ln w="57150">
+            <a:solidFill>
+              <a:srgbClr val="FF0000"/>
+            </a:solidFill>
+          </a:ln>
+        </p:spPr>
+        <p:style>
+          <a:lnRef idx="2">
+            <a:schemeClr val="accent2"/>
+          </a:lnRef>
+          <a:fillRef idx="0">
+            <a:schemeClr val="accent2"/>
+          </a:fillRef>
+          <a:effectRef idx="1">
+            <a:schemeClr val="accent2"/>
+          </a:effectRef>
+          <a:fontRef idx="minor">
+            <a:schemeClr val="tx1"/>
+          </a:fontRef>
+        </p:style>
+      </p:cxnSp>
+      <p:sp>
+        <p:nvSpPr>
+          <p:cNvPr id="11" name="图片占位符 10"/>
+          <p:cNvSpPr>
+            <a:spLocks noGrp="1"/>
+          </p:cNvSpPr>
+          <p:nvPr>
+            <p:ph type="pic" sz="quarter" idx="12"/>
+          </p:nvPr>
+        </p:nvSpPr>
+        <p:spPr>
+          <a:xfrm>
+            <a:off x="426720" y="384048"/>
+            <a:ext cx="4457700" cy="5188092"/>
+          </a:xfrm>
+        </p:spPr>
+      </p:sp>
+      <p:sp>
+        <p:nvSpPr>
+          <p:cNvPr id="12" name="矩形 11"/>
+          <p:cNvSpPr/>
+          <p:nvPr/>
+        </p:nvSpPr>
+        <p:spPr>
+          <a:xfrm>
+            <a:off x="1428728" y="571480"/>
+            <a:ext cx="2214578" cy="914400"/>
+          </a:xfrm>
+          <a:prstGeom prst="rect">
+            <a:avLst/>
+          </a:prstGeom>
+        </p:spPr>
+        <p:style>
+          <a:lnRef idx="1">
+            <a:schemeClr val="accent3"/>
+          </a:lnRef>
+          <a:fillRef idx="3">
+            <a:schemeClr val="accent3"/>
+          </a:fillRef>
+          <a:effectRef idx="2">
+            <a:schemeClr val="accent3"/>
+          </a:effectRef>
+          <a:fontRef idx="minor">
+            <a:schemeClr val="lt1"/>
+          </a:fontRef>
+        </p:style>
+        <p:txBody>
+          <a:bodyPr rtlCol="0" anchor="ctr"/>
+          <a:lstStyle/>
+          <a:p>
+            <a:pPr algn="ctr"/>
+            <a:r>
+              <a:rPr lang="en-US" altLang="zh-CN" dirty="0" smtClean="0"/>
+              <a:t>View</a:t>
+            </a:r>
+            <a:endParaRPr lang="zh-CN" altLang="en-US" dirty="0"/>
+          </a:p>
+        </p:txBody>
+      </p:sp>
+      <p:sp>
+        <p:nvSpPr>
+          <p:cNvPr id="13" name="矩形 12"/>
+          <p:cNvSpPr/>
+          <p:nvPr/>
+        </p:nvSpPr>
+        <p:spPr>
+          <a:xfrm>
+            <a:off x="1428728" y="2357430"/>
+            <a:ext cx="2214578" cy="914400"/>
+          </a:xfrm>
+          <a:prstGeom prst="rect">
+            <a:avLst/>
+          </a:prstGeom>
+        </p:spPr>
+        <p:style>
+          <a:lnRef idx="1">
+            <a:schemeClr val="accent3"/>
+          </a:lnRef>
+          <a:fillRef idx="2">
+            <a:schemeClr val="accent3"/>
+          </a:fillRef>
+          <a:effectRef idx="1">
+            <a:schemeClr val="accent3"/>
+          </a:effectRef>
+          <a:fontRef idx="minor">
+            <a:schemeClr val="dk1"/>
+          </a:fontRef>
+        </p:style>
+        <p:txBody>
+          <a:bodyPr rtlCol="0" anchor="ctr"/>
+          <a:lstStyle/>
+          <a:p>
+            <a:pPr algn="ctr"/>
+            <a:r>
+              <a:rPr lang="en-US" altLang="zh-CN" dirty="0" smtClean="0"/>
+              <a:t>Controller</a:t>
+            </a:r>
+            <a:endParaRPr lang="zh-CN" altLang="en-US" dirty="0"/>
+          </a:p>
+        </p:txBody>
+      </p:sp>
+      <p:sp>
+        <p:nvSpPr>
+          <p:cNvPr id="14" name="矩形 13"/>
+          <p:cNvSpPr/>
+          <p:nvPr/>
+        </p:nvSpPr>
+        <p:spPr>
+          <a:xfrm>
+            <a:off x="1428728" y="3929066"/>
+            <a:ext cx="2214578" cy="914400"/>
+          </a:xfrm>
+          <a:prstGeom prst="rect">
+            <a:avLst/>
+          </a:prstGeom>
+        </p:spPr>
+        <p:style>
+          <a:lnRef idx="1">
+            <a:schemeClr val="accent5"/>
+          </a:lnRef>
+          <a:fillRef idx="3">
+            <a:schemeClr val="accent5"/>
+          </a:fillRef>
+          <a:effectRef idx="2">
+            <a:schemeClr val="accent5"/>
+          </a:effectRef>
+          <a:fontRef idx="minor">
+            <a:schemeClr val="lt1"/>
+          </a:fontRef>
+        </p:style>
+        <p:txBody>
+          <a:bodyPr rtlCol="0" anchor="ctr"/>
+          <a:lstStyle/>
+          <a:p>
+            <a:pPr algn="ctr"/>
+            <a:r>
+              <a:rPr lang="en-US" altLang="zh-CN" dirty="0" smtClean="0"/>
+              <a:t>Model</a:t>
+            </a:r>
+            <a:endParaRPr lang="zh-CN" altLang="en-US" dirty="0"/>
+          </a:p>
+        </p:txBody>
+      </p:sp>
+      <p:cxnSp>
+        <p:nvCxnSpPr>
+          <p:cNvPr id="16" name="直接箭头连接符 15"/>
+          <p:cNvCxnSpPr/>
+          <p:nvPr/>
+        </p:nvCxnSpPr>
+        <p:spPr>
           <a:xfrm rot="5400000">
-            <a:off x="-2336817" y="2892421"/>
-            <a:ext cx="4929222" cy="1588"/>
+            <a:off x="1785124" y="1928802"/>
+            <a:ext cx="857256" cy="1588"/>
           </a:xfrm>
           <a:prstGeom prst="straightConnector1">
             <a:avLst/>
           </a:prstGeom>
           <a:ln w="38100">
+            <a:tailEnd type="arrow"/>
+          </a:ln>
+        </p:spPr>
+        <p:style>
+          <a:lnRef idx="2">
+            <a:schemeClr val="accent2"/>
+          </a:lnRef>
+          <a:fillRef idx="0">
+            <a:schemeClr val="accent2"/>
+          </a:fillRef>
+          <a:effectRef idx="1">
+            <a:schemeClr val="accent2"/>
+          </a:effectRef>
+          <a:fontRef idx="minor">
+            <a:schemeClr val="tx1"/>
+          </a:fontRef>
+        </p:style>
+      </p:cxnSp>
+      <p:cxnSp>
+        <p:nvCxnSpPr>
+          <p:cNvPr id="18" name="直接箭头连接符 17"/>
+          <p:cNvCxnSpPr/>
+          <p:nvPr/>
+        </p:nvCxnSpPr>
+        <p:spPr>
+          <a:xfrm rot="5400000" flipH="1" flipV="1">
+            <a:off x="2358216" y="1928802"/>
+            <a:ext cx="857256" cy="1588"/>
+          </a:xfrm>
+          <a:prstGeom prst="straightConnector1">
+            <a:avLst/>
+          </a:prstGeom>
+          <a:ln w="38100">
+            <a:tailEnd type="arrow"/>
+          </a:ln>
+        </p:spPr>
+        <p:style>
+          <a:lnRef idx="2">
+            <a:schemeClr val="dk1"/>
+          </a:lnRef>
+          <a:fillRef idx="0">
+            <a:schemeClr val="dk1"/>
+          </a:fillRef>
+          <a:effectRef idx="1">
+            <a:schemeClr val="dk1"/>
+          </a:effectRef>
+          <a:fontRef idx="minor">
+            <a:schemeClr val="tx1"/>
+          </a:fontRef>
+        </p:style>
+      </p:cxnSp>
+      <p:cxnSp>
+        <p:nvCxnSpPr>
+          <p:cNvPr id="20" name="直接箭头连接符 19"/>
+          <p:cNvCxnSpPr/>
+          <p:nvPr/>
+        </p:nvCxnSpPr>
+        <p:spPr>
+          <a:xfrm rot="5400000">
+            <a:off x="1893075" y="3607595"/>
+            <a:ext cx="642942" cy="1588"/>
+          </a:xfrm>
+          <a:prstGeom prst="straightConnector1">
+            <a:avLst/>
+          </a:prstGeom>
+          <a:ln w="38100">
+            <a:tailEnd type="arrow"/>
+          </a:ln>
+        </p:spPr>
+        <p:style>
+          <a:lnRef idx="2">
+            <a:schemeClr val="accent2"/>
+          </a:lnRef>
+          <a:fillRef idx="0">
+            <a:schemeClr val="accent2"/>
+          </a:fillRef>
+          <a:effectRef idx="1">
+            <a:schemeClr val="accent2"/>
+          </a:effectRef>
+          <a:fontRef idx="minor">
+            <a:schemeClr val="tx1"/>
+          </a:fontRef>
+        </p:style>
+      </p:cxnSp>
+      <p:cxnSp>
+        <p:nvCxnSpPr>
+          <p:cNvPr id="22" name="直接箭头连接符 21"/>
+          <p:cNvCxnSpPr/>
+          <p:nvPr/>
+        </p:nvCxnSpPr>
+        <p:spPr>
+          <a:xfrm rot="5400000" flipH="1" flipV="1">
+            <a:off x="2464579" y="3607595"/>
+            <a:ext cx="642942" cy="1588"/>
+          </a:xfrm>
+          <a:prstGeom prst="straightConnector1">
+            <a:avLst/>
+          </a:prstGeom>
+          <a:ln w="38100">
+            <a:tailEnd type="arrow"/>
+          </a:ln>
+        </p:spPr>
+        <p:style>
+          <a:lnRef idx="2">
+            <a:schemeClr val="dk1"/>
+          </a:lnRef>
+          <a:fillRef idx="0">
+            <a:schemeClr val="dk1"/>
+          </a:fillRef>
+          <a:effectRef idx="1">
+            <a:schemeClr val="dk1"/>
+          </a:effectRef>
+          <a:fontRef idx="minor">
+            <a:schemeClr val="tx1"/>
+          </a:fontRef>
+        </p:style>
+      </p:cxnSp>
+      <p:sp>
+        <p:nvSpPr>
+          <p:cNvPr id="23" name="TextBox 22"/>
+          <p:cNvSpPr txBox="1"/>
+          <p:nvPr/>
+        </p:nvSpPr>
+        <p:spPr>
+          <a:xfrm>
+            <a:off x="1500166" y="1643050"/>
+            <a:ext cx="646331" cy="646331"/>
+          </a:xfrm>
+          <a:prstGeom prst="rect">
+            <a:avLst/>
+          </a:prstGeom>
+          <a:noFill/>
+        </p:spPr>
+        <p:txBody>
+          <a:bodyPr wrap="none" rtlCol="0">
+            <a:spAutoFit/>
+          </a:bodyPr>
+          <a:lstStyle/>
+          <a:p>
+            <a:r>
+              <a:rPr altLang="en-US" dirty="0" smtClean="0"/>
+              <a:t>参数</a:t>
+            </a:r>
+            <a:endParaRPr lang="en-US" altLang="en-US" dirty="0" smtClean="0"/>
+          </a:p>
+          <a:p>
+            <a:r>
+              <a:rPr altLang="en-US" dirty="0" smtClean="0"/>
+              <a:t>绑定</a:t>
+            </a:r>
+            <a:endParaRPr lang="zh-CN" altLang="en-US" dirty="0"/>
+          </a:p>
+        </p:txBody>
+      </p:sp>
+      <p:sp>
+        <p:nvSpPr>
+          <p:cNvPr id="25" name="TextBox 24"/>
+          <p:cNvSpPr txBox="1"/>
+          <p:nvPr/>
+        </p:nvSpPr>
+        <p:spPr>
+          <a:xfrm>
+            <a:off x="2928926" y="1643050"/>
+            <a:ext cx="1813317" cy="646331"/>
+          </a:xfrm>
+          <a:prstGeom prst="rect">
+            <a:avLst/>
+          </a:prstGeom>
+          <a:noFill/>
+        </p:spPr>
+        <p:txBody>
+          <a:bodyPr wrap="none" rtlCol="0">
+            <a:spAutoFit/>
+          </a:bodyPr>
+          <a:lstStyle/>
+          <a:p>
+            <a:r>
+              <a:rPr lang="en-US" altLang="zh-CN" dirty="0" smtClean="0"/>
+              <a:t>Model</a:t>
+            </a:r>
+          </a:p>
+          <a:p>
+            <a:r>
+              <a:rPr lang="en-US" altLang="zh-CN" dirty="0" err="1" smtClean="0"/>
+              <a:t>ModelAndView</a:t>
+            </a:r>
+            <a:endParaRPr lang="zh-CN" altLang="en-US" dirty="0"/>
+          </a:p>
+        </p:txBody>
+      </p:sp>
+      <p:sp>
+        <p:nvSpPr>
+          <p:cNvPr id="26" name="TextBox 25"/>
+          <p:cNvSpPr txBox="1"/>
+          <p:nvPr/>
+        </p:nvSpPr>
+        <p:spPr>
+          <a:xfrm>
+            <a:off x="1500166" y="3286124"/>
+            <a:ext cx="646331" cy="646331"/>
+          </a:xfrm>
+          <a:prstGeom prst="rect">
+            <a:avLst/>
+          </a:prstGeom>
+          <a:noFill/>
+        </p:spPr>
+        <p:txBody>
+          <a:bodyPr wrap="none" rtlCol="0">
+            <a:spAutoFit/>
+          </a:bodyPr>
+          <a:lstStyle/>
+          <a:p>
+            <a:r>
+              <a:rPr altLang="en-US" dirty="0" smtClean="0"/>
+              <a:t>业务</a:t>
+            </a:r>
+            <a:endParaRPr lang="en-US" altLang="en-US" dirty="0" smtClean="0"/>
+          </a:p>
+          <a:p>
+            <a:r>
+              <a:rPr altLang="en-US" dirty="0" smtClean="0"/>
+              <a:t>处理</a:t>
+            </a:r>
+            <a:endParaRPr lang="zh-CN" altLang="en-US" dirty="0"/>
+          </a:p>
+        </p:txBody>
+      </p:sp>
+      <p:sp>
+        <p:nvSpPr>
+          <p:cNvPr id="27" name="TextBox 26"/>
+          <p:cNvSpPr txBox="1"/>
+          <p:nvPr/>
+        </p:nvSpPr>
+        <p:spPr>
+          <a:xfrm>
+            <a:off x="2857488" y="3357562"/>
+            <a:ext cx="646331" cy="646331"/>
+          </a:xfrm>
+          <a:prstGeom prst="rect">
+            <a:avLst/>
+          </a:prstGeom>
+          <a:noFill/>
+        </p:spPr>
+        <p:txBody>
+          <a:bodyPr wrap="none" rtlCol="0">
+            <a:spAutoFit/>
+          </a:bodyPr>
+          <a:lstStyle/>
+          <a:p>
+            <a:r>
+              <a:rPr altLang="en-US" dirty="0" smtClean="0"/>
+              <a:t>返回</a:t>
+            </a:r>
+            <a:endParaRPr lang="en-US" altLang="en-US" dirty="0" smtClean="0"/>
+          </a:p>
+          <a:p>
+            <a:r>
+              <a:rPr altLang="en-US" dirty="0" smtClean="0"/>
+              <a:t>结果</a:t>
+            </a:r>
+            <a:endParaRPr lang="zh-CN" altLang="en-US" dirty="0"/>
+          </a:p>
+        </p:txBody>
+      </p:sp>
+      <p:sp>
+        <p:nvSpPr>
+          <p:cNvPr id="28" name="椭圆 27"/>
+          <p:cNvSpPr/>
+          <p:nvPr/>
+        </p:nvSpPr>
+        <p:spPr>
+          <a:xfrm>
+            <a:off x="5357818" y="1643050"/>
+            <a:ext cx="3286148" cy="2714644"/>
+          </a:xfrm>
+          <a:prstGeom prst="ellipse">
+            <a:avLst/>
+          </a:prstGeom>
+        </p:spPr>
+        <p:style>
+          <a:lnRef idx="1">
+            <a:schemeClr val="dk1"/>
+          </a:lnRef>
+          <a:fillRef idx="3">
+            <a:schemeClr val="dk1"/>
+          </a:fillRef>
+          <a:effectRef idx="2">
+            <a:schemeClr val="dk1"/>
+          </a:effectRef>
+          <a:fontRef idx="minor">
+            <a:schemeClr val="lt1"/>
+          </a:fontRef>
+        </p:style>
+        <p:txBody>
+          <a:bodyPr rtlCol="0" anchor="ctr"/>
+          <a:lstStyle/>
+          <a:p>
+            <a:pPr algn="ctr"/>
+            <a:r>
+              <a:rPr lang="en-US" altLang="zh-CN" dirty="0" smtClean="0"/>
+              <a:t>AOP/IOC</a:t>
+            </a:r>
+            <a:r>
+              <a:rPr altLang="en-US" dirty="0" smtClean="0"/>
+              <a:t>内核</a:t>
+            </a:r>
+            <a:endParaRPr lang="zh-CN" altLang="en-US" dirty="0"/>
+          </a:p>
+        </p:txBody>
+      </p:sp>
+      <p:cxnSp>
+        <p:nvCxnSpPr>
+          <p:cNvPr id="30" name="直接连接符 29"/>
+          <p:cNvCxnSpPr/>
+          <p:nvPr/>
+        </p:nvCxnSpPr>
+        <p:spPr>
+          <a:xfrm>
+            <a:off x="3643306" y="1214422"/>
+            <a:ext cx="1857388" cy="1143008"/>
+          </a:xfrm>
+          <a:prstGeom prst="line">
+            <a:avLst/>
+          </a:prstGeom>
+          <a:ln w="38100">
             <a:solidFill>
-              <a:srgbClr val="C00000"/>
+              <a:srgbClr val="FF0000"/>
             </a:solidFill>
-            <a:tailEnd type="arrow"/>
           </a:ln>
         </p:spPr>
         <p:style>
@@ -12080,23 +11708,25 @@
       </p:cxnSp>
       <p:cxnSp>
         <p:nvCxnSpPr>
-          <p:cNvPr id="12" name="直接箭头连接符 11"/>
-          <p:cNvCxnSpPr/>
+          <p:cNvPr id="32" name="直接连接符 31"/>
+          <p:cNvCxnSpPr>
+            <a:stCxn id="28" idx="2"/>
+            <a:endCxn id="13" idx="3"/>
+          </p:cNvCxnSpPr>
           <p:nvPr/>
         </p:nvCxnSpPr>
         <p:spPr>
-          <a:xfrm rot="5400000" flipH="1" flipV="1">
-            <a:off x="4358480" y="2999578"/>
-            <a:ext cx="5143536" cy="1588"/>
-          </a:xfrm>
-          <a:prstGeom prst="straightConnector1">
+          <a:xfrm rot="10800000">
+            <a:off x="3643306" y="2814630"/>
+            <a:ext cx="1714512" cy="185742"/>
+          </a:xfrm>
+          <a:prstGeom prst="line">
             <a:avLst/>
           </a:prstGeom>
           <a:ln w="38100">
             <a:solidFill>
               <a:srgbClr val="FF0000"/>
             </a:solidFill>
-            <a:tailEnd type="arrow"/>
           </a:ln>
         </p:spPr>
         <p:style>
@@ -12116,33 +11746,35 @@
       </p:cxnSp>
       <p:cxnSp>
         <p:nvCxnSpPr>
-          <p:cNvPr id="9" name="直接连接符 8"/>
-          <p:cNvCxnSpPr/>
+          <p:cNvPr id="34" name="直接连接符 33"/>
+          <p:cNvCxnSpPr>
+            <a:endCxn id="14" idx="3"/>
+          </p:cNvCxnSpPr>
           <p:nvPr/>
         </p:nvCxnSpPr>
         <p:spPr>
-          <a:xfrm>
-            <a:off x="4500562" y="6429396"/>
-            <a:ext cx="1643074" cy="1588"/>
+          <a:xfrm rot="10800000" flipV="1">
+            <a:off x="3643306" y="3500438"/>
+            <a:ext cx="1785950" cy="885828"/>
           </a:xfrm>
           <a:prstGeom prst="line">
             <a:avLst/>
           </a:prstGeom>
-          <a:ln w="57150">
+          <a:ln w="38100">
             <a:solidFill>
               <a:srgbClr val="FF0000"/>
             </a:solidFill>
           </a:ln>
         </p:spPr>
         <p:style>
-          <a:lnRef idx="2">
-            <a:schemeClr val="accent2"/>
+          <a:lnRef idx="1">
+            <a:schemeClr val="accent1"/>
           </a:lnRef>
           <a:fillRef idx="0">
-            <a:schemeClr val="accent2"/>
+            <a:schemeClr val="accent1"/>
           </a:fillRef>
-          <a:effectRef idx="1">
-            <a:schemeClr val="accent2"/>
+          <a:effectRef idx="0">
+            <a:schemeClr val="accent1"/>
           </a:effectRef>
           <a:fontRef idx="minor">
             <a:schemeClr val="tx1"/>
@@ -12151,133 +11783,260 @@
       </p:cxnSp>
       <p:sp>
         <p:nvSpPr>
-          <p:cNvPr id="14" name="图片占位符 13"/>
-          <p:cNvSpPr>
-            <a:spLocks noGrp="1"/>
-          </p:cNvSpPr>
-          <p:nvPr>
-            <p:ph type="pic" sz="quarter" idx="12"/>
-          </p:nvPr>
-        </p:nvSpPr>
-        <p:spPr>
-          <a:xfrm>
-            <a:off x="285720" y="384048"/>
-            <a:ext cx="6500858" cy="5330968"/>
-          </a:xfrm>
-        </p:spPr>
-      </p:sp>
-      <p:pic>
-        <p:nvPicPr>
-          <p:cNvPr id="6146" name="Picture 2"/>
-          <p:cNvPicPr>
-            <a:picLocks noChangeAspect="1" noChangeArrowheads="1"/>
-          </p:cNvPicPr>
+          <p:cNvPr id="38" name="矩形 37"/>
+          <p:cNvSpPr/>
           <p:nvPr/>
-        </p:nvPicPr>
-        <p:blipFill>
-          <a:blip r:embed="rId5"/>
-          <a:srcRect/>
-          <a:stretch>
-            <a:fillRect/>
-          </a:stretch>
-        </p:blipFill>
-        <p:spPr bwMode="auto">
-          <a:xfrm>
-            <a:off x="285720" y="357166"/>
-            <a:ext cx="6500858" cy="5357850"/>
+        </p:nvSpPr>
+        <p:spPr>
+          <a:xfrm>
+            <a:off x="1500166" y="4857760"/>
+            <a:ext cx="785818" cy="357190"/>
+          </a:xfrm>
+          <a:prstGeom prst="rect">
+            <a:avLst/>
+          </a:prstGeom>
+        </p:spPr>
+        <p:style>
+          <a:lnRef idx="2">
+            <a:schemeClr val="accent1">
+              <a:shade val="50000"/>
+            </a:schemeClr>
+          </a:lnRef>
+          <a:fillRef idx="1">
+            <a:schemeClr val="accent1"/>
+          </a:fillRef>
+          <a:effectRef idx="0">
+            <a:schemeClr val="accent1"/>
+          </a:effectRef>
+          <a:fontRef idx="minor">
+            <a:schemeClr val="lt1"/>
+          </a:fontRef>
+        </p:style>
+        <p:txBody>
+          <a:bodyPr rtlCol="0" anchor="ctr"/>
+          <a:lstStyle/>
+          <a:p>
+            <a:pPr algn="ctr"/>
+            <a:endParaRPr lang="zh-CN" altLang="en-US"/>
+          </a:p>
+        </p:txBody>
+      </p:sp>
+      <p:sp>
+        <p:nvSpPr>
+          <p:cNvPr id="39" name="矩形 38"/>
+          <p:cNvSpPr/>
+          <p:nvPr/>
+        </p:nvSpPr>
+        <p:spPr>
+          <a:xfrm>
+            <a:off x="2643174" y="4857760"/>
+            <a:ext cx="857256" cy="357190"/>
+          </a:xfrm>
+          <a:prstGeom prst="rect">
+            <a:avLst/>
+          </a:prstGeom>
+        </p:spPr>
+        <p:style>
+          <a:lnRef idx="2">
+            <a:schemeClr val="accent1">
+              <a:shade val="50000"/>
+            </a:schemeClr>
+          </a:lnRef>
+          <a:fillRef idx="1">
+            <a:schemeClr val="accent1"/>
+          </a:fillRef>
+          <a:effectRef idx="0">
+            <a:schemeClr val="accent1"/>
+          </a:effectRef>
+          <a:fontRef idx="minor">
+            <a:schemeClr val="lt1"/>
+          </a:fontRef>
+        </p:style>
+        <p:txBody>
+          <a:bodyPr rtlCol="0" anchor="ctr"/>
+          <a:lstStyle/>
+          <a:p>
+            <a:pPr algn="ctr"/>
+            <a:endParaRPr lang="zh-CN" altLang="en-US"/>
+          </a:p>
+        </p:txBody>
+      </p:sp>
+      <p:sp>
+        <p:nvSpPr>
+          <p:cNvPr id="40" name="TextBox 39"/>
+          <p:cNvSpPr txBox="1"/>
+          <p:nvPr/>
+        </p:nvSpPr>
+        <p:spPr>
+          <a:xfrm>
+            <a:off x="2035244" y="4500570"/>
+            <a:ext cx="1107996" cy="369332"/>
           </a:xfrm>
           <a:prstGeom prst="rect">
             <a:avLst/>
           </a:prstGeom>
           <a:noFill/>
-          <a:ln w="9525">
-            <a:noFill/>
-            <a:miter lim="800000"/>
-            <a:headEnd/>
-            <a:tailEnd/>
-          </a:ln>
-          <a:effectLst/>
-        </p:spPr>
-      </p:pic>
-      <p:cxnSp>
-        <p:nvCxnSpPr>
-          <p:cNvPr id="18" name="直接连接符 17"/>
-          <p:cNvCxnSpPr/>
+        </p:spPr>
+        <p:txBody>
+          <a:bodyPr wrap="none" rtlCol="0">
+            <a:spAutoFit/>
+          </a:bodyPr>
+          <a:lstStyle/>
+          <a:p>
+            <a:r>
+              <a:rPr altLang="en-US" dirty="0" smtClean="0"/>
+              <a:t>业务组件</a:t>
+            </a:r>
+            <a:endParaRPr lang="zh-CN" altLang="en-US" dirty="0"/>
+          </a:p>
+        </p:txBody>
+      </p:sp>
+      <p:sp>
+        <p:nvSpPr>
+          <p:cNvPr id="41" name="TextBox 40"/>
+          <p:cNvSpPr txBox="1"/>
           <p:nvPr/>
-        </p:nvCxnSpPr>
-        <p:spPr>
-          <a:xfrm>
-            <a:off x="6572264" y="6429396"/>
-            <a:ext cx="2000264" cy="1588"/>
-          </a:xfrm>
-          <a:prstGeom prst="line">
+        </p:nvSpPr>
+        <p:spPr>
+          <a:xfrm>
+            <a:off x="1357290" y="4857760"/>
+            <a:ext cx="1069524" cy="369332"/>
+          </a:xfrm>
+          <a:prstGeom prst="rect">
             <a:avLst/>
           </a:prstGeom>
-          <a:ln w="57150">
-            <a:solidFill>
-              <a:srgbClr val="FF0000"/>
-            </a:solidFill>
-          </a:ln>
         </p:spPr>
         <p:style>
-          <a:lnRef idx="2">
+          <a:lnRef idx="0">
+            <a:schemeClr val="accent6"/>
+          </a:lnRef>
+          <a:fillRef idx="3">
+            <a:schemeClr val="accent6"/>
+          </a:fillRef>
+          <a:effectRef idx="3">
+            <a:schemeClr val="accent6"/>
+          </a:effectRef>
+          <a:fontRef idx="minor">
+            <a:schemeClr val="lt1"/>
+          </a:fontRef>
+        </p:style>
+        <p:txBody>
+          <a:bodyPr wrap="none" rtlCol="0">
+            <a:spAutoFit/>
+          </a:bodyPr>
+          <a:lstStyle/>
+          <a:p>
+            <a:r>
+              <a:rPr lang="en-US" altLang="zh-CN" dirty="0" smtClean="0"/>
+              <a:t>Dao</a:t>
+            </a:r>
+            <a:r>
+              <a:rPr altLang="en-US" dirty="0" smtClean="0"/>
+              <a:t>组件</a:t>
+            </a:r>
+            <a:endParaRPr lang="zh-CN" altLang="en-US" dirty="0"/>
+          </a:p>
+        </p:txBody>
+      </p:sp>
+      <p:sp>
+        <p:nvSpPr>
+          <p:cNvPr id="42" name="TextBox 41"/>
+          <p:cNvSpPr txBox="1"/>
+          <p:nvPr/>
+        </p:nvSpPr>
+        <p:spPr>
+          <a:xfrm>
+            <a:off x="2643174" y="4857760"/>
+            <a:ext cx="1069524" cy="369332"/>
+          </a:xfrm>
+          <a:prstGeom prst="rect">
+            <a:avLst/>
+          </a:prstGeom>
+        </p:spPr>
+        <p:style>
+          <a:lnRef idx="0">
+            <a:schemeClr val="accent6"/>
+          </a:lnRef>
+          <a:fillRef idx="3">
+            <a:schemeClr val="accent6"/>
+          </a:fillRef>
+          <a:effectRef idx="3">
+            <a:schemeClr val="accent6"/>
+          </a:effectRef>
+          <a:fontRef idx="minor">
+            <a:schemeClr val="lt1"/>
+          </a:fontRef>
+        </p:style>
+        <p:txBody>
+          <a:bodyPr wrap="none" rtlCol="0">
+            <a:spAutoFit/>
+          </a:bodyPr>
+          <a:lstStyle/>
+          <a:p>
+            <a:r>
+              <a:rPr lang="en-US" altLang="zh-CN" dirty="0" smtClean="0"/>
+              <a:t>Dao</a:t>
+            </a:r>
+            <a:r>
+              <a:rPr altLang="en-US" dirty="0" smtClean="0"/>
+              <a:t>组件</a:t>
+            </a:r>
+            <a:endParaRPr lang="zh-CN" altLang="en-US" dirty="0"/>
+          </a:p>
+        </p:txBody>
+      </p:sp>
+      <p:sp>
+        <p:nvSpPr>
+          <p:cNvPr id="44" name="TextBox 43"/>
+          <p:cNvSpPr txBox="1"/>
+          <p:nvPr/>
+        </p:nvSpPr>
+        <p:spPr>
+          <a:xfrm>
+            <a:off x="5857884" y="1214422"/>
+            <a:ext cx="1107996" cy="369332"/>
+          </a:xfrm>
+          <a:prstGeom prst="rect">
+            <a:avLst/>
+          </a:prstGeom>
+        </p:spPr>
+        <p:style>
+          <a:lnRef idx="1">
             <a:schemeClr val="accent2"/>
           </a:lnRef>
-          <a:fillRef idx="0">
+          <a:fillRef idx="3">
             <a:schemeClr val="accent2"/>
           </a:fillRef>
-          <a:effectRef idx="1">
+          <a:effectRef idx="2">
             <a:schemeClr val="accent2"/>
           </a:effectRef>
           <a:fontRef idx="minor">
-            <a:schemeClr val="tx1"/>
+            <a:schemeClr val="lt1"/>
           </a:fontRef>
         </p:style>
-      </p:cxnSp>
-      <p:cxnSp>
-        <p:nvCxnSpPr>
-          <p:cNvPr id="20" name="直接连接符 19"/>
-          <p:cNvCxnSpPr/>
-          <p:nvPr/>
-        </p:nvCxnSpPr>
-        <p:spPr>
-          <a:xfrm>
-            <a:off x="214282" y="6784998"/>
-            <a:ext cx="1643074" cy="1588"/>
-          </a:xfrm>
-          <a:prstGeom prst="line">
-            <a:avLst/>
-          </a:prstGeom>
-          <a:ln w="57150">
-            <a:solidFill>
-              <a:srgbClr val="FF0000"/>
-            </a:solidFill>
-          </a:ln>
-        </p:spPr>
-        <p:style>
-          <a:lnRef idx="2">
-            <a:schemeClr val="accent2"/>
-          </a:lnRef>
-          <a:fillRef idx="0">
-            <a:schemeClr val="accent2"/>
-          </a:fillRef>
-          <a:effectRef idx="1">
-            <a:schemeClr val="accent2"/>
-          </a:effectRef>
-          <a:fontRef idx="minor">
-            <a:schemeClr val="tx1"/>
-          </a:fontRef>
-        </p:style>
-      </p:cxnSp>
-      <p:sp>
-        <p:nvSpPr>
-          <p:cNvPr id="22" name="TextBox 21"/>
+        <p:txBody>
+          <a:bodyPr wrap="none" rtlCol="0">
+            <a:spAutoFit/>
+          </a:bodyPr>
+          <a:lstStyle/>
+          <a:p>
+            <a:r>
+              <a:rPr altLang="en-US" dirty="0" smtClean="0"/>
+              <a:t>综合治理</a:t>
+            </a:r>
+            <a:endParaRPr lang="zh-CN" altLang="en-US" dirty="0"/>
+          </a:p>
+        </p:txBody>
+      </p:sp>
+      <p:sp>
+        <p:nvSpPr>
+          <p:cNvPr id="46" name="TextBox 45"/>
           <p:cNvSpPr txBox="1"/>
           <p:nvPr/>
         </p:nvSpPr>
         <p:spPr>
           <a:xfrm>
-            <a:off x="357158" y="0"/>
+            <a:off x="0" y="6488668"/>
             <a:ext cx="3230372" cy="369332"/>
           </a:xfrm>
           <a:prstGeom prst="rect">
@@ -12293,7 +12052,7 @@
           <a:p>
             <a:r>
               <a:rPr lang="en-US" altLang="zh-CN" dirty="0" smtClean="0">
-                <a:hlinkClick r:id="rId6"/>
+                <a:hlinkClick r:id="rId5"/>
               </a:rPr>
               <a:t>http://www.bbossgroups.com</a:t>
             </a:r>
@@ -12336,9 +12095,81 @@
           <a:chExt cx="0" cy="0"/>
         </a:xfrm>
       </p:grpSpPr>
-      <p:sp>
-        <p:nvSpPr>
-          <p:cNvPr id="8" name="W¥ل云玗İαЂÕØÚáÛ丫:Téxt Plàçèhòlðêr 表¥鷗字㌍_W 10"/>
+      <p:cxnSp>
+        <p:nvCxnSpPr>
+          <p:cNvPr id="10" name="直接箭头连接符 9"/>
+          <p:cNvCxnSpPr/>
+          <p:nvPr/>
+        </p:nvCxnSpPr>
+        <p:spPr>
+          <a:xfrm rot="5400000">
+            <a:off x="-2037206" y="2821380"/>
+            <a:ext cx="5358644" cy="1589"/>
+          </a:xfrm>
+          <a:prstGeom prst="straightConnector1">
+            <a:avLst/>
+          </a:prstGeom>
+          <a:ln w="38100">
+            <a:solidFill>
+              <a:srgbClr val="C00000"/>
+            </a:solidFill>
+            <a:tailEnd type="arrow"/>
+          </a:ln>
+        </p:spPr>
+        <p:style>
+          <a:lnRef idx="1">
+            <a:schemeClr val="accent1"/>
+          </a:lnRef>
+          <a:fillRef idx="0">
+            <a:schemeClr val="accent1"/>
+          </a:fillRef>
+          <a:effectRef idx="0">
+            <a:schemeClr val="accent1"/>
+          </a:effectRef>
+          <a:fontRef idx="minor">
+            <a:schemeClr val="tx1"/>
+          </a:fontRef>
+        </p:style>
+      </p:cxnSp>
+      <p:cxnSp>
+        <p:nvCxnSpPr>
+          <p:cNvPr id="12" name="直接箭头连接符 11"/>
+          <p:cNvCxnSpPr/>
+          <p:nvPr/>
+        </p:nvCxnSpPr>
+        <p:spPr>
+          <a:xfrm rot="5400000" flipH="1" flipV="1">
+            <a:off x="5821767" y="2749148"/>
+            <a:ext cx="5214180" cy="1589"/>
+          </a:xfrm>
+          <a:prstGeom prst="straightConnector1">
+            <a:avLst/>
+          </a:prstGeom>
+          <a:ln w="38100">
+            <a:solidFill>
+              <a:srgbClr val="FF0000"/>
+            </a:solidFill>
+            <a:tailEnd type="arrow"/>
+          </a:ln>
+        </p:spPr>
+        <p:style>
+          <a:lnRef idx="1">
+            <a:schemeClr val="accent1"/>
+          </a:lnRef>
+          <a:fillRef idx="0">
+            <a:schemeClr val="accent1"/>
+          </a:fillRef>
+          <a:effectRef idx="0">
+            <a:schemeClr val="accent1"/>
+          </a:effectRef>
+          <a:fontRef idx="minor">
+            <a:schemeClr val="tx1"/>
+          </a:fontRef>
+        </p:style>
+      </p:cxnSp>
+      <p:sp>
+        <p:nvSpPr>
+          <p:cNvPr id="13" name="W¥ل云玗İαЂÕØÚáÛ丫:Téxt Plàçèhòlðêr 表¥鷗字㌍_W 10"/>
           <p:cNvSpPr txBox="1">
             <a:spLocks/>
           </p:cNvSpPr>
@@ -12346,8 +12177,8 @@
         </p:nvSpPr>
         <p:spPr>
           <a:xfrm>
-            <a:off x="142844" y="6034094"/>
-            <a:ext cx="8610600" cy="1038244"/>
+            <a:off x="0" y="5819756"/>
+            <a:ext cx="8715404" cy="681078"/>
           </a:xfrm>
           <a:prstGeom prst="rect">
             <a:avLst/>
@@ -12394,7 +12225,7 @@
               <a:defRPr/>
             </a:pPr>
             <a:r>
-              <a:rPr kumimoji="0" lang="en-US" altLang="zh-CN" sz="2400" b="0" i="0" u="none" strike="noStrike" kern="0" cap="none" spc="0" normalizeH="0" baseline="0" noProof="0" dirty="0" err="1" smtClean="0">
+              <a:rPr kumimoji="0" lang="en-US" altLang="zh-CN" sz="3200" b="0" i="0" u="none" strike="noStrike" kern="0" cap="none" spc="0" normalizeH="0" baseline="0" noProof="0" dirty="0" err="1" smtClean="0">
                 <a:ln>
                   <a:noFill/>
                 </a:ln>
@@ -12408,10 +12239,10 @@
                 <a:ea typeface="+mn-ea"/>
                 <a:cs typeface="+mn-cs"/>
               </a:rPr>
-              <a:t>BBossGroups</a:t>
-            </a:r>
-            <a:r>
-              <a:rPr kumimoji="0" altLang="en-US" sz="2400" b="0" i="0" u="none" strike="noStrike" kern="0" cap="none" spc="0" normalizeH="0" baseline="0" noProof="0" dirty="0" smtClean="0">
+              <a:t>BBossGroupsHOW</a:t>
+            </a:r>
+            <a:r>
+              <a:rPr kumimoji="0" lang="en-US" altLang="zh-CN" sz="3200" b="0" i="0" u="none" strike="noStrike" kern="0" cap="none" spc="0" normalizeH="0" baseline="0" noProof="0" dirty="0" smtClean="0">
                 <a:ln>
                   <a:noFill/>
                 </a:ln>
@@ -12425,9 +12256,13 @@
                 <a:ea typeface="+mn-ea"/>
                 <a:cs typeface="+mn-cs"/>
               </a:rPr>
-              <a:t>开发代码片段</a:t>
-            </a:r>
-            <a:endParaRPr kumimoji="0" lang="en-US" altLang="en-US" sz="2400" b="0" i="0" u="none" strike="noStrike" kern="0" cap="none" spc="0" normalizeH="0" baseline="0" noProof="0" dirty="0" smtClean="0">
+              <a:t>-MVC</a:t>
+            </a:r>
+            <a:r>
+              <a:rPr altLang="en-US" sz="3200" kern="0" dirty="0" smtClean="0"/>
+              <a:t>架构（请求处理流程）</a:t>
+            </a:r>
+            <a:endParaRPr kumimoji="0" lang="zh-CN" sz="3200" b="0" i="0" u="none" strike="noStrike" kern="0" cap="none" spc="0" normalizeH="0" baseline="0" noProof="0" dirty="0">
               <a:ln>
                 <a:noFill/>
               </a:ln>
@@ -12442,466 +12277,18 @@
               <a:cs typeface="+mn-cs"/>
             </a:endParaRPr>
           </a:p>
-          <a:p>
-            <a:pPr marL="0" marR="0" lvl="0" indent="1588" defTabSz="914400" rtl="0" eaLnBrk="1" fontAlgn="auto" latinLnBrk="0" hangingPunct="1">
-              <a:lnSpc>
-                <a:spcPct val="100000"/>
-              </a:lnSpc>
-              <a:spcBef>
-                <a:spcPct val="20000"/>
-              </a:spcBef>
-              <a:spcAft>
-                <a:spcPts val="0"/>
-              </a:spcAft>
-              <a:buClrTx/>
-              <a:buSzTx/>
-              <a:buFontTx/>
-              <a:buNone/>
-              <a:tabLst/>
-              <a:defRPr/>
-            </a:pPr>
-            <a:r>
-              <a:rPr kumimoji="0" altLang="en-US" sz="2400" b="0" i="0" u="none" strike="noStrike" kern="0" cap="none" spc="0" normalizeH="0" baseline="0" noProof="0" dirty="0" smtClean="0">
-                <a:ln>
-                  <a:noFill/>
-                </a:ln>
-                <a:solidFill>
-                  <a:schemeClr val="tx1"/>
-                </a:solidFill>
-                <a:effectLst/>
-                <a:uLnTx/>
-                <a:uFillTx/>
-                <a:latin typeface="+mn-lt"/>
-                <a:ea typeface="+mn-ea"/>
-                <a:cs typeface="+mn-cs"/>
-              </a:rPr>
-              <a:t>（界面</a:t>
-            </a:r>
-            <a:r>
-              <a:rPr kumimoji="0" lang="en-US" altLang="en-US" sz="2400" b="0" i="0" u="none" strike="noStrike" kern="0" cap="none" spc="0" normalizeH="0" baseline="0" noProof="0" dirty="0" smtClean="0">
-                <a:ln>
-                  <a:noFill/>
-                </a:ln>
-                <a:solidFill>
-                  <a:schemeClr val="tx1"/>
-                </a:solidFill>
-                <a:effectLst/>
-                <a:uLnTx/>
-                <a:uFillTx/>
-                <a:latin typeface="+mn-lt"/>
-                <a:ea typeface="+mn-ea"/>
-                <a:cs typeface="+mn-cs"/>
-              </a:rPr>
-              <a:t>-&gt;</a:t>
-            </a:r>
-            <a:r>
-              <a:rPr kumimoji="0" altLang="en-US" sz="2400" b="0" i="0" u="none" strike="noStrike" kern="0" cap="none" spc="0" normalizeH="0" baseline="0" noProof="0" dirty="0" smtClean="0">
-                <a:ln>
-                  <a:noFill/>
-                </a:ln>
-                <a:solidFill>
-                  <a:schemeClr val="tx1"/>
-                </a:solidFill>
-                <a:effectLst/>
-                <a:uLnTx/>
-                <a:uFillTx/>
-                <a:latin typeface="+mn-lt"/>
-                <a:ea typeface="+mn-ea"/>
-                <a:cs typeface="+mn-cs"/>
-              </a:rPr>
-              <a:t>控制器</a:t>
-            </a:r>
-            <a:r>
-              <a:rPr kumimoji="0" lang="en-US" altLang="zh-CN" sz="2400" b="0" i="0" u="none" strike="noStrike" kern="0" cap="none" spc="0" normalizeH="0" baseline="0" noProof="0" dirty="0" smtClean="0">
-                <a:ln>
-                  <a:noFill/>
-                </a:ln>
-                <a:solidFill>
-                  <a:schemeClr val="tx1"/>
-                </a:solidFill>
-                <a:effectLst/>
-                <a:uLnTx/>
-                <a:uFillTx/>
-                <a:latin typeface="+mn-lt"/>
-                <a:ea typeface="+mn-ea"/>
-                <a:cs typeface="+mn-cs"/>
-              </a:rPr>
-              <a:t>-&gt;</a:t>
-            </a:r>
-            <a:r>
-              <a:rPr kumimoji="0" altLang="en-US" sz="2400" b="0" i="0" u="none" strike="noStrike" kern="0" cap="none" spc="0" normalizeH="0" baseline="0" noProof="0" dirty="0" smtClean="0">
-                <a:ln>
-                  <a:noFill/>
-                </a:ln>
-                <a:solidFill>
-                  <a:schemeClr val="tx1"/>
-                </a:solidFill>
-                <a:effectLst/>
-                <a:uLnTx/>
-                <a:uFillTx/>
-                <a:latin typeface="+mn-lt"/>
-                <a:ea typeface="+mn-ea"/>
-                <a:cs typeface="+mn-cs"/>
-              </a:rPr>
-              <a:t>业务层</a:t>
-            </a:r>
-            <a:r>
-              <a:rPr kumimoji="0" lang="en-US" altLang="zh-CN" sz="2400" b="0" i="0" u="none" strike="noStrike" kern="0" cap="none" spc="0" normalizeH="0" baseline="0" noProof="0" dirty="0" smtClean="0">
-                <a:ln>
-                  <a:noFill/>
-                </a:ln>
-                <a:solidFill>
-                  <a:schemeClr val="tx1"/>
-                </a:solidFill>
-                <a:effectLst/>
-                <a:uLnTx/>
-                <a:uFillTx/>
-                <a:latin typeface="+mn-lt"/>
-                <a:ea typeface="+mn-ea"/>
-                <a:cs typeface="+mn-cs"/>
-              </a:rPr>
-              <a:t>-&gt;</a:t>
-            </a:r>
-            <a:r>
-              <a:rPr kumimoji="0" lang="en-US" altLang="zh-CN" sz="2400" b="0" i="0" u="none" strike="noStrike" kern="0" cap="none" spc="0" normalizeH="0" baseline="0" noProof="0" dirty="0" err="1" smtClean="0">
-                <a:ln>
-                  <a:noFill/>
-                </a:ln>
-                <a:solidFill>
-                  <a:schemeClr val="tx1"/>
-                </a:solidFill>
-                <a:effectLst/>
-                <a:uLnTx/>
-                <a:uFillTx/>
-                <a:latin typeface="+mn-lt"/>
-                <a:ea typeface="+mn-ea"/>
-                <a:cs typeface="+mn-cs"/>
-              </a:rPr>
-              <a:t>sql</a:t>
-            </a:r>
-            <a:r>
-              <a:rPr kumimoji="0" altLang="en-US" sz="2400" b="0" i="0" u="none" strike="noStrike" kern="0" cap="none" spc="0" normalizeH="0" baseline="0" noProof="0" dirty="0" smtClean="0">
-                <a:ln>
-                  <a:noFill/>
-                </a:ln>
-                <a:solidFill>
-                  <a:schemeClr val="tx1"/>
-                </a:solidFill>
-                <a:effectLst/>
-                <a:uLnTx/>
-                <a:uFillTx/>
-                <a:latin typeface="+mn-lt"/>
-                <a:ea typeface="+mn-ea"/>
-                <a:cs typeface="+mn-cs"/>
-              </a:rPr>
-              <a:t>配置片段）</a:t>
-            </a:r>
-            <a:endParaRPr kumimoji="0" lang="zh-CN" sz="2400" b="0" i="0" u="none" strike="noStrike" kern="0" cap="none" spc="0" normalizeH="0" baseline="0" noProof="0" dirty="0">
-              <a:ln>
-                <a:noFill/>
-              </a:ln>
-              <a:solidFill>
-                <a:schemeClr val="tx1"/>
-              </a:solidFill>
-              <a:effectLst/>
-              <a:uLnTx/>
-              <a:uFillTx/>
-              <a:latin typeface="+mn-lt"/>
-              <a:ea typeface="+mn-ea"/>
-              <a:cs typeface="+mn-cs"/>
-            </a:endParaRPr>
-          </a:p>
-        </p:txBody>
-      </p:sp>
-      <p:pic>
-        <p:nvPicPr>
-          <p:cNvPr id="2052" name="Picture 4"/>
-          <p:cNvPicPr>
-            <a:picLocks noGrp="1" noChangeAspect="1" noChangeArrowheads="1"/>
-          </p:cNvPicPr>
-          <p:nvPr>
-            <p:ph type="pic" sz="quarter" idx="12"/>
-          </p:nvPr>
-        </p:nvPicPr>
-        <p:blipFill>
-          <a:blip r:embed="rId3"/>
-          <a:srcRect l="2765" r="2765"/>
-          <a:stretch>
-            <a:fillRect/>
-          </a:stretch>
-        </p:blipFill>
-        <p:spPr bwMode="auto">
-          <a:xfrm>
-            <a:off x="500034" y="384175"/>
-            <a:ext cx="5286412" cy="1187450"/>
-          </a:xfrm>
-          <a:prstGeom prst="rect">
-            <a:avLst/>
-          </a:prstGeom>
-          <a:noFill/>
-          <a:ln w="9525">
-            <a:noFill/>
-            <a:miter lim="800000"/>
-            <a:headEnd/>
-            <a:tailEnd/>
-          </a:ln>
-          <a:effectLst/>
-        </p:spPr>
-      </p:pic>
-      <p:pic>
-        <p:nvPicPr>
-          <p:cNvPr id="2053" name="Picture 5"/>
-          <p:cNvPicPr>
-            <a:picLocks noGrp="1" noChangeAspect="1" noChangeArrowheads="1"/>
-          </p:cNvPicPr>
-          <p:nvPr>
-            <p:ph type="pic" sz="quarter" idx="13"/>
-          </p:nvPr>
-        </p:nvPicPr>
-        <p:blipFill>
-          <a:blip r:embed="rId4"/>
-          <a:srcRect t="2764" b="2764"/>
-          <a:stretch>
-            <a:fillRect/>
-          </a:stretch>
-        </p:blipFill>
-        <p:spPr bwMode="auto">
-          <a:xfrm>
-            <a:off x="500063" y="1785938"/>
-            <a:ext cx="5286383" cy="1182687"/>
-          </a:xfrm>
-          <a:prstGeom prst="rect">
-            <a:avLst/>
-          </a:prstGeom>
-          <a:noFill/>
-          <a:ln w="9525">
-            <a:noFill/>
-            <a:miter lim="800000"/>
-            <a:headEnd/>
-            <a:tailEnd/>
-          </a:ln>
-          <a:effectLst/>
-        </p:spPr>
-      </p:pic>
-      <p:pic>
-        <p:nvPicPr>
-          <p:cNvPr id="2059" name="Picture 11"/>
-          <p:cNvPicPr>
-            <a:picLocks noGrp="1" noChangeAspect="1" noChangeArrowheads="1"/>
-          </p:cNvPicPr>
-          <p:nvPr>
-            <p:ph type="pic" sz="quarter" idx="11"/>
-          </p:nvPr>
-        </p:nvPicPr>
-        <p:blipFill>
-          <a:blip r:embed="rId5"/>
-          <a:srcRect l="784" r="784"/>
-          <a:stretch>
-            <a:fillRect/>
-          </a:stretch>
-        </p:blipFill>
-        <p:spPr bwMode="auto">
-          <a:xfrm>
-            <a:off x="500063" y="3143250"/>
-            <a:ext cx="5214945" cy="2714625"/>
-          </a:xfrm>
-          <a:prstGeom prst="rect">
-            <a:avLst/>
-          </a:prstGeom>
-          <a:noFill/>
-          <a:ln w="9525">
-            <a:noFill/>
-            <a:miter lim="800000"/>
-            <a:headEnd/>
-            <a:tailEnd/>
-          </a:ln>
-          <a:effectLst/>
-        </p:spPr>
-      </p:pic>
-      <p:sp>
-        <p:nvSpPr>
-          <p:cNvPr id="18" name="矩形 17"/>
-          <p:cNvSpPr/>
-          <p:nvPr/>
-        </p:nvSpPr>
-        <p:spPr>
-          <a:xfrm>
-            <a:off x="5929322" y="285728"/>
-            <a:ext cx="3214678" cy="5755422"/>
-          </a:xfrm>
-          <a:prstGeom prst="rect">
-            <a:avLst/>
-          </a:prstGeom>
-          <a:solidFill>
-            <a:srgbClr val="7030A0"/>
-          </a:solidFill>
-        </p:spPr>
-        <p:txBody>
-          <a:bodyPr wrap="square">
-            <a:spAutoFit/>
-          </a:bodyPr>
-          <a:lstStyle/>
-          <a:p>
-            <a:r>
-              <a:rPr lang="en-US" altLang="zh-CN" sz="1600" dirty="0" smtClean="0"/>
-              <a:t>&lt;property name=</a:t>
-            </a:r>
-            <a:r>
-              <a:rPr lang="en-US" altLang="zh-CN" sz="1600" i="1" dirty="0" smtClean="0"/>
-              <a:t>"</a:t>
-            </a:r>
-            <a:r>
-              <a:rPr lang="en-US" altLang="zh-CN" sz="1600" b="1" i="1" dirty="0" err="1" smtClean="0">
-                <a:solidFill>
-                  <a:srgbClr val="FF0000"/>
-                </a:solidFill>
-              </a:rPr>
-              <a:t>stringarraytoList_insert</a:t>
-            </a:r>
-            <a:r>
-              <a:rPr lang="en-US" altLang="zh-CN" sz="1600" i="1" dirty="0" smtClean="0"/>
-              <a:t>"&gt;</a:t>
-            </a:r>
-          </a:p>
-          <a:p>
-            <a:r>
-              <a:rPr lang="en-US" altLang="zh-CN" sz="1600" dirty="0" smtClean="0"/>
-              <a:t>&lt;![CDATA[</a:t>
-            </a:r>
-          </a:p>
-          <a:p>
-            <a:r>
-              <a:rPr lang="en-US" altLang="zh-CN" sz="1600" dirty="0" smtClean="0"/>
-              <a:t>    INSERT INTO LISTBEAN ( ID, FIELDNAME, FIELDLABLE, FIELDTYPE, SORTORDER,ISPRIMARYKEY, REQUIRED, FIELDLENGTH,ISVALIDATED ) VALUES</a:t>
-            </a:r>
-          </a:p>
-          <a:p>
-            <a:r>
-              <a:rPr lang="en-US" altLang="zh-CN" sz="1600" dirty="0" smtClean="0"/>
-              <a:t>(#[id],#[</a:t>
-            </a:r>
-            <a:r>
-              <a:rPr lang="en-US" altLang="zh-CN" sz="1600" dirty="0" err="1" smtClean="0"/>
-              <a:t>fieldName</a:t>
-            </a:r>
-            <a:r>
-              <a:rPr lang="en-US" altLang="zh-CN" sz="1600" dirty="0" smtClean="0"/>
-              <a:t>],#[</a:t>
-            </a:r>
-            <a:r>
-              <a:rPr lang="en-US" altLang="zh-CN" sz="1600" dirty="0" err="1" smtClean="0"/>
-              <a:t>fieldLable</a:t>
-            </a:r>
-            <a:r>
-              <a:rPr lang="en-US" altLang="zh-CN" sz="1600" dirty="0" smtClean="0"/>
-              <a:t>],#[</a:t>
-            </a:r>
-            <a:r>
-              <a:rPr lang="en-US" altLang="zh-CN" sz="1600" dirty="0" err="1" smtClean="0"/>
-              <a:t>fieldType</a:t>
-            </a:r>
-            <a:r>
-              <a:rPr lang="en-US" altLang="zh-CN" sz="1600" dirty="0" smtClean="0"/>
-              <a:t>],#[</a:t>
-            </a:r>
-            <a:r>
-              <a:rPr lang="en-US" altLang="zh-CN" sz="1600" dirty="0" err="1" smtClean="0"/>
-              <a:t>sortorder</a:t>
-            </a:r>
-            <a:r>
-              <a:rPr lang="en-US" altLang="zh-CN" sz="1600" dirty="0" smtClean="0"/>
-              <a:t>]</a:t>
-            </a:r>
-          </a:p>
-          <a:p>
-            <a:r>
-              <a:rPr lang="en-US" altLang="zh-CN" sz="1600" dirty="0" smtClean="0"/>
-              <a:t>,#[</a:t>
-            </a:r>
-            <a:r>
-              <a:rPr lang="en-US" altLang="zh-CN" sz="1600" dirty="0" err="1" smtClean="0"/>
-              <a:t>isprimaryKey</a:t>
-            </a:r>
-            <a:r>
-              <a:rPr lang="en-US" altLang="zh-CN" sz="1600" dirty="0" smtClean="0"/>
-              <a:t>],#[required],#[</a:t>
-            </a:r>
-            <a:r>
-              <a:rPr lang="en-US" altLang="zh-CN" sz="1600" dirty="0" err="1" smtClean="0"/>
-              <a:t>fieldLength</a:t>
-            </a:r>
-            <a:r>
-              <a:rPr lang="en-US" altLang="zh-CN" sz="1600" dirty="0" smtClean="0"/>
-              <a:t>],#[</a:t>
-            </a:r>
-            <a:r>
-              <a:rPr lang="en-US" altLang="zh-CN" sz="1600" dirty="0" err="1" smtClean="0"/>
-              <a:t>isvalidated</a:t>
-            </a:r>
-            <a:r>
-              <a:rPr lang="en-US" altLang="zh-CN" sz="1600" dirty="0" smtClean="0"/>
-              <a:t>])</a:t>
-            </a:r>
-          </a:p>
-          <a:p>
-            <a:r>
-              <a:rPr lang="en-US" altLang="zh-CN" sz="1600" dirty="0" smtClean="0"/>
-              <a:t>]]&gt;</a:t>
-            </a:r>
-          </a:p>
-          <a:p>
-            <a:r>
-              <a:rPr lang="en-US" altLang="zh-CN" sz="1600" dirty="0" smtClean="0"/>
-              <a:t>&lt;/property&gt;</a:t>
-            </a:r>
-            <a:endParaRPr altLang="en-US" sz="1600" dirty="0" smtClean="0"/>
-          </a:p>
-          <a:p>
-            <a:r>
-              <a:rPr lang="en-US" altLang="zh-CN" sz="1600" dirty="0" smtClean="0"/>
-              <a:t>&lt;property name=</a:t>
-            </a:r>
-            <a:r>
-              <a:rPr lang="en-US" altLang="zh-CN" sz="1600" i="1" dirty="0" smtClean="0"/>
-              <a:t>"</a:t>
-            </a:r>
-            <a:r>
-              <a:rPr lang="en-US" altLang="zh-CN" sz="1600" b="1" i="1" dirty="0" err="1" smtClean="0">
-                <a:solidFill>
-                  <a:srgbClr val="FF0000"/>
-                </a:solidFill>
-              </a:rPr>
-              <a:t>stringarraytoList_delete</a:t>
-            </a:r>
-            <a:r>
-              <a:rPr lang="en-US" altLang="zh-CN" sz="1600" i="1" dirty="0" smtClean="0"/>
-              <a:t>"&gt;</a:t>
-            </a:r>
-          </a:p>
-          <a:p>
-            <a:r>
-              <a:rPr lang="en-US" altLang="zh-CN" sz="1600" dirty="0" smtClean="0"/>
-              <a:t>&lt;![CDATA[delete from LISTBEAN]]&gt;</a:t>
-            </a:r>
-          </a:p>
-          <a:p>
-            <a:r>
-              <a:rPr lang="en-US" altLang="zh-CN" sz="1600" dirty="0" smtClean="0"/>
-              <a:t>&lt;/property&gt;</a:t>
-            </a:r>
-          </a:p>
         </p:txBody>
       </p:sp>
       <p:cxnSp>
         <p:nvCxnSpPr>
-          <p:cNvPr id="19" name="直接连接符 18"/>
+          <p:cNvPr id="14" name="直接连接符 13"/>
           <p:cNvCxnSpPr/>
           <p:nvPr/>
         </p:nvCxnSpPr>
         <p:spPr>
           <a:xfrm>
-            <a:off x="214282" y="6856412"/>
-            <a:ext cx="5214974" cy="1588"/>
+            <a:off x="3857620" y="6429396"/>
+            <a:ext cx="4643470" cy="1588"/>
           </a:xfrm>
           <a:prstGeom prst="line">
             <a:avLst/>
@@ -12927,91 +12314,54 @@
           </a:fontRef>
         </p:style>
       </p:cxnSp>
-      <p:cxnSp>
-        <p:nvCxnSpPr>
-          <p:cNvPr id="22" name="直接连接符 21"/>
-          <p:cNvCxnSpPr/>
+      <p:pic>
+        <p:nvPicPr>
+          <p:cNvPr id="1028" name="Picture 4"/>
+          <p:cNvPicPr>
+            <a:picLocks noChangeAspect="1" noChangeArrowheads="1"/>
+          </p:cNvPicPr>
           <p:nvPr/>
-        </p:nvCxnSpPr>
-        <p:spPr>
-          <a:xfrm>
-            <a:off x="2857488" y="4500570"/>
-            <a:ext cx="2000264" cy="1588"/>
-          </a:xfrm>
-          <a:prstGeom prst="line">
-            <a:avLst/>
-          </a:prstGeom>
-          <a:ln w="28575">
-            <a:solidFill>
-              <a:srgbClr val="FF0000"/>
-            </a:solidFill>
-          </a:ln>
-        </p:spPr>
-        <p:style>
-          <a:lnRef idx="2">
-            <a:schemeClr val="accent2"/>
-          </a:lnRef>
-          <a:fillRef idx="0">
-            <a:schemeClr val="accent2"/>
-          </a:fillRef>
-          <a:effectRef idx="1">
-            <a:schemeClr val="accent2"/>
-          </a:effectRef>
-          <a:fontRef idx="minor">
-            <a:schemeClr val="tx1"/>
-          </a:fontRef>
-        </p:style>
-      </p:cxnSp>
-      <p:cxnSp>
-        <p:nvCxnSpPr>
-          <p:cNvPr id="24" name="直接连接符 23"/>
-          <p:cNvCxnSpPr/>
-          <p:nvPr/>
-        </p:nvCxnSpPr>
-        <p:spPr>
-          <a:xfrm>
-            <a:off x="2500298" y="4286256"/>
-            <a:ext cx="2000264" cy="1588"/>
-          </a:xfrm>
-          <a:prstGeom prst="line">
-            <a:avLst/>
-          </a:prstGeom>
-          <a:ln w="28575">
-            <a:solidFill>
-              <a:srgbClr val="FF0000"/>
-            </a:solidFill>
-          </a:ln>
-        </p:spPr>
-        <p:style>
-          <a:lnRef idx="2">
-            <a:schemeClr val="accent2"/>
-          </a:lnRef>
-          <a:fillRef idx="0">
-            <a:schemeClr val="accent2"/>
-          </a:fillRef>
-          <a:effectRef idx="1">
-            <a:schemeClr val="accent2"/>
-          </a:effectRef>
-          <a:fontRef idx="minor">
-            <a:schemeClr val="tx1"/>
-          </a:fontRef>
-        </p:style>
-      </p:cxnSp>
-      <p:sp>
-        <p:nvSpPr>
-          <p:cNvPr id="26" name="TextBox 25"/>
-          <p:cNvSpPr txBox="1"/>
-          <p:nvPr/>
-        </p:nvSpPr>
-        <p:spPr>
-          <a:xfrm>
-            <a:off x="357158" y="0"/>
-            <a:ext cx="3230372" cy="369332"/>
+        </p:nvPicPr>
+        <p:blipFill>
+          <a:blip r:embed="rId3"/>
+          <a:srcRect/>
+          <a:stretch>
+            <a:fillRect/>
+          </a:stretch>
+        </p:blipFill>
+        <p:spPr bwMode="auto">
+          <a:xfrm>
+            <a:off x="828675" y="80963"/>
+            <a:ext cx="7486650" cy="5634053"/>
           </a:xfrm>
           <a:prstGeom prst="rect">
             <a:avLst/>
           </a:prstGeom>
           <a:noFill/>
+          <a:ln w="9525">
+            <a:noFill/>
+            <a:miter lim="800000"/>
+            <a:headEnd/>
+            <a:tailEnd/>
+          </a:ln>
+          <a:effectLst/>
+        </p:spPr>
+      </p:pic>
+      <p:sp>
+        <p:nvSpPr>
+          <p:cNvPr id="191" name="TextBox 190"/>
+          <p:cNvSpPr txBox="1"/>
+          <p:nvPr/>
+        </p:nvSpPr>
+        <p:spPr>
+          <a:xfrm>
+            <a:off x="0" y="6488668"/>
+            <a:ext cx="3230372" cy="369332"/>
+          </a:xfrm>
+          <a:prstGeom prst="rect">
+            <a:avLst/>
+          </a:prstGeom>
+          <a:noFill/>
         </p:spPr>
         <p:txBody>
           <a:bodyPr wrap="none" rtlCol="0">
@@ -13021,7 +12371,7 @@
           <a:p>
             <a:r>
               <a:rPr lang="en-US" altLang="zh-CN" dirty="0" smtClean="0">
-                <a:hlinkClick r:id="rId6"/>
+                <a:hlinkClick r:id="rId4"/>
               </a:rPr>
               <a:t>http://www.bbossgroups.com</a:t>
             </a:r>
@@ -13064,21 +12414,31 @@
           <a:chExt cx="0" cy="0"/>
         </a:xfrm>
       </p:grpSpPr>
-      <p:sp>
-        <p:nvSpPr>
-          <p:cNvPr id="2" name="图片占位符 1"/>
-          <p:cNvSpPr>
-            <a:spLocks noGrp="1"/>
-          </p:cNvSpPr>
-          <p:nvPr>
-            <p:ph type="pic" sz="quarter" idx="14"/>
-          </p:nvPr>
-        </p:nvSpPr>
-        <p:spPr>
-          <a:xfrm>
-            <a:off x="1107693" y="1524000"/>
-            <a:ext cx="3178555" cy="2976570"/>
-          </a:xfrm>
+      <p:pic>
+        <p:nvPicPr>
+          <p:cNvPr id="7" name="waterfall_j0262353.png"/>
+          <p:cNvPicPr>
+            <a:picLocks noGrp="1" noChangeAspect="1"/>
+          </p:cNvPicPr>
+          <p:nvPr>
+            <p:ph type="pic" sz="quarter" idx="11"/>
+          </p:nvPr>
+        </p:nvPicPr>
+        <p:blipFill>
+          <a:blip r:embed="rId3"/>
+          <a:srcRect/>
+          <a:stretch>
+            <a:fillRect/>
+          </a:stretch>
+        </p:blipFill>
+        <p:spPr>
+          <a:xfrm>
+            <a:off x="7143768" y="3436938"/>
+            <a:ext cx="1573195" cy="2135202"/>
+          </a:xfrm>
+          <a:prstGeom prst="rect">
+            <a:avLst/>
+          </a:prstGeom>
           <a:noFill/>
           <a:ln w="38100" cap="sq" cmpd="sng" algn="ctr">
             <a:solidFill>
@@ -13095,39 +12455,32 @@
             </a:outerShdw>
           </a:effectLst>
         </p:spPr>
-      </p:sp>
-      <p:sp>
-        <p:nvSpPr>
-          <p:cNvPr id="4" name="图片占位符 3"/>
-          <p:cNvSpPr>
-            <a:spLocks noGrp="1"/>
-          </p:cNvSpPr>
-          <p:nvPr>
-            <p:ph type="pic" sz="quarter" idx="30"/>
-          </p:nvPr>
-        </p:nvSpPr>
-        <p:spPr>
-          <a:xfrm>
-            <a:off x="4761385" y="1524000"/>
-            <a:ext cx="3223072" cy="3119446"/>
-          </a:xfrm>
-        </p:spPr>
-      </p:sp>
-      <p:sp>
-        <p:nvSpPr>
-          <p:cNvPr id="6" name="文本占位符 5"/>
-          <p:cNvSpPr>
-            <a:spLocks noGrp="1"/>
-          </p:cNvSpPr>
-          <p:nvPr>
-            <p:ph type="body" sz="quarter" idx="29"/>
-          </p:nvPr>
-        </p:nvSpPr>
-        <p:spPr>
-          <a:xfrm>
-            <a:off x="381000" y="5214950"/>
-            <a:ext cx="8763000" cy="719150"/>
-          </a:xfrm>
+      </p:pic>
+      <p:pic>
+        <p:nvPicPr>
+          <p:cNvPr id="6" name="sunflower_j0262344.png"/>
+          <p:cNvPicPr>
+            <a:picLocks noGrp="1" noChangeAspect="1"/>
+          </p:cNvPicPr>
+          <p:nvPr>
+            <p:ph type="pic" sz="quarter" idx="13"/>
+          </p:nvPr>
+        </p:nvPicPr>
+        <p:blipFill>
+          <a:blip r:embed="rId4"/>
+          <a:srcRect l="8307" r="8307"/>
+          <a:stretch>
+            <a:fillRect/>
+          </a:stretch>
+        </p:blipFill>
+        <p:spPr>
+          <a:xfrm>
+            <a:off x="7143768" y="388938"/>
+            <a:ext cx="1581132" cy="2887662"/>
+          </a:xfrm>
+          <a:prstGeom prst="rect">
+            <a:avLst/>
+          </a:prstGeom>
           <a:noFill/>
           <a:ln w="38100" cap="sq" cmpd="sng" algn="ctr">
             <a:solidFill>
@@ -13144,186 +12497,442 @@
             </a:outerShdw>
           </a:effectLst>
         </p:spPr>
-        <p:txBody>
-          <a:bodyPr anchor="t">
-            <a:normAutofit/>
-          </a:bodyPr>
-          <a:lstStyle/>
-          <a:p>
-            <a:pPr indent="1588"/>
-            <a:r>
-              <a:rPr lang="en-US" altLang="zh-CN" sz="3200" smtClean="0"/>
-              <a:t>BBossGroups</a:t>
-            </a:r>
-            <a:r>
-              <a:rPr lang="en-US" altLang="en-US" sz="3200" smtClean="0"/>
-              <a:t>应用领域</a:t>
-            </a:r>
-            <a:endParaRPr altLang="en-US" sz="3200" dirty="0" smtClean="0"/>
-          </a:p>
-        </p:txBody>
-      </p:sp>
-      <p:sp>
-        <p:nvSpPr>
-          <p:cNvPr id="12" name="矩形 11"/>
-          <p:cNvSpPr/>
+      </p:pic>
+      <p:sp>
+        <p:nvSpPr>
+          <p:cNvPr id="8" name="W¥ل云玗İαЂÕØÚáÛ丫:Téxt Plàçèhòlðêr 表¥鷗字㌍_W 10"/>
+          <p:cNvSpPr txBox="1">
+            <a:spLocks/>
+          </p:cNvSpPr>
           <p:nvPr/>
         </p:nvSpPr>
         <p:spPr>
           <a:xfrm>
-            <a:off x="1098137" y="1000108"/>
-            <a:ext cx="1463862" cy="400110"/>
+            <a:off x="104804" y="5819756"/>
+            <a:ext cx="8610600" cy="1038244"/>
           </a:xfrm>
           <a:prstGeom prst="rect">
             <a:avLst/>
           </a:prstGeom>
-        </p:spPr>
-        <p:txBody>
-          <a:bodyPr wrap="none">
-            <a:spAutoFit/>
+          <a:noFill/>
+          <a:ln w="38100" cap="sq" cmpd="sng" algn="ctr">
+            <a:solidFill>
+              <a:schemeClr val="tx1"/>
+            </a:solidFill>
+            <a:prstDash val="solid"/>
+            <a:miter lim="800000"/>
+          </a:ln>
+          <a:effectLst>
+            <a:outerShdw blurRad="50800" dist="50800" dir="2700000" algn="tl" rotWithShape="0">
+              <a:srgbClr val="000000">
+                <a:alpha val="50000"/>
+              </a:srgbClr>
+            </a:outerShdw>
+          </a:effectLst>
+        </p:spPr>
+        <p:txBody>
+          <a:bodyPr anchor="t">
+            <a:normAutofit lnSpcReduction="10000"/>
           </a:bodyPr>
-          <a:lstStyle/>
-          <a:p>
-            <a:pPr>
-              <a:buFont typeface="Wingdings" pitchFamily="2" charset="2"/>
-              <a:buChar char="u"/>
+          <a:lstStyle>
+            <a:extLst/>
+          </a:lstStyle>
+          <a:p>
+            <a:pPr marL="0" marR="0" lvl="0" indent="1588" defTabSz="914400" rtl="0" eaLnBrk="1" fontAlgn="auto" latinLnBrk="0" hangingPunct="1">
+              <a:lnSpc>
+                <a:spcPct val="100000"/>
+              </a:lnSpc>
+              <a:spcBef>
+                <a:spcPct val="20000"/>
+              </a:spcBef>
+              <a:spcAft>
+                <a:spcPts val="0"/>
+              </a:spcAft>
+              <a:buClrTx/>
+              <a:buSzTx/>
+              <a:buFontTx/>
+              <a:buNone/>
+              <a:tabLst/>
+              <a:defRPr/>
             </a:pPr>
             <a:r>
-              <a:rPr altLang="en-US" sz="2000" dirty="0" smtClean="0"/>
-              <a:t>核心产品</a:t>
-            </a:r>
-          </a:p>
-        </p:txBody>
-      </p:sp>
-      <p:sp>
-        <p:nvSpPr>
-          <p:cNvPr id="13" name="矩形 12"/>
-          <p:cNvSpPr/>
+              <a:rPr kumimoji="0" lang="en-US" altLang="zh-CN" sz="3200" b="0" i="0" u="none" strike="noStrike" kern="0" cap="none" spc="0" normalizeH="0" baseline="0" noProof="0" dirty="0" err="1" smtClean="0">
+                <a:ln>
+                  <a:noFill/>
+                </a:ln>
+                <a:solidFill>
+                  <a:schemeClr val="tx1"/>
+                </a:solidFill>
+                <a:effectLst/>
+                <a:uLnTx/>
+                <a:uFillTx/>
+                <a:latin typeface="+mn-lt"/>
+                <a:ea typeface="+mn-ea"/>
+                <a:cs typeface="+mn-cs"/>
+              </a:rPr>
+              <a:t>BBossGroups</a:t>
+            </a:r>
+            <a:r>
+              <a:rPr kumimoji="0" altLang="en-US" sz="3200" b="0" i="0" u="none" strike="noStrike" kern="0" cap="none" spc="0" normalizeH="0" baseline="0" noProof="0" dirty="0" smtClean="0">
+                <a:ln>
+                  <a:noFill/>
+                </a:ln>
+                <a:solidFill>
+                  <a:schemeClr val="tx1"/>
+                </a:solidFill>
+                <a:effectLst/>
+                <a:uLnTx/>
+                <a:uFillTx/>
+                <a:latin typeface="+mn-lt"/>
+                <a:ea typeface="+mn-ea"/>
+                <a:cs typeface="+mn-cs"/>
+              </a:rPr>
+              <a:t>开发配置</a:t>
+            </a:r>
+            <a:r>
+              <a:rPr kumimoji="0" lang="en-US" altLang="en-US" sz="3200" b="0" i="0" u="none" strike="noStrike" kern="0" cap="none" spc="0" normalizeH="0" baseline="0" noProof="0" dirty="0" smtClean="0">
+                <a:ln>
+                  <a:noFill/>
+                </a:ln>
+                <a:solidFill>
+                  <a:schemeClr val="tx1"/>
+                </a:solidFill>
+                <a:effectLst/>
+                <a:uLnTx/>
+                <a:uFillTx/>
+                <a:latin typeface="+mn-lt"/>
+                <a:ea typeface="+mn-ea"/>
+                <a:cs typeface="+mn-cs"/>
+              </a:rPr>
+              <a:t>(</a:t>
+            </a:r>
+            <a:r>
+              <a:rPr kumimoji="0" altLang="en-US" sz="3200" b="0" i="0" u="none" strike="noStrike" kern="0" cap="none" spc="0" normalizeH="0" baseline="0" noProof="0" dirty="0" smtClean="0">
+                <a:ln>
+                  <a:noFill/>
+                </a:ln>
+                <a:solidFill>
+                  <a:schemeClr val="tx1"/>
+                </a:solidFill>
+                <a:effectLst/>
+                <a:uLnTx/>
+                <a:uFillTx/>
+                <a:latin typeface="+mn-lt"/>
+                <a:ea typeface="+mn-ea"/>
+                <a:cs typeface="+mn-cs"/>
+              </a:rPr>
+              <a:t>四层体系，</a:t>
+            </a:r>
+            <a:r>
+              <a:rPr kumimoji="0" lang="en-US" altLang="zh-CN" sz="3200" b="0" i="0" u="none" strike="noStrike" kern="0" cap="none" spc="0" normalizeH="0" baseline="0" noProof="0" dirty="0" err="1" smtClean="0">
+                <a:ln>
+                  <a:noFill/>
+                </a:ln>
+                <a:solidFill>
+                  <a:schemeClr val="tx1"/>
+                </a:solidFill>
+                <a:effectLst/>
+                <a:uLnTx/>
+                <a:uFillTx/>
+                <a:latin typeface="+mn-lt"/>
+                <a:ea typeface="+mn-ea"/>
+                <a:cs typeface="+mn-cs"/>
+              </a:rPr>
+              <a:t>webservice</a:t>
+            </a:r>
+            <a:r>
+              <a:rPr kumimoji="0" altLang="en-US" sz="3200" b="0" i="0" u="none" strike="noStrike" kern="0" cap="none" spc="0" normalizeH="0" baseline="0" noProof="0" dirty="0" smtClean="0">
+                <a:ln>
+                  <a:noFill/>
+                </a:ln>
+                <a:solidFill>
+                  <a:schemeClr val="tx1"/>
+                </a:solidFill>
+                <a:effectLst/>
+                <a:uLnTx/>
+                <a:uFillTx/>
+                <a:latin typeface="+mn-lt"/>
+                <a:ea typeface="+mn-ea"/>
+                <a:cs typeface="+mn-cs"/>
+              </a:rPr>
+              <a:t>服务配置</a:t>
+            </a:r>
+            <a:r>
+              <a:rPr kumimoji="0" lang="en-US" altLang="en-US" sz="3200" b="0" i="0" u="none" strike="noStrike" kern="0" cap="none" spc="0" normalizeH="0" baseline="0" noProof="0" dirty="0" smtClean="0">
+                <a:ln>
+                  <a:noFill/>
+                </a:ln>
+                <a:solidFill>
+                  <a:schemeClr val="tx1"/>
+                </a:solidFill>
+                <a:effectLst/>
+                <a:uLnTx/>
+                <a:uFillTx/>
+                <a:latin typeface="+mn-lt"/>
+                <a:ea typeface="+mn-ea"/>
+                <a:cs typeface="+mn-cs"/>
+              </a:rPr>
+              <a:t>)</a:t>
+            </a:r>
+            <a:endParaRPr kumimoji="0" lang="zh-CN" sz="3200" b="0" i="0" u="none" strike="noStrike" kern="0" cap="none" spc="0" normalizeH="0" baseline="0" noProof="0" dirty="0">
+              <a:ln>
+                <a:noFill/>
+              </a:ln>
+              <a:solidFill>
+                <a:schemeClr val="tx1"/>
+              </a:solidFill>
+              <a:effectLst/>
+              <a:uLnTx/>
+              <a:uFillTx/>
+              <a:latin typeface="+mn-lt"/>
+              <a:ea typeface="+mn-ea"/>
+              <a:cs typeface="+mn-cs"/>
+            </a:endParaRPr>
+          </a:p>
+        </p:txBody>
+      </p:sp>
+      <p:cxnSp>
+        <p:nvCxnSpPr>
+          <p:cNvPr id="10" name="直接箭头连接符 9"/>
+          <p:cNvCxnSpPr/>
           <p:nvPr/>
-        </p:nvSpPr>
-        <p:spPr>
-          <a:xfrm>
-            <a:off x="4769747" y="1000108"/>
-            <a:ext cx="1463862" cy="400110"/>
+        </p:nvCxnSpPr>
+        <p:spPr>
+          <a:xfrm rot="5400000">
+            <a:off x="-2336817" y="2892421"/>
+            <a:ext cx="4929222" cy="1588"/>
+          </a:xfrm>
+          <a:prstGeom prst="straightConnector1">
+            <a:avLst/>
+          </a:prstGeom>
+          <a:ln w="38100">
+            <a:solidFill>
+              <a:srgbClr val="C00000"/>
+            </a:solidFill>
+            <a:tailEnd type="arrow"/>
+          </a:ln>
+        </p:spPr>
+        <p:style>
+          <a:lnRef idx="1">
+            <a:schemeClr val="accent1"/>
+          </a:lnRef>
+          <a:fillRef idx="0">
+            <a:schemeClr val="accent1"/>
+          </a:fillRef>
+          <a:effectRef idx="0">
+            <a:schemeClr val="accent1"/>
+          </a:effectRef>
+          <a:fontRef idx="minor">
+            <a:schemeClr val="tx1"/>
+          </a:fontRef>
+        </p:style>
+      </p:cxnSp>
+      <p:cxnSp>
+        <p:nvCxnSpPr>
+          <p:cNvPr id="12" name="直接箭头连接符 11"/>
+          <p:cNvCxnSpPr/>
+          <p:nvPr/>
+        </p:nvCxnSpPr>
+        <p:spPr>
+          <a:xfrm rot="5400000" flipH="1" flipV="1">
+            <a:off x="4358480" y="2999578"/>
+            <a:ext cx="5143536" cy="1588"/>
+          </a:xfrm>
+          <a:prstGeom prst="straightConnector1">
+            <a:avLst/>
+          </a:prstGeom>
+          <a:ln w="38100">
+            <a:solidFill>
+              <a:srgbClr val="FF0000"/>
+            </a:solidFill>
+            <a:tailEnd type="arrow"/>
+          </a:ln>
+        </p:spPr>
+        <p:style>
+          <a:lnRef idx="1">
+            <a:schemeClr val="accent1"/>
+          </a:lnRef>
+          <a:fillRef idx="0">
+            <a:schemeClr val="accent1"/>
+          </a:fillRef>
+          <a:effectRef idx="0">
+            <a:schemeClr val="accent1"/>
+          </a:effectRef>
+          <a:fontRef idx="minor">
+            <a:schemeClr val="tx1"/>
+          </a:fontRef>
+        </p:style>
+      </p:cxnSp>
+      <p:cxnSp>
+        <p:nvCxnSpPr>
+          <p:cNvPr id="9" name="直接连接符 8"/>
+          <p:cNvCxnSpPr/>
+          <p:nvPr/>
+        </p:nvCxnSpPr>
+        <p:spPr>
+          <a:xfrm>
+            <a:off x="4500562" y="6429396"/>
+            <a:ext cx="1643074" cy="1588"/>
+          </a:xfrm>
+          <a:prstGeom prst="line">
+            <a:avLst/>
+          </a:prstGeom>
+          <a:ln w="57150">
+            <a:solidFill>
+              <a:srgbClr val="FF0000"/>
+            </a:solidFill>
+          </a:ln>
+        </p:spPr>
+        <p:style>
+          <a:lnRef idx="2">
+            <a:schemeClr val="accent2"/>
+          </a:lnRef>
+          <a:fillRef idx="0">
+            <a:schemeClr val="accent2"/>
+          </a:fillRef>
+          <a:effectRef idx="1">
+            <a:schemeClr val="accent2"/>
+          </a:effectRef>
+          <a:fontRef idx="minor">
+            <a:schemeClr val="tx1"/>
+          </a:fontRef>
+        </p:style>
+      </p:cxnSp>
+      <p:sp>
+        <p:nvSpPr>
+          <p:cNvPr id="14" name="图片占位符 13"/>
+          <p:cNvSpPr>
+            <a:spLocks noGrp="1"/>
+          </p:cNvSpPr>
+          <p:nvPr>
+            <p:ph type="pic" sz="quarter" idx="12"/>
+          </p:nvPr>
+        </p:nvSpPr>
+        <p:spPr>
+          <a:xfrm>
+            <a:off x="285720" y="384048"/>
+            <a:ext cx="6500858" cy="5330968"/>
+          </a:xfrm>
+        </p:spPr>
+      </p:sp>
+      <p:pic>
+        <p:nvPicPr>
+          <p:cNvPr id="6146" name="Picture 2"/>
+          <p:cNvPicPr>
+            <a:picLocks noChangeAspect="1" noChangeArrowheads="1"/>
+          </p:cNvPicPr>
+          <p:nvPr/>
+        </p:nvPicPr>
+        <p:blipFill>
+          <a:blip r:embed="rId5"/>
+          <a:srcRect/>
+          <a:stretch>
+            <a:fillRect/>
+          </a:stretch>
+        </p:blipFill>
+        <p:spPr bwMode="auto">
+          <a:xfrm>
+            <a:off x="285720" y="357166"/>
+            <a:ext cx="6500858" cy="5357850"/>
           </a:xfrm>
           <a:prstGeom prst="rect">
             <a:avLst/>
           </a:prstGeom>
-        </p:spPr>
-        <p:txBody>
-          <a:bodyPr wrap="none">
-            <a:spAutoFit/>
-          </a:bodyPr>
-          <a:lstStyle/>
-          <a:p>
-            <a:pPr>
-              <a:buFont typeface="Wingdings" pitchFamily="2" charset="2"/>
-              <a:buChar char="u"/>
-            </a:pPr>
-            <a:r>
-              <a:rPr altLang="en-US" sz="2000" dirty="0" smtClean="0"/>
-              <a:t>行业产品</a:t>
-            </a:r>
-          </a:p>
-        </p:txBody>
-      </p:sp>
-      <p:sp>
-        <p:nvSpPr>
-          <p:cNvPr id="16" name="TextBox 15"/>
+          <a:noFill/>
+          <a:ln w="9525">
+            <a:noFill/>
+            <a:miter lim="800000"/>
+            <a:headEnd/>
+            <a:tailEnd/>
+          </a:ln>
+          <a:effectLst/>
+        </p:spPr>
+      </p:pic>
+      <p:cxnSp>
+        <p:nvCxnSpPr>
+          <p:cNvPr id="18" name="直接连接符 17"/>
+          <p:cNvCxnSpPr/>
+          <p:nvPr/>
+        </p:nvCxnSpPr>
+        <p:spPr>
+          <a:xfrm>
+            <a:off x="6572264" y="6429396"/>
+            <a:ext cx="2000264" cy="1588"/>
+          </a:xfrm>
+          <a:prstGeom prst="line">
+            <a:avLst/>
+          </a:prstGeom>
+          <a:ln w="57150">
+            <a:solidFill>
+              <a:srgbClr val="FF0000"/>
+            </a:solidFill>
+          </a:ln>
+        </p:spPr>
+        <p:style>
+          <a:lnRef idx="2">
+            <a:schemeClr val="accent2"/>
+          </a:lnRef>
+          <a:fillRef idx="0">
+            <a:schemeClr val="accent2"/>
+          </a:fillRef>
+          <a:effectRef idx="1">
+            <a:schemeClr val="accent2"/>
+          </a:effectRef>
+          <a:fontRef idx="minor">
+            <a:schemeClr val="tx1"/>
+          </a:fontRef>
+        </p:style>
+      </p:cxnSp>
+      <p:cxnSp>
+        <p:nvCxnSpPr>
+          <p:cNvPr id="20" name="直接连接符 19"/>
+          <p:cNvCxnSpPr/>
+          <p:nvPr/>
+        </p:nvCxnSpPr>
+        <p:spPr>
+          <a:xfrm>
+            <a:off x="214282" y="6784998"/>
+            <a:ext cx="1643074" cy="1588"/>
+          </a:xfrm>
+          <a:prstGeom prst="line">
+            <a:avLst/>
+          </a:prstGeom>
+          <a:ln w="57150">
+            <a:solidFill>
+              <a:srgbClr val="FF0000"/>
+            </a:solidFill>
+          </a:ln>
+        </p:spPr>
+        <p:style>
+          <a:lnRef idx="2">
+            <a:schemeClr val="accent2"/>
+          </a:lnRef>
+          <a:fillRef idx="0">
+            <a:schemeClr val="accent2"/>
+          </a:fillRef>
+          <a:effectRef idx="1">
+            <a:schemeClr val="accent2"/>
+          </a:effectRef>
+          <a:fontRef idx="minor">
+            <a:schemeClr val="tx1"/>
+          </a:fontRef>
+        </p:style>
+      </p:cxnSp>
+      <p:sp>
+        <p:nvSpPr>
+          <p:cNvPr id="22" name="TextBox 21"/>
           <p:cNvSpPr txBox="1"/>
           <p:nvPr/>
         </p:nvSpPr>
         <p:spPr>
           <a:xfrm>
-            <a:off x="1312450" y="1785926"/>
-            <a:ext cx="2402294" cy="1477328"/>
+            <a:off x="357158" y="0"/>
+            <a:ext cx="3230372" cy="369332"/>
           </a:xfrm>
           <a:prstGeom prst="rect">
             <a:avLst/>
           </a:prstGeom>
-          <a:solidFill>
-            <a:srgbClr val="002060"/>
-          </a:solidFill>
-        </p:spPr>
-        <p:txBody>
-          <a:bodyPr wrap="square" rtlCol="0">
-            <a:spAutoFit/>
-          </a:bodyPr>
-          <a:lstStyle/>
-          <a:p>
-            <a:pPr>
-              <a:buFont typeface="Wingdings" pitchFamily="2" charset="2"/>
-              <a:buChar char="p"/>
-            </a:pPr>
-            <a:r>
-              <a:rPr altLang="en-US" dirty="0" smtClean="0"/>
-              <a:t>数据交换平台</a:t>
-            </a:r>
-            <a:endParaRPr lang="en-US" altLang="en-US" dirty="0" smtClean="0"/>
-          </a:p>
-          <a:p>
-            <a:pPr>
-              <a:buFont typeface="Wingdings" pitchFamily="2" charset="2"/>
-              <a:buChar char="p"/>
-            </a:pPr>
-            <a:r>
-              <a:rPr altLang="en-US" dirty="0" smtClean="0"/>
-              <a:t>请求服务平台</a:t>
-            </a:r>
-            <a:endParaRPr lang="en-US" altLang="en-US" dirty="0" smtClean="0"/>
-          </a:p>
-          <a:p>
-            <a:pPr>
-              <a:buFont typeface="Wingdings" pitchFamily="2" charset="2"/>
-              <a:buChar char="p"/>
-            </a:pPr>
-            <a:r>
-              <a:rPr altLang="en-US" dirty="0" smtClean="0"/>
-              <a:t>监控平台</a:t>
-            </a:r>
-            <a:endParaRPr lang="en-US" altLang="en-US" dirty="0" smtClean="0"/>
-          </a:p>
-          <a:p>
-            <a:pPr>
-              <a:buFont typeface="Wingdings" pitchFamily="2" charset="2"/>
-              <a:buChar char="p"/>
-            </a:pPr>
-            <a:r>
-              <a:rPr altLang="en-US" dirty="0" smtClean="0"/>
-              <a:t>应用支撑开发平台</a:t>
-            </a:r>
-            <a:endParaRPr lang="en-US" altLang="en-US" dirty="0" smtClean="0"/>
-          </a:p>
-          <a:p>
-            <a:pPr>
-              <a:buFont typeface="Wingdings" pitchFamily="2" charset="2"/>
-              <a:buChar char="p"/>
-            </a:pPr>
-            <a:r>
-              <a:rPr altLang="en-US" dirty="0" smtClean="0"/>
-              <a:t>内容管理系统</a:t>
-            </a:r>
-            <a:endParaRPr lang="zh-CN" altLang="en-US" dirty="0"/>
-          </a:p>
-        </p:txBody>
-      </p:sp>
-      <p:sp>
-        <p:nvSpPr>
-          <p:cNvPr id="17" name="TextBox 16"/>
-          <p:cNvSpPr txBox="1"/>
-          <p:nvPr/>
-        </p:nvSpPr>
-        <p:spPr>
-          <a:xfrm>
-            <a:off x="4841185" y="1500174"/>
-            <a:ext cx="3159839" cy="3139321"/>
-          </a:xfrm>
-          <a:prstGeom prst="rect">
-            <a:avLst/>
-          </a:prstGeom>
-          <a:solidFill>
-            <a:srgbClr val="002060"/>
-          </a:solidFill>
+          <a:noFill/>
         </p:spPr>
         <p:txBody>
           <a:bodyPr wrap="none" rtlCol="0">
@@ -13331,127 +12940,9 @@
           </a:bodyPr>
           <a:lstStyle/>
           <a:p>
-            <a:pPr>
-              <a:buFont typeface="Wingdings" pitchFamily="2" charset="2"/>
-              <a:buChar char="p"/>
-            </a:pPr>
-            <a:r>
-              <a:rPr altLang="en-US" dirty="0" smtClean="0"/>
-              <a:t>某大型制造企业财务报账</a:t>
-            </a:r>
-            <a:endParaRPr lang="en-US" altLang="en-US" dirty="0" smtClean="0"/>
-          </a:p>
-          <a:p>
-            <a:r>
-              <a:rPr altLang="en-US" dirty="0" smtClean="0"/>
-              <a:t>   系统</a:t>
-            </a:r>
-            <a:endParaRPr lang="en-US" altLang="en-US" dirty="0" smtClean="0"/>
-          </a:p>
-          <a:p>
-            <a:pPr>
-              <a:buFont typeface="Wingdings" pitchFamily="2" charset="2"/>
-              <a:buChar char="p"/>
-            </a:pPr>
-            <a:r>
-              <a:rPr altLang="en-US" dirty="0" smtClean="0"/>
-              <a:t>某大型制造企业混凝土检测</a:t>
-            </a:r>
-          </a:p>
-          <a:p>
-            <a:r>
-              <a:rPr altLang="en-US" dirty="0" smtClean="0"/>
-              <a:t>   系统</a:t>
-            </a:r>
-            <a:endParaRPr lang="en-US" altLang="en-US" dirty="0" smtClean="0"/>
-          </a:p>
-          <a:p>
-            <a:pPr>
-              <a:buFont typeface="Wingdings" pitchFamily="2" charset="2"/>
-              <a:buChar char="p"/>
-            </a:pPr>
-            <a:r>
-              <a:rPr altLang="en-US" dirty="0" smtClean="0"/>
-              <a:t>湖南省地税局综合征管大集</a:t>
-            </a:r>
-            <a:endParaRPr lang="en-US" altLang="en-US" dirty="0" smtClean="0"/>
-          </a:p>
-          <a:p>
-            <a:r>
-              <a:rPr altLang="en-US" dirty="0" smtClean="0"/>
-              <a:t>   中系统</a:t>
-            </a:r>
-          </a:p>
-          <a:p>
-            <a:pPr>
-              <a:buFont typeface="Wingdings" pitchFamily="2" charset="2"/>
-              <a:buChar char="p"/>
-            </a:pPr>
-            <a:r>
-              <a:rPr altLang="en-US" dirty="0" smtClean="0"/>
-              <a:t>湖南省公安厅若干业务系统</a:t>
-            </a:r>
-            <a:endParaRPr lang="en-US" altLang="en-US" dirty="0" smtClean="0"/>
-          </a:p>
-          <a:p>
-            <a:pPr>
-              <a:buFont typeface="Wingdings" pitchFamily="2" charset="2"/>
-              <a:buChar char="p"/>
-            </a:pPr>
-            <a:r>
-              <a:rPr altLang="en-US" dirty="0" smtClean="0"/>
-              <a:t>湖南省大审批监察系统</a:t>
-            </a:r>
-            <a:endParaRPr lang="en-US" altLang="en-US" dirty="0" smtClean="0"/>
-          </a:p>
-          <a:p>
-            <a:pPr>
-              <a:buFont typeface="Wingdings" pitchFamily="2" charset="2"/>
-              <a:buChar char="p"/>
-            </a:pPr>
-            <a:r>
-              <a:rPr altLang="en-US" dirty="0" smtClean="0"/>
-              <a:t>湖南移动门户</a:t>
-            </a:r>
-            <a:endParaRPr lang="en-US" altLang="en-US" dirty="0" smtClean="0"/>
-          </a:p>
-          <a:p>
-            <a:r>
-              <a:rPr altLang="en-US" dirty="0" smtClean="0"/>
-              <a:t>。。。。。。。。。。。</a:t>
-            </a:r>
-            <a:endParaRPr lang="en-US" altLang="en-US" dirty="0" smtClean="0"/>
-          </a:p>
-          <a:p>
-            <a:endParaRPr lang="zh-CN" altLang="en-US" dirty="0"/>
-          </a:p>
-        </p:txBody>
-      </p:sp>
-      <p:sp>
-        <p:nvSpPr>
-          <p:cNvPr id="18" name="TextBox 17"/>
-          <p:cNvSpPr txBox="1"/>
-          <p:nvPr/>
-        </p:nvSpPr>
-        <p:spPr>
-          <a:xfrm>
-            <a:off x="285720" y="0"/>
-            <a:ext cx="3230372" cy="369332"/>
-          </a:xfrm>
-          <a:prstGeom prst="rect">
-            <a:avLst/>
-          </a:prstGeom>
-          <a:noFill/>
-        </p:spPr>
-        <p:txBody>
-          <a:bodyPr wrap="none" rtlCol="0">
-            <a:spAutoFit/>
-          </a:bodyPr>
-          <a:lstStyle/>
-          <a:p>
             <a:r>
               <a:rPr lang="en-US" altLang="zh-CN" dirty="0" smtClean="0">
-                <a:hlinkClick r:id="rId2"/>
+                <a:hlinkClick r:id="rId6"/>
               </a:rPr>
               <a:t>http://www.bbossgroups.com</a:t>
             </a:r>
@@ -13478,6 +12969,1164 @@
 </file>
 
 <file path=ppt/slides/slide15.xml><?xml version="1.0" encoding="utf-8"?>
+<p:sld xmlns:a="http://schemas.openxmlformats.org/drawingml/2006/main" xmlns:r="http://schemas.openxmlformats.org/officeDocument/2006/relationships" xmlns:p="http://schemas.openxmlformats.org/presentationml/2006/main">
+  <p:cSld>
+    <p:spTree>
+      <p:nvGrpSpPr>
+        <p:cNvPr id="1" name=""/>
+        <p:cNvGrpSpPr/>
+        <p:nvPr/>
+      </p:nvGrpSpPr>
+      <p:grpSpPr>
+        <a:xfrm>
+          <a:off x="0" y="0"/>
+          <a:ext cx="0" cy="0"/>
+          <a:chOff x="0" y="0"/>
+          <a:chExt cx="0" cy="0"/>
+        </a:xfrm>
+      </p:grpSpPr>
+      <p:sp>
+        <p:nvSpPr>
+          <p:cNvPr id="8" name="W¥ل云玗İαЂÕØÚáÛ丫:Téxt Plàçèhòlðêr 表¥鷗字㌍_W 10"/>
+          <p:cNvSpPr txBox="1">
+            <a:spLocks/>
+          </p:cNvSpPr>
+          <p:nvPr/>
+        </p:nvSpPr>
+        <p:spPr>
+          <a:xfrm>
+            <a:off x="142844" y="6034094"/>
+            <a:ext cx="8610600" cy="1038244"/>
+          </a:xfrm>
+          <a:prstGeom prst="rect">
+            <a:avLst/>
+          </a:prstGeom>
+          <a:noFill/>
+          <a:ln w="38100" cap="sq" cmpd="sng" algn="ctr">
+            <a:solidFill>
+              <a:schemeClr val="tx1"/>
+            </a:solidFill>
+            <a:prstDash val="solid"/>
+            <a:miter lim="800000"/>
+          </a:ln>
+          <a:effectLst>
+            <a:outerShdw blurRad="50800" dist="50800" dir="2700000" algn="tl" rotWithShape="0">
+              <a:srgbClr val="000000">
+                <a:alpha val="50000"/>
+              </a:srgbClr>
+            </a:outerShdw>
+          </a:effectLst>
+        </p:spPr>
+        <p:txBody>
+          <a:bodyPr anchor="t">
+            <a:normAutofit/>
+          </a:bodyPr>
+          <a:lstStyle>
+            <a:extLst/>
+          </a:lstStyle>
+          <a:p>
+            <a:pPr marL="0" marR="0" lvl="0" indent="1588" defTabSz="914400" rtl="0" eaLnBrk="1" fontAlgn="auto" latinLnBrk="0" hangingPunct="1">
+              <a:lnSpc>
+                <a:spcPct val="100000"/>
+              </a:lnSpc>
+              <a:spcBef>
+                <a:spcPct val="20000"/>
+              </a:spcBef>
+              <a:spcAft>
+                <a:spcPts val="0"/>
+              </a:spcAft>
+              <a:buClrTx/>
+              <a:buSzTx/>
+              <a:buFontTx/>
+              <a:buNone/>
+              <a:tabLst/>
+              <a:defRPr/>
+            </a:pPr>
+            <a:r>
+              <a:rPr kumimoji="0" lang="en-US" altLang="zh-CN" sz="2400" b="0" i="0" u="none" strike="noStrike" kern="0" cap="none" spc="0" normalizeH="0" baseline="0" noProof="0" dirty="0" err="1" smtClean="0">
+                <a:ln>
+                  <a:noFill/>
+                </a:ln>
+                <a:solidFill>
+                  <a:schemeClr val="tx1"/>
+                </a:solidFill>
+                <a:effectLst/>
+                <a:uLnTx/>
+                <a:uFillTx/>
+                <a:latin typeface="+mn-lt"/>
+                <a:ea typeface="+mn-ea"/>
+                <a:cs typeface="+mn-cs"/>
+              </a:rPr>
+              <a:t>BBossGroups</a:t>
+            </a:r>
+            <a:r>
+              <a:rPr kumimoji="0" altLang="en-US" sz="2400" b="0" i="0" u="none" strike="noStrike" kern="0" cap="none" spc="0" normalizeH="0" baseline="0" noProof="0" dirty="0" smtClean="0">
+                <a:ln>
+                  <a:noFill/>
+                </a:ln>
+                <a:solidFill>
+                  <a:schemeClr val="tx1"/>
+                </a:solidFill>
+                <a:effectLst/>
+                <a:uLnTx/>
+                <a:uFillTx/>
+                <a:latin typeface="+mn-lt"/>
+                <a:ea typeface="+mn-ea"/>
+                <a:cs typeface="+mn-cs"/>
+              </a:rPr>
+              <a:t>开发代码片段</a:t>
+            </a:r>
+            <a:endParaRPr kumimoji="0" lang="en-US" altLang="en-US" sz="2400" b="0" i="0" u="none" strike="noStrike" kern="0" cap="none" spc="0" normalizeH="0" baseline="0" noProof="0" dirty="0" smtClean="0">
+              <a:ln>
+                <a:noFill/>
+              </a:ln>
+              <a:solidFill>
+                <a:schemeClr val="tx1"/>
+              </a:solidFill>
+              <a:effectLst/>
+              <a:uLnTx/>
+              <a:uFillTx/>
+              <a:latin typeface="+mn-lt"/>
+              <a:ea typeface="+mn-ea"/>
+              <a:cs typeface="+mn-cs"/>
+            </a:endParaRPr>
+          </a:p>
+          <a:p>
+            <a:pPr marL="0" marR="0" lvl="0" indent="1588" defTabSz="914400" rtl="0" eaLnBrk="1" fontAlgn="auto" latinLnBrk="0" hangingPunct="1">
+              <a:lnSpc>
+                <a:spcPct val="100000"/>
+              </a:lnSpc>
+              <a:spcBef>
+                <a:spcPct val="20000"/>
+              </a:spcBef>
+              <a:spcAft>
+                <a:spcPts val="0"/>
+              </a:spcAft>
+              <a:buClrTx/>
+              <a:buSzTx/>
+              <a:buFontTx/>
+              <a:buNone/>
+              <a:tabLst/>
+              <a:defRPr/>
+            </a:pPr>
+            <a:r>
+              <a:rPr kumimoji="0" altLang="en-US" sz="2400" b="0" i="0" u="none" strike="noStrike" kern="0" cap="none" spc="0" normalizeH="0" baseline="0" noProof="0" dirty="0" smtClean="0">
+                <a:ln>
+                  <a:noFill/>
+                </a:ln>
+                <a:solidFill>
+                  <a:schemeClr val="tx1"/>
+                </a:solidFill>
+                <a:effectLst/>
+                <a:uLnTx/>
+                <a:uFillTx/>
+                <a:latin typeface="+mn-lt"/>
+                <a:ea typeface="+mn-ea"/>
+                <a:cs typeface="+mn-cs"/>
+              </a:rPr>
+              <a:t>（界面</a:t>
+            </a:r>
+            <a:r>
+              <a:rPr kumimoji="0" lang="en-US" altLang="en-US" sz="2400" b="0" i="0" u="none" strike="noStrike" kern="0" cap="none" spc="0" normalizeH="0" baseline="0" noProof="0" dirty="0" smtClean="0">
+                <a:ln>
+                  <a:noFill/>
+                </a:ln>
+                <a:solidFill>
+                  <a:schemeClr val="tx1"/>
+                </a:solidFill>
+                <a:effectLst/>
+                <a:uLnTx/>
+                <a:uFillTx/>
+                <a:latin typeface="+mn-lt"/>
+                <a:ea typeface="+mn-ea"/>
+                <a:cs typeface="+mn-cs"/>
+              </a:rPr>
+              <a:t>-&gt;</a:t>
+            </a:r>
+            <a:r>
+              <a:rPr kumimoji="0" altLang="en-US" sz="2400" b="0" i="0" u="none" strike="noStrike" kern="0" cap="none" spc="0" normalizeH="0" baseline="0" noProof="0" dirty="0" smtClean="0">
+                <a:ln>
+                  <a:noFill/>
+                </a:ln>
+                <a:solidFill>
+                  <a:schemeClr val="tx1"/>
+                </a:solidFill>
+                <a:effectLst/>
+                <a:uLnTx/>
+                <a:uFillTx/>
+                <a:latin typeface="+mn-lt"/>
+                <a:ea typeface="+mn-ea"/>
+                <a:cs typeface="+mn-cs"/>
+              </a:rPr>
+              <a:t>控制器</a:t>
+            </a:r>
+            <a:r>
+              <a:rPr kumimoji="0" lang="en-US" altLang="zh-CN" sz="2400" b="0" i="0" u="none" strike="noStrike" kern="0" cap="none" spc="0" normalizeH="0" baseline="0" noProof="0" dirty="0" smtClean="0">
+                <a:ln>
+                  <a:noFill/>
+                </a:ln>
+                <a:solidFill>
+                  <a:schemeClr val="tx1"/>
+                </a:solidFill>
+                <a:effectLst/>
+                <a:uLnTx/>
+                <a:uFillTx/>
+                <a:latin typeface="+mn-lt"/>
+                <a:ea typeface="+mn-ea"/>
+                <a:cs typeface="+mn-cs"/>
+              </a:rPr>
+              <a:t>-&gt;</a:t>
+            </a:r>
+            <a:r>
+              <a:rPr kumimoji="0" altLang="en-US" sz="2400" b="0" i="0" u="none" strike="noStrike" kern="0" cap="none" spc="0" normalizeH="0" baseline="0" noProof="0" dirty="0" smtClean="0">
+                <a:ln>
+                  <a:noFill/>
+                </a:ln>
+                <a:solidFill>
+                  <a:schemeClr val="tx1"/>
+                </a:solidFill>
+                <a:effectLst/>
+                <a:uLnTx/>
+                <a:uFillTx/>
+                <a:latin typeface="+mn-lt"/>
+                <a:ea typeface="+mn-ea"/>
+                <a:cs typeface="+mn-cs"/>
+              </a:rPr>
+              <a:t>业务层</a:t>
+            </a:r>
+            <a:r>
+              <a:rPr kumimoji="0" lang="en-US" altLang="zh-CN" sz="2400" b="0" i="0" u="none" strike="noStrike" kern="0" cap="none" spc="0" normalizeH="0" baseline="0" noProof="0" dirty="0" smtClean="0">
+                <a:ln>
+                  <a:noFill/>
+                </a:ln>
+                <a:solidFill>
+                  <a:schemeClr val="tx1"/>
+                </a:solidFill>
+                <a:effectLst/>
+                <a:uLnTx/>
+                <a:uFillTx/>
+                <a:latin typeface="+mn-lt"/>
+                <a:ea typeface="+mn-ea"/>
+                <a:cs typeface="+mn-cs"/>
+              </a:rPr>
+              <a:t>-&gt;</a:t>
+            </a:r>
+            <a:r>
+              <a:rPr kumimoji="0" lang="en-US" altLang="zh-CN" sz="2400" b="0" i="0" u="none" strike="noStrike" kern="0" cap="none" spc="0" normalizeH="0" baseline="0" noProof="0" dirty="0" err="1" smtClean="0">
+                <a:ln>
+                  <a:noFill/>
+                </a:ln>
+                <a:solidFill>
+                  <a:schemeClr val="tx1"/>
+                </a:solidFill>
+                <a:effectLst/>
+                <a:uLnTx/>
+                <a:uFillTx/>
+                <a:latin typeface="+mn-lt"/>
+                <a:ea typeface="+mn-ea"/>
+                <a:cs typeface="+mn-cs"/>
+              </a:rPr>
+              <a:t>sql</a:t>
+            </a:r>
+            <a:r>
+              <a:rPr kumimoji="0" altLang="en-US" sz="2400" b="0" i="0" u="none" strike="noStrike" kern="0" cap="none" spc="0" normalizeH="0" baseline="0" noProof="0" dirty="0" smtClean="0">
+                <a:ln>
+                  <a:noFill/>
+                </a:ln>
+                <a:solidFill>
+                  <a:schemeClr val="tx1"/>
+                </a:solidFill>
+                <a:effectLst/>
+                <a:uLnTx/>
+                <a:uFillTx/>
+                <a:latin typeface="+mn-lt"/>
+                <a:ea typeface="+mn-ea"/>
+                <a:cs typeface="+mn-cs"/>
+              </a:rPr>
+              <a:t>配置片段）</a:t>
+            </a:r>
+            <a:endParaRPr kumimoji="0" lang="zh-CN" sz="2400" b="0" i="0" u="none" strike="noStrike" kern="0" cap="none" spc="0" normalizeH="0" baseline="0" noProof="0" dirty="0">
+              <a:ln>
+                <a:noFill/>
+              </a:ln>
+              <a:solidFill>
+                <a:schemeClr val="tx1"/>
+              </a:solidFill>
+              <a:effectLst/>
+              <a:uLnTx/>
+              <a:uFillTx/>
+              <a:latin typeface="+mn-lt"/>
+              <a:ea typeface="+mn-ea"/>
+              <a:cs typeface="+mn-cs"/>
+            </a:endParaRPr>
+          </a:p>
+        </p:txBody>
+      </p:sp>
+      <p:pic>
+        <p:nvPicPr>
+          <p:cNvPr id="2052" name="Picture 4"/>
+          <p:cNvPicPr>
+            <a:picLocks noGrp="1" noChangeAspect="1" noChangeArrowheads="1"/>
+          </p:cNvPicPr>
+          <p:nvPr>
+            <p:ph type="pic" sz="quarter" idx="12"/>
+          </p:nvPr>
+        </p:nvPicPr>
+        <p:blipFill>
+          <a:blip r:embed="rId3"/>
+          <a:srcRect l="2765" r="2765"/>
+          <a:stretch>
+            <a:fillRect/>
+          </a:stretch>
+        </p:blipFill>
+        <p:spPr bwMode="auto">
+          <a:xfrm>
+            <a:off x="500034" y="384175"/>
+            <a:ext cx="5286412" cy="1187450"/>
+          </a:xfrm>
+          <a:prstGeom prst="rect">
+            <a:avLst/>
+          </a:prstGeom>
+          <a:noFill/>
+          <a:ln w="9525">
+            <a:noFill/>
+            <a:miter lim="800000"/>
+            <a:headEnd/>
+            <a:tailEnd/>
+          </a:ln>
+          <a:effectLst/>
+        </p:spPr>
+      </p:pic>
+      <p:pic>
+        <p:nvPicPr>
+          <p:cNvPr id="2053" name="Picture 5"/>
+          <p:cNvPicPr>
+            <a:picLocks noGrp="1" noChangeAspect="1" noChangeArrowheads="1"/>
+          </p:cNvPicPr>
+          <p:nvPr>
+            <p:ph type="pic" sz="quarter" idx="13"/>
+          </p:nvPr>
+        </p:nvPicPr>
+        <p:blipFill>
+          <a:blip r:embed="rId4"/>
+          <a:srcRect t="2764" b="2764"/>
+          <a:stretch>
+            <a:fillRect/>
+          </a:stretch>
+        </p:blipFill>
+        <p:spPr bwMode="auto">
+          <a:xfrm>
+            <a:off x="500063" y="1785938"/>
+            <a:ext cx="5286383" cy="1182687"/>
+          </a:xfrm>
+          <a:prstGeom prst="rect">
+            <a:avLst/>
+          </a:prstGeom>
+          <a:noFill/>
+          <a:ln w="9525">
+            <a:noFill/>
+            <a:miter lim="800000"/>
+            <a:headEnd/>
+            <a:tailEnd/>
+          </a:ln>
+          <a:effectLst/>
+        </p:spPr>
+      </p:pic>
+      <p:pic>
+        <p:nvPicPr>
+          <p:cNvPr id="2059" name="Picture 11"/>
+          <p:cNvPicPr>
+            <a:picLocks noGrp="1" noChangeAspect="1" noChangeArrowheads="1"/>
+          </p:cNvPicPr>
+          <p:nvPr>
+            <p:ph type="pic" sz="quarter" idx="11"/>
+          </p:nvPr>
+        </p:nvPicPr>
+        <p:blipFill>
+          <a:blip r:embed="rId5"/>
+          <a:srcRect l="784" r="784"/>
+          <a:stretch>
+            <a:fillRect/>
+          </a:stretch>
+        </p:blipFill>
+        <p:spPr bwMode="auto">
+          <a:xfrm>
+            <a:off x="500063" y="3143250"/>
+            <a:ext cx="5214945" cy="2714625"/>
+          </a:xfrm>
+          <a:prstGeom prst="rect">
+            <a:avLst/>
+          </a:prstGeom>
+          <a:noFill/>
+          <a:ln w="9525">
+            <a:noFill/>
+            <a:miter lim="800000"/>
+            <a:headEnd/>
+            <a:tailEnd/>
+          </a:ln>
+          <a:effectLst/>
+        </p:spPr>
+      </p:pic>
+      <p:sp>
+        <p:nvSpPr>
+          <p:cNvPr id="18" name="矩形 17"/>
+          <p:cNvSpPr/>
+          <p:nvPr/>
+        </p:nvSpPr>
+        <p:spPr>
+          <a:xfrm>
+            <a:off x="5929322" y="285728"/>
+            <a:ext cx="3214678" cy="5755422"/>
+          </a:xfrm>
+          <a:prstGeom prst="rect">
+            <a:avLst/>
+          </a:prstGeom>
+          <a:solidFill>
+            <a:srgbClr val="7030A0"/>
+          </a:solidFill>
+        </p:spPr>
+        <p:txBody>
+          <a:bodyPr wrap="square">
+            <a:spAutoFit/>
+          </a:bodyPr>
+          <a:lstStyle/>
+          <a:p>
+            <a:r>
+              <a:rPr lang="en-US" altLang="zh-CN" sz="1600" dirty="0" smtClean="0"/>
+              <a:t>&lt;property name=</a:t>
+            </a:r>
+            <a:r>
+              <a:rPr lang="en-US" altLang="zh-CN" sz="1600" i="1" dirty="0" smtClean="0"/>
+              <a:t>"</a:t>
+            </a:r>
+            <a:r>
+              <a:rPr lang="en-US" altLang="zh-CN" sz="1600" b="1" i="1" dirty="0" err="1" smtClean="0">
+                <a:solidFill>
+                  <a:srgbClr val="FF0000"/>
+                </a:solidFill>
+              </a:rPr>
+              <a:t>stringarraytoList_insert</a:t>
+            </a:r>
+            <a:r>
+              <a:rPr lang="en-US" altLang="zh-CN" sz="1600" i="1" dirty="0" smtClean="0"/>
+              <a:t>"&gt;</a:t>
+            </a:r>
+          </a:p>
+          <a:p>
+            <a:r>
+              <a:rPr lang="en-US" altLang="zh-CN" sz="1600" dirty="0" smtClean="0"/>
+              <a:t>&lt;![CDATA[</a:t>
+            </a:r>
+          </a:p>
+          <a:p>
+            <a:r>
+              <a:rPr lang="en-US" altLang="zh-CN" sz="1600" dirty="0" smtClean="0"/>
+              <a:t>    INSERT INTO LISTBEAN ( ID, FIELDNAME, FIELDLABLE, FIELDTYPE, SORTORDER,ISPRIMARYKEY, REQUIRED, FIELDLENGTH,ISVALIDATED ) VALUES</a:t>
+            </a:r>
+          </a:p>
+          <a:p>
+            <a:r>
+              <a:rPr lang="en-US" altLang="zh-CN" sz="1600" dirty="0" smtClean="0"/>
+              <a:t>(#[id],#[</a:t>
+            </a:r>
+            <a:r>
+              <a:rPr lang="en-US" altLang="zh-CN" sz="1600" dirty="0" err="1" smtClean="0"/>
+              <a:t>fieldName</a:t>
+            </a:r>
+            <a:r>
+              <a:rPr lang="en-US" altLang="zh-CN" sz="1600" dirty="0" smtClean="0"/>
+              <a:t>],#[</a:t>
+            </a:r>
+            <a:r>
+              <a:rPr lang="en-US" altLang="zh-CN" sz="1600" dirty="0" err="1" smtClean="0"/>
+              <a:t>fieldLable</a:t>
+            </a:r>
+            <a:r>
+              <a:rPr lang="en-US" altLang="zh-CN" sz="1600" dirty="0" smtClean="0"/>
+              <a:t>],#[</a:t>
+            </a:r>
+            <a:r>
+              <a:rPr lang="en-US" altLang="zh-CN" sz="1600" dirty="0" err="1" smtClean="0"/>
+              <a:t>fieldType</a:t>
+            </a:r>
+            <a:r>
+              <a:rPr lang="en-US" altLang="zh-CN" sz="1600" dirty="0" smtClean="0"/>
+              <a:t>],#[</a:t>
+            </a:r>
+            <a:r>
+              <a:rPr lang="en-US" altLang="zh-CN" sz="1600" dirty="0" err="1" smtClean="0"/>
+              <a:t>sortorder</a:t>
+            </a:r>
+            <a:r>
+              <a:rPr lang="en-US" altLang="zh-CN" sz="1600" dirty="0" smtClean="0"/>
+              <a:t>]</a:t>
+            </a:r>
+          </a:p>
+          <a:p>
+            <a:r>
+              <a:rPr lang="en-US" altLang="zh-CN" sz="1600" dirty="0" smtClean="0"/>
+              <a:t>,#[</a:t>
+            </a:r>
+            <a:r>
+              <a:rPr lang="en-US" altLang="zh-CN" sz="1600" dirty="0" err="1" smtClean="0"/>
+              <a:t>isprimaryKey</a:t>
+            </a:r>
+            <a:r>
+              <a:rPr lang="en-US" altLang="zh-CN" sz="1600" dirty="0" smtClean="0"/>
+              <a:t>],#[required],#[</a:t>
+            </a:r>
+            <a:r>
+              <a:rPr lang="en-US" altLang="zh-CN" sz="1600" dirty="0" err="1" smtClean="0"/>
+              <a:t>fieldLength</a:t>
+            </a:r>
+            <a:r>
+              <a:rPr lang="en-US" altLang="zh-CN" sz="1600" dirty="0" smtClean="0"/>
+              <a:t>],#[</a:t>
+            </a:r>
+            <a:r>
+              <a:rPr lang="en-US" altLang="zh-CN" sz="1600" dirty="0" err="1" smtClean="0"/>
+              <a:t>isvalidated</a:t>
+            </a:r>
+            <a:r>
+              <a:rPr lang="en-US" altLang="zh-CN" sz="1600" dirty="0" smtClean="0"/>
+              <a:t>])</a:t>
+            </a:r>
+          </a:p>
+          <a:p>
+            <a:r>
+              <a:rPr lang="en-US" altLang="zh-CN" sz="1600" dirty="0" smtClean="0"/>
+              <a:t>]]&gt;</a:t>
+            </a:r>
+          </a:p>
+          <a:p>
+            <a:r>
+              <a:rPr lang="en-US" altLang="zh-CN" sz="1600" dirty="0" smtClean="0"/>
+              <a:t>&lt;/property&gt;</a:t>
+            </a:r>
+            <a:endParaRPr altLang="en-US" sz="1600" dirty="0" smtClean="0"/>
+          </a:p>
+          <a:p>
+            <a:r>
+              <a:rPr lang="en-US" altLang="zh-CN" sz="1600" dirty="0" smtClean="0"/>
+              <a:t>&lt;property name=</a:t>
+            </a:r>
+            <a:r>
+              <a:rPr lang="en-US" altLang="zh-CN" sz="1600" i="1" dirty="0" smtClean="0"/>
+              <a:t>"</a:t>
+            </a:r>
+            <a:r>
+              <a:rPr lang="en-US" altLang="zh-CN" sz="1600" b="1" i="1" dirty="0" err="1" smtClean="0">
+                <a:solidFill>
+                  <a:srgbClr val="FF0000"/>
+                </a:solidFill>
+              </a:rPr>
+              <a:t>stringarraytoList_delete</a:t>
+            </a:r>
+            <a:r>
+              <a:rPr lang="en-US" altLang="zh-CN" sz="1600" i="1" dirty="0" smtClean="0"/>
+              <a:t>"&gt;</a:t>
+            </a:r>
+          </a:p>
+          <a:p>
+            <a:r>
+              <a:rPr lang="en-US" altLang="zh-CN" sz="1600" dirty="0" smtClean="0"/>
+              <a:t>&lt;![CDATA[delete from LISTBEAN]]&gt;</a:t>
+            </a:r>
+          </a:p>
+          <a:p>
+            <a:r>
+              <a:rPr lang="en-US" altLang="zh-CN" sz="1600" dirty="0" smtClean="0"/>
+              <a:t>&lt;/property&gt;</a:t>
+            </a:r>
+          </a:p>
+        </p:txBody>
+      </p:sp>
+      <p:cxnSp>
+        <p:nvCxnSpPr>
+          <p:cNvPr id="19" name="直接连接符 18"/>
+          <p:cNvCxnSpPr/>
+          <p:nvPr/>
+        </p:nvCxnSpPr>
+        <p:spPr>
+          <a:xfrm>
+            <a:off x="214282" y="6856412"/>
+            <a:ext cx="5214974" cy="1588"/>
+          </a:xfrm>
+          <a:prstGeom prst="line">
+            <a:avLst/>
+          </a:prstGeom>
+          <a:ln w="57150">
+            <a:solidFill>
+              <a:srgbClr val="FF0000"/>
+            </a:solidFill>
+          </a:ln>
+        </p:spPr>
+        <p:style>
+          <a:lnRef idx="2">
+            <a:schemeClr val="accent2"/>
+          </a:lnRef>
+          <a:fillRef idx="0">
+            <a:schemeClr val="accent2"/>
+          </a:fillRef>
+          <a:effectRef idx="1">
+            <a:schemeClr val="accent2"/>
+          </a:effectRef>
+          <a:fontRef idx="minor">
+            <a:schemeClr val="tx1"/>
+          </a:fontRef>
+        </p:style>
+      </p:cxnSp>
+      <p:cxnSp>
+        <p:nvCxnSpPr>
+          <p:cNvPr id="22" name="直接连接符 21"/>
+          <p:cNvCxnSpPr/>
+          <p:nvPr/>
+        </p:nvCxnSpPr>
+        <p:spPr>
+          <a:xfrm>
+            <a:off x="2857488" y="4500570"/>
+            <a:ext cx="2000264" cy="1588"/>
+          </a:xfrm>
+          <a:prstGeom prst="line">
+            <a:avLst/>
+          </a:prstGeom>
+          <a:ln w="28575">
+            <a:solidFill>
+              <a:srgbClr val="FF0000"/>
+            </a:solidFill>
+          </a:ln>
+        </p:spPr>
+        <p:style>
+          <a:lnRef idx="2">
+            <a:schemeClr val="accent2"/>
+          </a:lnRef>
+          <a:fillRef idx="0">
+            <a:schemeClr val="accent2"/>
+          </a:fillRef>
+          <a:effectRef idx="1">
+            <a:schemeClr val="accent2"/>
+          </a:effectRef>
+          <a:fontRef idx="minor">
+            <a:schemeClr val="tx1"/>
+          </a:fontRef>
+        </p:style>
+      </p:cxnSp>
+      <p:cxnSp>
+        <p:nvCxnSpPr>
+          <p:cNvPr id="24" name="直接连接符 23"/>
+          <p:cNvCxnSpPr/>
+          <p:nvPr/>
+        </p:nvCxnSpPr>
+        <p:spPr>
+          <a:xfrm>
+            <a:off x="2500298" y="4286256"/>
+            <a:ext cx="2000264" cy="1588"/>
+          </a:xfrm>
+          <a:prstGeom prst="line">
+            <a:avLst/>
+          </a:prstGeom>
+          <a:ln w="28575">
+            <a:solidFill>
+              <a:srgbClr val="FF0000"/>
+            </a:solidFill>
+          </a:ln>
+        </p:spPr>
+        <p:style>
+          <a:lnRef idx="2">
+            <a:schemeClr val="accent2"/>
+          </a:lnRef>
+          <a:fillRef idx="0">
+            <a:schemeClr val="accent2"/>
+          </a:fillRef>
+          <a:effectRef idx="1">
+            <a:schemeClr val="accent2"/>
+          </a:effectRef>
+          <a:fontRef idx="minor">
+            <a:schemeClr val="tx1"/>
+          </a:fontRef>
+        </p:style>
+      </p:cxnSp>
+      <p:sp>
+        <p:nvSpPr>
+          <p:cNvPr id="26" name="TextBox 25"/>
+          <p:cNvSpPr txBox="1"/>
+          <p:nvPr/>
+        </p:nvSpPr>
+        <p:spPr>
+          <a:xfrm>
+            <a:off x="357158" y="0"/>
+            <a:ext cx="3230372" cy="369332"/>
+          </a:xfrm>
+          <a:prstGeom prst="rect">
+            <a:avLst/>
+          </a:prstGeom>
+          <a:noFill/>
+        </p:spPr>
+        <p:txBody>
+          <a:bodyPr wrap="none" rtlCol="0">
+            <a:spAutoFit/>
+          </a:bodyPr>
+          <a:lstStyle/>
+          <a:p>
+            <a:r>
+              <a:rPr lang="en-US" altLang="zh-CN" dirty="0" smtClean="0">
+                <a:hlinkClick r:id="rId6"/>
+              </a:rPr>
+              <a:t>http://www.bbossgroups.com</a:t>
+            </a:r>
+            <a:endParaRPr lang="zh-CN" altLang="en-US" dirty="0"/>
+          </a:p>
+        </p:txBody>
+      </p:sp>
+    </p:spTree>
+  </p:cSld>
+  <p:clrMapOvr>
+    <a:masterClrMapping/>
+  </p:clrMapOvr>
+  <p:transition>
+    <p:fade/>
+  </p:transition>
+  <p:timing>
+    <p:tnLst>
+      <p:par>
+        <p:cTn id="1" dur="indefinite" restart="never" nodeType="tmRoot"/>
+      </p:par>
+    </p:tnLst>
+  </p:timing>
+</p:sld>
+</file>
+
+<file path=ppt/slides/slide16.xml><?xml version="1.0" encoding="utf-8"?>
+<p:sld xmlns:a="http://schemas.openxmlformats.org/drawingml/2006/main" xmlns:r="http://schemas.openxmlformats.org/officeDocument/2006/relationships" xmlns:p="http://schemas.openxmlformats.org/presentationml/2006/main">
+  <p:cSld>
+    <p:spTree>
+      <p:nvGrpSpPr>
+        <p:cNvPr id="1" name=""/>
+        <p:cNvGrpSpPr/>
+        <p:nvPr/>
+      </p:nvGrpSpPr>
+      <p:grpSpPr>
+        <a:xfrm>
+          <a:off x="0" y="0"/>
+          <a:ext cx="0" cy="0"/>
+          <a:chOff x="0" y="0"/>
+          <a:chExt cx="0" cy="0"/>
+        </a:xfrm>
+      </p:grpSpPr>
+      <p:sp>
+        <p:nvSpPr>
+          <p:cNvPr id="2" name="图片占位符 1"/>
+          <p:cNvSpPr>
+            <a:spLocks noGrp="1"/>
+          </p:cNvSpPr>
+          <p:nvPr>
+            <p:ph type="pic" sz="quarter" idx="14"/>
+          </p:nvPr>
+        </p:nvSpPr>
+        <p:spPr>
+          <a:xfrm>
+            <a:off x="1107693" y="1524000"/>
+            <a:ext cx="3178555" cy="2976570"/>
+          </a:xfrm>
+          <a:noFill/>
+          <a:ln w="38100" cap="sq" cmpd="sng" algn="ctr">
+            <a:solidFill>
+              <a:schemeClr val="tx1"/>
+            </a:solidFill>
+            <a:prstDash val="solid"/>
+            <a:miter lim="800000"/>
+          </a:ln>
+          <a:effectLst>
+            <a:outerShdw blurRad="50800" dist="50800" dir="2700000" algn="tl" rotWithShape="0">
+              <a:srgbClr val="000000">
+                <a:alpha val="50000"/>
+              </a:srgbClr>
+            </a:outerShdw>
+          </a:effectLst>
+        </p:spPr>
+      </p:sp>
+      <p:sp>
+        <p:nvSpPr>
+          <p:cNvPr id="4" name="图片占位符 3"/>
+          <p:cNvSpPr>
+            <a:spLocks noGrp="1"/>
+          </p:cNvSpPr>
+          <p:nvPr>
+            <p:ph type="pic" sz="quarter" idx="30"/>
+          </p:nvPr>
+        </p:nvSpPr>
+        <p:spPr>
+          <a:xfrm>
+            <a:off x="4761385" y="1524000"/>
+            <a:ext cx="3223072" cy="3119446"/>
+          </a:xfrm>
+        </p:spPr>
+      </p:sp>
+      <p:sp>
+        <p:nvSpPr>
+          <p:cNvPr id="6" name="文本占位符 5"/>
+          <p:cNvSpPr>
+            <a:spLocks noGrp="1"/>
+          </p:cNvSpPr>
+          <p:nvPr>
+            <p:ph type="body" sz="quarter" idx="29"/>
+          </p:nvPr>
+        </p:nvSpPr>
+        <p:spPr>
+          <a:xfrm>
+            <a:off x="381000" y="5214950"/>
+            <a:ext cx="8763000" cy="719150"/>
+          </a:xfrm>
+          <a:noFill/>
+          <a:ln w="38100" cap="sq" cmpd="sng" algn="ctr">
+            <a:solidFill>
+              <a:schemeClr val="tx1"/>
+            </a:solidFill>
+            <a:prstDash val="solid"/>
+            <a:miter lim="800000"/>
+          </a:ln>
+          <a:effectLst>
+            <a:outerShdw blurRad="50800" dist="50800" dir="2700000" algn="tl" rotWithShape="0">
+              <a:srgbClr val="000000">
+                <a:alpha val="50000"/>
+              </a:srgbClr>
+            </a:outerShdw>
+          </a:effectLst>
+        </p:spPr>
+        <p:txBody>
+          <a:bodyPr anchor="t">
+            <a:normAutofit/>
+          </a:bodyPr>
+          <a:lstStyle/>
+          <a:p>
+            <a:pPr indent="1588"/>
+            <a:r>
+              <a:rPr lang="en-US" altLang="zh-CN" sz="3200" smtClean="0"/>
+              <a:t>BBossGroups</a:t>
+            </a:r>
+            <a:r>
+              <a:rPr lang="en-US" altLang="en-US" sz="3200" smtClean="0"/>
+              <a:t>应用领域</a:t>
+            </a:r>
+            <a:endParaRPr altLang="en-US" sz="3200" dirty="0" smtClean="0"/>
+          </a:p>
+        </p:txBody>
+      </p:sp>
+      <p:sp>
+        <p:nvSpPr>
+          <p:cNvPr id="12" name="矩形 11"/>
+          <p:cNvSpPr/>
+          <p:nvPr/>
+        </p:nvSpPr>
+        <p:spPr>
+          <a:xfrm>
+            <a:off x="1098137" y="1000108"/>
+            <a:ext cx="1463862" cy="400110"/>
+          </a:xfrm>
+          <a:prstGeom prst="rect">
+            <a:avLst/>
+          </a:prstGeom>
+        </p:spPr>
+        <p:txBody>
+          <a:bodyPr wrap="none">
+            <a:spAutoFit/>
+          </a:bodyPr>
+          <a:lstStyle/>
+          <a:p>
+            <a:pPr>
+              <a:buFont typeface="Wingdings" pitchFamily="2" charset="2"/>
+              <a:buChar char="u"/>
+            </a:pPr>
+            <a:r>
+              <a:rPr altLang="en-US" sz="2000" dirty="0" smtClean="0"/>
+              <a:t>核心产品</a:t>
+            </a:r>
+          </a:p>
+        </p:txBody>
+      </p:sp>
+      <p:sp>
+        <p:nvSpPr>
+          <p:cNvPr id="13" name="矩形 12"/>
+          <p:cNvSpPr/>
+          <p:nvPr/>
+        </p:nvSpPr>
+        <p:spPr>
+          <a:xfrm>
+            <a:off x="4769747" y="1000108"/>
+            <a:ext cx="1463862" cy="400110"/>
+          </a:xfrm>
+          <a:prstGeom prst="rect">
+            <a:avLst/>
+          </a:prstGeom>
+        </p:spPr>
+        <p:txBody>
+          <a:bodyPr wrap="none">
+            <a:spAutoFit/>
+          </a:bodyPr>
+          <a:lstStyle/>
+          <a:p>
+            <a:pPr>
+              <a:buFont typeface="Wingdings" pitchFamily="2" charset="2"/>
+              <a:buChar char="u"/>
+            </a:pPr>
+            <a:r>
+              <a:rPr altLang="en-US" sz="2000" dirty="0" smtClean="0"/>
+              <a:t>行业产品</a:t>
+            </a:r>
+          </a:p>
+        </p:txBody>
+      </p:sp>
+      <p:sp>
+        <p:nvSpPr>
+          <p:cNvPr id="16" name="TextBox 15"/>
+          <p:cNvSpPr txBox="1"/>
+          <p:nvPr/>
+        </p:nvSpPr>
+        <p:spPr>
+          <a:xfrm>
+            <a:off x="1312450" y="1785926"/>
+            <a:ext cx="2402294" cy="1477328"/>
+          </a:xfrm>
+          <a:prstGeom prst="rect">
+            <a:avLst/>
+          </a:prstGeom>
+          <a:solidFill>
+            <a:srgbClr val="002060"/>
+          </a:solidFill>
+        </p:spPr>
+        <p:txBody>
+          <a:bodyPr wrap="square" rtlCol="0">
+            <a:spAutoFit/>
+          </a:bodyPr>
+          <a:lstStyle/>
+          <a:p>
+            <a:pPr>
+              <a:buFont typeface="Wingdings" pitchFamily="2" charset="2"/>
+              <a:buChar char="p"/>
+            </a:pPr>
+            <a:r>
+              <a:rPr altLang="en-US" dirty="0" smtClean="0"/>
+              <a:t>数据交换平台</a:t>
+            </a:r>
+            <a:endParaRPr lang="en-US" altLang="en-US" dirty="0" smtClean="0"/>
+          </a:p>
+          <a:p>
+            <a:pPr>
+              <a:buFont typeface="Wingdings" pitchFamily="2" charset="2"/>
+              <a:buChar char="p"/>
+            </a:pPr>
+            <a:r>
+              <a:rPr altLang="en-US" dirty="0" smtClean="0"/>
+              <a:t>请求服务平台</a:t>
+            </a:r>
+            <a:endParaRPr lang="en-US" altLang="en-US" dirty="0" smtClean="0"/>
+          </a:p>
+          <a:p>
+            <a:pPr>
+              <a:buFont typeface="Wingdings" pitchFamily="2" charset="2"/>
+              <a:buChar char="p"/>
+            </a:pPr>
+            <a:r>
+              <a:rPr altLang="en-US" dirty="0" smtClean="0"/>
+              <a:t>监控平台</a:t>
+            </a:r>
+            <a:endParaRPr lang="en-US" altLang="en-US" dirty="0" smtClean="0"/>
+          </a:p>
+          <a:p>
+            <a:pPr>
+              <a:buFont typeface="Wingdings" pitchFamily="2" charset="2"/>
+              <a:buChar char="p"/>
+            </a:pPr>
+            <a:r>
+              <a:rPr altLang="en-US" dirty="0" smtClean="0"/>
+              <a:t>应用支撑开发平台</a:t>
+            </a:r>
+            <a:endParaRPr lang="en-US" altLang="en-US" dirty="0" smtClean="0"/>
+          </a:p>
+          <a:p>
+            <a:pPr>
+              <a:buFont typeface="Wingdings" pitchFamily="2" charset="2"/>
+              <a:buChar char="p"/>
+            </a:pPr>
+            <a:r>
+              <a:rPr altLang="en-US" dirty="0" smtClean="0"/>
+              <a:t>内容管理系统</a:t>
+            </a:r>
+            <a:endParaRPr lang="zh-CN" altLang="en-US" dirty="0"/>
+          </a:p>
+        </p:txBody>
+      </p:sp>
+      <p:sp>
+        <p:nvSpPr>
+          <p:cNvPr id="17" name="TextBox 16"/>
+          <p:cNvSpPr txBox="1"/>
+          <p:nvPr/>
+        </p:nvSpPr>
+        <p:spPr>
+          <a:xfrm>
+            <a:off x="4841185" y="1500174"/>
+            <a:ext cx="3159839" cy="3139321"/>
+          </a:xfrm>
+          <a:prstGeom prst="rect">
+            <a:avLst/>
+          </a:prstGeom>
+          <a:solidFill>
+            <a:srgbClr val="002060"/>
+          </a:solidFill>
+        </p:spPr>
+        <p:txBody>
+          <a:bodyPr wrap="none" rtlCol="0">
+            <a:spAutoFit/>
+          </a:bodyPr>
+          <a:lstStyle/>
+          <a:p>
+            <a:pPr>
+              <a:buFont typeface="Wingdings" pitchFamily="2" charset="2"/>
+              <a:buChar char="p"/>
+            </a:pPr>
+            <a:r>
+              <a:rPr altLang="en-US" dirty="0" smtClean="0"/>
+              <a:t>某大型制造企业财务报账</a:t>
+            </a:r>
+            <a:endParaRPr lang="en-US" altLang="en-US" dirty="0" smtClean="0"/>
+          </a:p>
+          <a:p>
+            <a:r>
+              <a:rPr altLang="en-US" dirty="0" smtClean="0"/>
+              <a:t>   系统</a:t>
+            </a:r>
+            <a:endParaRPr lang="en-US" altLang="en-US" dirty="0" smtClean="0"/>
+          </a:p>
+          <a:p>
+            <a:pPr>
+              <a:buFont typeface="Wingdings" pitchFamily="2" charset="2"/>
+              <a:buChar char="p"/>
+            </a:pPr>
+            <a:r>
+              <a:rPr altLang="en-US" dirty="0" smtClean="0"/>
+              <a:t>某大型制造企业混凝土检测</a:t>
+            </a:r>
+          </a:p>
+          <a:p>
+            <a:r>
+              <a:rPr altLang="en-US" dirty="0" smtClean="0"/>
+              <a:t>   系统</a:t>
+            </a:r>
+            <a:endParaRPr lang="en-US" altLang="en-US" dirty="0" smtClean="0"/>
+          </a:p>
+          <a:p>
+            <a:pPr>
+              <a:buFont typeface="Wingdings" pitchFamily="2" charset="2"/>
+              <a:buChar char="p"/>
+            </a:pPr>
+            <a:r>
+              <a:rPr altLang="en-US" dirty="0" smtClean="0"/>
+              <a:t>湖南省地税局综合征管大集</a:t>
+            </a:r>
+            <a:endParaRPr lang="en-US" altLang="en-US" dirty="0" smtClean="0"/>
+          </a:p>
+          <a:p>
+            <a:r>
+              <a:rPr altLang="en-US" dirty="0" smtClean="0"/>
+              <a:t>   中系统</a:t>
+            </a:r>
+          </a:p>
+          <a:p>
+            <a:pPr>
+              <a:buFont typeface="Wingdings" pitchFamily="2" charset="2"/>
+              <a:buChar char="p"/>
+            </a:pPr>
+            <a:r>
+              <a:rPr altLang="en-US" dirty="0" smtClean="0"/>
+              <a:t>湖南省公安厅若干业务系统</a:t>
+            </a:r>
+            <a:endParaRPr lang="en-US" altLang="en-US" dirty="0" smtClean="0"/>
+          </a:p>
+          <a:p>
+            <a:pPr>
+              <a:buFont typeface="Wingdings" pitchFamily="2" charset="2"/>
+              <a:buChar char="p"/>
+            </a:pPr>
+            <a:r>
+              <a:rPr altLang="en-US" dirty="0" smtClean="0"/>
+              <a:t>湖南省大审批监察系统</a:t>
+            </a:r>
+            <a:endParaRPr lang="en-US" altLang="en-US" dirty="0" smtClean="0"/>
+          </a:p>
+          <a:p>
+            <a:pPr>
+              <a:buFont typeface="Wingdings" pitchFamily="2" charset="2"/>
+              <a:buChar char="p"/>
+            </a:pPr>
+            <a:r>
+              <a:rPr altLang="en-US" dirty="0" smtClean="0"/>
+              <a:t>湖南移动门户</a:t>
+            </a:r>
+            <a:endParaRPr lang="en-US" altLang="en-US" dirty="0" smtClean="0"/>
+          </a:p>
+          <a:p>
+            <a:r>
+              <a:rPr altLang="en-US" dirty="0" smtClean="0"/>
+              <a:t>。。。。。。。。。。。</a:t>
+            </a:r>
+            <a:endParaRPr lang="en-US" altLang="en-US" dirty="0" smtClean="0"/>
+          </a:p>
+          <a:p>
+            <a:endParaRPr lang="zh-CN" altLang="en-US" dirty="0"/>
+          </a:p>
+        </p:txBody>
+      </p:sp>
+      <p:sp>
+        <p:nvSpPr>
+          <p:cNvPr id="18" name="TextBox 17"/>
+          <p:cNvSpPr txBox="1"/>
+          <p:nvPr/>
+        </p:nvSpPr>
+        <p:spPr>
+          <a:xfrm>
+            <a:off x="285720" y="0"/>
+            <a:ext cx="3230372" cy="369332"/>
+          </a:xfrm>
+          <a:prstGeom prst="rect">
+            <a:avLst/>
+          </a:prstGeom>
+          <a:noFill/>
+        </p:spPr>
+        <p:txBody>
+          <a:bodyPr wrap="none" rtlCol="0">
+            <a:spAutoFit/>
+          </a:bodyPr>
+          <a:lstStyle/>
+          <a:p>
+            <a:r>
+              <a:rPr lang="en-US" altLang="zh-CN" dirty="0" smtClean="0">
+                <a:hlinkClick r:id="rId2"/>
+              </a:rPr>
+              <a:t>http://www.bbossgroups.com</a:t>
+            </a:r>
+            <a:endParaRPr lang="zh-CN" altLang="en-US" dirty="0"/>
+          </a:p>
+        </p:txBody>
+      </p:sp>
+    </p:spTree>
+  </p:cSld>
+  <p:clrMapOvr>
+    <a:masterClrMapping/>
+  </p:clrMapOvr>
+  <p:transition>
+    <p:fade/>
+  </p:transition>
+  <p:timing>
+    <p:tnLst>
+      <p:par>
+        <p:cTn id="1" dur="indefinite" restart="never" nodeType="tmRoot"/>
+      </p:par>
+    </p:tnLst>
+  </p:timing>
+</p:sld>
+</file>
+
+<file path=ppt/slides/slide17.xml><?xml version="1.0" encoding="utf-8"?>
 <p:sld xmlns:a="http://schemas.openxmlformats.org/drawingml/2006/main" xmlns:r="http://schemas.openxmlformats.org/officeDocument/2006/relationships" xmlns:p="http://schemas.openxmlformats.org/presentationml/2006/main">
   <p:cSld>
     <p:spTree>
@@ -14659,742 +15308,60 @@
           <a:chExt cx="0" cy="0"/>
         </a:xfrm>
       </p:grpSpPr>
-      <p:pic>
-        <p:nvPicPr>
-          <p:cNvPr id="10" name="Octagon 9"/>
-          <p:cNvPicPr>
-            <a:picLocks noGrp="1" noChangeAspect="1"/>
-          </p:cNvPicPr>
-          <p:nvPr>
-            <p:ph type="pic" sz="quarter" idx="12"/>
-          </p:nvPr>
-        </p:nvPicPr>
-        <p:blipFill>
-          <a:blip r:embed="rId3"/>
-          <a:srcRect l="12500" r="12500"/>
-          <a:stretch>
-            <a:fillRect/>
-          </a:stretch>
-        </p:blipFill>
-        <p:spPr>
-          <a:xfrm>
-            <a:off x="6172200" y="1066800"/>
-            <a:ext cx="2743200" cy="3657600"/>
-          </a:xfrm>
-          <a:prstGeom prst="rect">
-            <a:avLst/>
-          </a:prstGeom>
-          <a:noFill/>
-          <a:ln w="19050" cap="rnd" cmpd="sng" algn="ctr">
-            <a:solidFill>
-              <a:schemeClr val="tx1"/>
-            </a:solidFill>
-            <a:prstDash val="solid"/>
-            <a:miter lim="800000"/>
-          </a:ln>
-          <a:effectLst>
-            <a:innerShdw blurRad="50800" dist="50800" dir="13500000">
-              <a:srgbClr val="000000">
-                <a:alpha val="60000"/>
-              </a:srgbClr>
-            </a:innerShdw>
-          </a:effectLst>
-        </p:spPr>
-      </p:pic>
-      <p:sp>
-        <p:nvSpPr>
-          <p:cNvPr id="11" name="W¥ل云玗İαЂÕØÚáÛ丫:Téxt Plàçèhòlðêr 表¥鷗字㌍_W 10"/>
+      <p:sp>
+        <p:nvSpPr>
+          <p:cNvPr id="2" name="Rectangle 1"/>
           <p:cNvSpPr>
             <a:spLocks noGrp="1"/>
           </p:cNvSpPr>
           <p:nvPr>
-            <p:ph type="body" sz="quarter" idx="13"/>
-          </p:nvPr>
-        </p:nvSpPr>
-        <p:spPr>
-          <a:xfrm>
-            <a:off x="142844" y="5500702"/>
-            <a:ext cx="8610600" cy="1038244"/>
-          </a:xfrm>
-        </p:spPr>
-        <p:txBody>
-          <a:bodyPr/>
+            <p:ph type="title"/>
+          </p:nvPr>
+        </p:nvSpPr>
+        <p:spPr>
+          <a:xfrm>
+            <a:off x="642910" y="5857892"/>
+            <a:ext cx="7781730" cy="642918"/>
+          </a:xfrm>
+        </p:spPr>
+        <p:txBody>
+          <a:bodyPr>
+            <a:normAutofit/>
+          </a:bodyPr>
           <a:lstStyle>
             <a:extLst/>
           </a:lstStyle>
           <a:p>
             <a:r>
-              <a:rPr lang="en-US" altLang="zh-CN" sz="3200" dirty="0" err="1" smtClean="0"/>
-              <a:t>BBossGroups</a:t>
-            </a:r>
-            <a:r>
-              <a:rPr altLang="en-US" sz="3200" dirty="0" smtClean="0"/>
-              <a:t>特点</a:t>
-            </a:r>
-            <a:r>
-              <a:rPr lang="en-US" altLang="zh-CN" sz="3200" dirty="0" smtClean="0"/>
+              <a:rPr lang="en-US" altLang="zh-CN" dirty="0" err="1" smtClean="0"/>
+              <a:t>BBOSSGroups</a:t>
+            </a:r>
+            <a:r>
+              <a:rPr altLang="en-US" dirty="0" smtClean="0"/>
+              <a:t>组成</a:t>
+            </a:r>
+            <a:r>
+              <a:rPr lang="en-US" altLang="zh-CN" dirty="0" smtClean="0"/>
               <a:t>-</a:t>
             </a:r>
             <a:r>
-              <a:rPr altLang="en-US" sz="3200" dirty="0" smtClean="0"/>
-              <a:t>覆盖面广，轻量级，分布式</a:t>
-            </a:r>
-            <a:endParaRPr lang="zh-CN" sz="3200" dirty="0"/>
-          </a:p>
-        </p:txBody>
-      </p:sp>
-      <p:pic>
-        <p:nvPicPr>
-          <p:cNvPr id="9" name="mnts-sky.png"/>
-          <p:cNvPicPr>
-            <a:picLocks noGrp="1" noChangeAspect="1"/>
-          </p:cNvPicPr>
-          <p:nvPr>
-            <p:ph type="pic" sz="quarter" idx="10"/>
-          </p:nvPr>
-        </p:nvPicPr>
-        <p:blipFill>
-          <a:blip r:embed="rId4" cstate="print"/>
-          <a:srcRect/>
-          <a:stretch>
-            <a:fillRect/>
-          </a:stretch>
-        </p:blipFill>
-        <p:spPr>
-          <a:xfrm>
-            <a:off x="228600" y="1066800"/>
-            <a:ext cx="2743200" cy="3657600"/>
-          </a:xfrm>
-          <a:prstGeom prst="rect">
-            <a:avLst/>
-          </a:prstGeom>
-          <a:noFill/>
-          <a:ln w="3175" cap="sq" cmpd="sng" algn="ctr">
-            <a:noFill/>
-            <a:prstDash val="solid"/>
-            <a:miter lim="800000"/>
-          </a:ln>
-          <a:effectLst>
-            <a:outerShdw blurRad="50800" dist="50800" dir="2700000" algn="tl" rotWithShape="0">
-              <a:srgbClr val="000000">
-                <a:alpha val="70000"/>
-              </a:srgbClr>
-            </a:outerShdw>
-          </a:effectLst>
-        </p:spPr>
-      </p:pic>
-      <p:pic>
-        <p:nvPicPr>
-          <p:cNvPr id="13" name="trees_j0202227.png"/>
-          <p:cNvPicPr>
-            <a:picLocks noGrp="1" noChangeAspect="1"/>
-          </p:cNvPicPr>
-          <p:nvPr>
-            <p:ph type="pic" sz="quarter" idx="11"/>
-          </p:nvPr>
-        </p:nvPicPr>
-        <p:blipFill>
-          <a:blip r:embed="rId5"/>
-          <a:srcRect/>
-          <a:stretch>
-            <a:fillRect/>
-          </a:stretch>
-        </p:blipFill>
-        <p:spPr>
-          <a:xfrm>
-            <a:off x="3200400" y="1066800"/>
-            <a:ext cx="2743200" cy="3719522"/>
-          </a:xfrm>
-          <a:prstGeom prst="roundRect">
-            <a:avLst>
-              <a:gd name="adj" fmla="val 16667"/>
-            </a:avLst>
-          </a:prstGeom>
-          <a:noFill/>
-          <a:ln w="38100" cap="sq" cmpd="sng" algn="ctr">
-            <a:noFill/>
-            <a:prstDash val="solid"/>
-            <a:miter lim="800000"/>
-          </a:ln>
-          <a:effectLst>
-            <a:outerShdw blurRad="63500" dist="76200" dir="2700000" algn="tl" rotWithShape="0">
-              <a:srgbClr val="000000">
-                <a:alpha val="70000"/>
-              </a:srgbClr>
-            </a:outerShdw>
-            <a:softEdge rad="31750"/>
-          </a:effectLst>
-        </p:spPr>
-      </p:pic>
-      <p:sp>
-        <p:nvSpPr>
-          <p:cNvPr id="6" name="TextBox 5"/>
-          <p:cNvSpPr txBox="1"/>
-          <p:nvPr/>
-        </p:nvSpPr>
-        <p:spPr>
-          <a:xfrm>
-            <a:off x="500034" y="1428736"/>
-            <a:ext cx="2076209" cy="2862322"/>
-          </a:xfrm>
-          <a:prstGeom prst="rect">
-            <a:avLst/>
-          </a:prstGeom>
-        </p:spPr>
-        <p:style>
-          <a:lnRef idx="1">
-            <a:schemeClr val="accent3"/>
-          </a:lnRef>
-          <a:fillRef idx="3">
-            <a:schemeClr val="accent3"/>
-          </a:fillRef>
-          <a:effectRef idx="2">
-            <a:schemeClr val="accent3"/>
-          </a:effectRef>
-          <a:fontRef idx="minor">
-            <a:schemeClr val="lt1"/>
-          </a:fontRef>
-        </p:style>
-        <p:txBody>
-          <a:bodyPr wrap="none" rtlCol="0">
-            <a:spAutoFit/>
-          </a:bodyPr>
-          <a:lstStyle/>
-          <a:p>
-            <a:pPr>
-              <a:buFont typeface="Wingdings" pitchFamily="2" charset="2"/>
-              <a:buChar char="Ø"/>
-            </a:pPr>
-            <a:r>
-              <a:rPr lang="en-US" altLang="zh-CN" dirty="0" smtClean="0"/>
-              <a:t>AOP/</a:t>
-            </a:r>
-            <a:r>
-              <a:rPr lang="en-US" altLang="zh-CN" dirty="0" err="1" smtClean="0"/>
-              <a:t>ioc</a:t>
-            </a:r>
-            <a:endParaRPr lang="en-US" altLang="en-US" dirty="0" smtClean="0"/>
-          </a:p>
-          <a:p>
-            <a:pPr>
-              <a:buFont typeface="Wingdings" pitchFamily="2" charset="2"/>
-              <a:buChar char="Ø"/>
-            </a:pPr>
-            <a:r>
-              <a:rPr lang="en-US" altLang="zh-CN" dirty="0" smtClean="0"/>
-              <a:t>MVC</a:t>
-            </a:r>
-          </a:p>
-          <a:p>
-            <a:pPr>
-              <a:buFont typeface="Wingdings" pitchFamily="2" charset="2"/>
-              <a:buChar char="Ø"/>
-            </a:pPr>
-            <a:r>
               <a:rPr altLang="en-US" dirty="0" smtClean="0"/>
-              <a:t>持久层</a:t>
-            </a:r>
-            <a:endParaRPr lang="en-US" altLang="en-US" dirty="0" smtClean="0"/>
-          </a:p>
-          <a:p>
-            <a:pPr>
-              <a:buFont typeface="Wingdings" pitchFamily="2" charset="2"/>
-              <a:buChar char="Ø"/>
-            </a:pPr>
-            <a:r>
-              <a:rPr altLang="en-US" dirty="0" smtClean="0"/>
-              <a:t>标签库</a:t>
-            </a:r>
-            <a:endParaRPr lang="en-US" altLang="en-US" dirty="0" smtClean="0"/>
-          </a:p>
-          <a:p>
-            <a:pPr>
-              <a:buFont typeface="Wingdings" pitchFamily="2" charset="2"/>
-              <a:buChar char="Ø"/>
-            </a:pPr>
-            <a:r>
-              <a:rPr lang="en-US" altLang="zh-CN" dirty="0" smtClean="0"/>
-              <a:t>JMS/MQ</a:t>
-            </a:r>
-            <a:r>
-              <a:rPr altLang="en-US" dirty="0" smtClean="0"/>
-              <a:t>集成</a:t>
-            </a:r>
-            <a:endParaRPr lang="en-US" altLang="en-US" dirty="0" smtClean="0"/>
-          </a:p>
-          <a:p>
-            <a:pPr>
-              <a:buFont typeface="Wingdings" pitchFamily="2" charset="2"/>
-              <a:buChar char="Ø"/>
-            </a:pPr>
-            <a:r>
-              <a:rPr lang="en-US" altLang="zh-CN" dirty="0" err="1" smtClean="0"/>
-              <a:t>WebService</a:t>
-            </a:r>
-            <a:r>
-              <a:rPr altLang="en-US" dirty="0" smtClean="0"/>
-              <a:t>集成</a:t>
-            </a:r>
-            <a:endParaRPr lang="en-US" altLang="en-US" dirty="0" smtClean="0"/>
-          </a:p>
-          <a:p>
-            <a:pPr>
-              <a:buFont typeface="Wingdings" pitchFamily="2" charset="2"/>
-              <a:buChar char="Ø"/>
-            </a:pPr>
-            <a:r>
-              <a:rPr lang="en-US" altLang="zh-CN" dirty="0" smtClean="0"/>
-              <a:t>Quartz</a:t>
-            </a:r>
-            <a:r>
-              <a:rPr altLang="en-US" dirty="0" smtClean="0"/>
-              <a:t>集成</a:t>
-            </a:r>
-            <a:endParaRPr lang="en-US" altLang="en-US" dirty="0" smtClean="0"/>
-          </a:p>
-          <a:p>
-            <a:pPr>
-              <a:buFont typeface="Wingdings" pitchFamily="2" charset="2"/>
-              <a:buChar char="Ø"/>
-            </a:pPr>
-            <a:r>
-              <a:rPr lang="en-US" altLang="zh-CN" dirty="0" smtClean="0"/>
-              <a:t>RMI</a:t>
-            </a:r>
-            <a:r>
-              <a:rPr altLang="en-US" dirty="0" smtClean="0"/>
-              <a:t>集成</a:t>
-            </a:r>
-            <a:endParaRPr lang="en-US" altLang="en-US" dirty="0" smtClean="0"/>
-          </a:p>
-          <a:p>
-            <a:pPr>
-              <a:buFont typeface="Wingdings" pitchFamily="2" charset="2"/>
-              <a:buChar char="Ø"/>
-            </a:pPr>
-            <a:r>
-              <a:rPr altLang="en-US" dirty="0" smtClean="0"/>
-              <a:t>数据源</a:t>
-            </a:r>
-            <a:r>
-              <a:rPr lang="en-US" altLang="en-US" dirty="0" smtClean="0"/>
-              <a:t>/</a:t>
-            </a:r>
-            <a:r>
-              <a:rPr altLang="en-US" dirty="0" smtClean="0"/>
-              <a:t>链接池</a:t>
-            </a:r>
-            <a:endParaRPr lang="en-US" altLang="en-US" dirty="0" smtClean="0"/>
-          </a:p>
-          <a:p>
-            <a:endParaRPr lang="zh-CN" altLang="en-US" dirty="0"/>
-          </a:p>
-        </p:txBody>
-      </p:sp>
-      <p:sp>
-        <p:nvSpPr>
-          <p:cNvPr id="7" name="TextBox 6"/>
-          <p:cNvSpPr txBox="1"/>
-          <p:nvPr/>
-        </p:nvSpPr>
-        <p:spPr>
-          <a:xfrm>
-            <a:off x="3643306" y="1428736"/>
-            <a:ext cx="1785950" cy="1477328"/>
-          </a:xfrm>
-          <a:prstGeom prst="rect">
-            <a:avLst/>
-          </a:prstGeom>
-        </p:spPr>
-        <p:style>
-          <a:lnRef idx="1">
-            <a:schemeClr val="accent3"/>
-          </a:lnRef>
-          <a:fillRef idx="3">
-            <a:schemeClr val="accent3"/>
-          </a:fillRef>
-          <a:effectRef idx="2">
-            <a:schemeClr val="accent3"/>
-          </a:effectRef>
-          <a:fontRef idx="minor">
-            <a:schemeClr val="lt1"/>
-          </a:fontRef>
-        </p:style>
-        <p:txBody>
-          <a:bodyPr wrap="square" rtlCol="0">
-            <a:spAutoFit/>
-          </a:bodyPr>
-          <a:lstStyle/>
-          <a:p>
-            <a:pPr>
-              <a:buFont typeface="Wingdings" pitchFamily="2" charset="2"/>
-              <a:buChar char="Ø"/>
-            </a:pPr>
-            <a:r>
-              <a:rPr lang="en-US" altLang="en-US" dirty="0" err="1" smtClean="0">
-                <a:solidFill>
-                  <a:schemeClr val="lt1"/>
-                </a:solidFill>
-              </a:rPr>
-              <a:t>上手容易</a:t>
-            </a:r>
-            <a:endParaRPr lang="en-US" altLang="en-US" dirty="0" smtClean="0">
-              <a:solidFill>
-                <a:schemeClr val="lt1"/>
-              </a:solidFill>
-            </a:endParaRPr>
-          </a:p>
-          <a:p>
-            <a:pPr>
-              <a:buFont typeface="Wingdings" pitchFamily="2" charset="2"/>
-              <a:buChar char="Ø"/>
-            </a:pPr>
-            <a:r>
-              <a:rPr lang="en-US" altLang="en-US" dirty="0" err="1" smtClean="0">
-                <a:solidFill>
-                  <a:schemeClr val="lt1"/>
-                </a:solidFill>
-              </a:rPr>
-              <a:t>成熟度高</a:t>
-            </a:r>
-            <a:endParaRPr lang="en-US" altLang="en-US" dirty="0" smtClean="0">
-              <a:solidFill>
-                <a:schemeClr val="lt1"/>
-              </a:solidFill>
-            </a:endParaRPr>
-          </a:p>
-          <a:p>
-            <a:pPr>
-              <a:buFont typeface="Wingdings" pitchFamily="2" charset="2"/>
-              <a:buChar char="Ø"/>
-            </a:pPr>
-            <a:r>
-              <a:rPr lang="en-US" altLang="en-US" dirty="0" err="1" smtClean="0">
-                <a:solidFill>
-                  <a:schemeClr val="lt1"/>
-                </a:solidFill>
-              </a:rPr>
-              <a:t>兼容性好</a:t>
-            </a:r>
-            <a:endParaRPr lang="en-US" altLang="en-US" dirty="0" smtClean="0">
-              <a:solidFill>
-                <a:schemeClr val="lt1"/>
-              </a:solidFill>
-            </a:endParaRPr>
-          </a:p>
-          <a:p>
-            <a:pPr>
-              <a:buFont typeface="Wingdings" pitchFamily="2" charset="2"/>
-              <a:buChar char="Ø"/>
-            </a:pPr>
-            <a:r>
-              <a:rPr lang="en-US" altLang="en-US" dirty="0" err="1" smtClean="0">
-                <a:solidFill>
-                  <a:schemeClr val="lt1"/>
-                </a:solidFill>
-              </a:rPr>
-              <a:t>简单适用</a:t>
-            </a:r>
-            <a:endParaRPr lang="en-US" altLang="en-US" dirty="0" smtClean="0">
-              <a:solidFill>
-                <a:schemeClr val="lt1"/>
-              </a:solidFill>
-            </a:endParaRPr>
-          </a:p>
-          <a:p>
-            <a:endParaRPr altLang="en-US" dirty="0" smtClean="0">
-              <a:solidFill>
-                <a:schemeClr val="lt1"/>
-              </a:solidFill>
-            </a:endParaRPr>
-          </a:p>
-        </p:txBody>
-      </p:sp>
-      <p:sp>
-        <p:nvSpPr>
-          <p:cNvPr id="8" name="矩形 7"/>
-          <p:cNvSpPr/>
-          <p:nvPr/>
-        </p:nvSpPr>
-        <p:spPr>
-          <a:xfrm>
-            <a:off x="357158" y="642918"/>
-            <a:ext cx="1463862" cy="400110"/>
-          </a:xfrm>
-          <a:prstGeom prst="rect">
-            <a:avLst/>
-          </a:prstGeom>
-        </p:spPr>
-        <p:txBody>
-          <a:bodyPr wrap="none">
-            <a:spAutoFit/>
-          </a:bodyPr>
-          <a:lstStyle/>
-          <a:p>
-            <a:pPr>
-              <a:buFont typeface="Wingdings" pitchFamily="2" charset="2"/>
-              <a:buChar char="u"/>
-            </a:pPr>
-            <a:r>
-              <a:rPr altLang="en-US" sz="2000" dirty="0" smtClean="0"/>
-              <a:t>覆盖面广</a:t>
-            </a:r>
-          </a:p>
-        </p:txBody>
-      </p:sp>
-      <p:sp>
-        <p:nvSpPr>
-          <p:cNvPr id="12" name="矩形 11"/>
-          <p:cNvSpPr/>
-          <p:nvPr/>
-        </p:nvSpPr>
-        <p:spPr>
-          <a:xfrm>
-            <a:off x="3571868" y="642918"/>
-            <a:ext cx="1207382" cy="400110"/>
-          </a:xfrm>
-          <a:prstGeom prst="rect">
-            <a:avLst/>
-          </a:prstGeom>
-        </p:spPr>
-        <p:txBody>
-          <a:bodyPr wrap="none">
-            <a:spAutoFit/>
-          </a:bodyPr>
-          <a:lstStyle/>
-          <a:p>
-            <a:pPr>
-              <a:buFont typeface="Wingdings" pitchFamily="2" charset="2"/>
-              <a:buChar char="u"/>
-            </a:pPr>
-            <a:r>
-              <a:rPr altLang="en-US" sz="2000" dirty="0" smtClean="0"/>
-              <a:t>轻量级</a:t>
-            </a:r>
-          </a:p>
-        </p:txBody>
-      </p:sp>
-      <p:sp>
-        <p:nvSpPr>
-          <p:cNvPr id="14" name="矩形 13"/>
-          <p:cNvSpPr/>
-          <p:nvPr/>
-        </p:nvSpPr>
-        <p:spPr>
-          <a:xfrm>
-            <a:off x="6215074" y="642918"/>
-            <a:ext cx="1207382" cy="400110"/>
-          </a:xfrm>
-          <a:prstGeom prst="rect">
-            <a:avLst/>
-          </a:prstGeom>
-        </p:spPr>
-        <p:txBody>
-          <a:bodyPr wrap="none">
-            <a:spAutoFit/>
-          </a:bodyPr>
-          <a:lstStyle/>
-          <a:p>
-            <a:pPr>
-              <a:buFont typeface="Wingdings" pitchFamily="2" charset="2"/>
-              <a:buChar char="u"/>
-            </a:pPr>
-            <a:r>
-              <a:rPr altLang="en-US" sz="2000" dirty="0" smtClean="0"/>
-              <a:t>分布式</a:t>
-            </a:r>
-          </a:p>
-        </p:txBody>
-      </p:sp>
-      <p:sp>
-        <p:nvSpPr>
-          <p:cNvPr id="15" name="TextBox 14"/>
-          <p:cNvSpPr txBox="1"/>
-          <p:nvPr/>
-        </p:nvSpPr>
-        <p:spPr>
-          <a:xfrm>
-            <a:off x="6357950" y="1285860"/>
-            <a:ext cx="2286016" cy="2585323"/>
-          </a:xfrm>
-          <a:prstGeom prst="rect">
-            <a:avLst/>
-          </a:prstGeom>
-        </p:spPr>
-        <p:style>
-          <a:lnRef idx="1">
-            <a:schemeClr val="accent3"/>
-          </a:lnRef>
-          <a:fillRef idx="3">
-            <a:schemeClr val="accent3"/>
-          </a:fillRef>
-          <a:effectRef idx="2">
-            <a:schemeClr val="accent3"/>
-          </a:effectRef>
-          <a:fontRef idx="minor">
-            <a:schemeClr val="lt1"/>
-          </a:fontRef>
-        </p:style>
-        <p:txBody>
-          <a:bodyPr wrap="square" rtlCol="0">
-            <a:spAutoFit/>
-          </a:bodyPr>
-          <a:lstStyle/>
-          <a:p>
-            <a:pPr>
-              <a:buFont typeface="Wingdings" pitchFamily="2" charset="2"/>
-              <a:buChar char="Ø"/>
-            </a:pPr>
-            <a:r>
-              <a:rPr lang="en-US" altLang="zh-CN" dirty="0" smtClean="0">
-                <a:solidFill>
-                  <a:schemeClr val="lt1"/>
-                </a:solidFill>
-              </a:rPr>
-              <a:t>RPC</a:t>
-            </a:r>
-            <a:r>
-              <a:rPr altLang="en-US" dirty="0" smtClean="0">
-                <a:solidFill>
-                  <a:schemeClr val="lt1"/>
-                </a:solidFill>
-              </a:rPr>
-              <a:t>（多协议支持，</a:t>
-            </a:r>
-            <a:r>
-              <a:rPr lang="en-US" altLang="zh-CN" dirty="0" smtClean="0">
-                <a:solidFill>
-                  <a:schemeClr val="lt1"/>
-                </a:solidFill>
-              </a:rPr>
-              <a:t>Http/</a:t>
-            </a:r>
-            <a:r>
-              <a:rPr lang="en-US" altLang="zh-CN" dirty="0" err="1" smtClean="0">
-                <a:solidFill>
-                  <a:schemeClr val="lt1"/>
-                </a:solidFill>
-              </a:rPr>
-              <a:t>netty</a:t>
-            </a:r>
-            <a:r>
-              <a:rPr lang="en-US" altLang="zh-CN" dirty="0" smtClean="0">
-                <a:solidFill>
-                  <a:schemeClr val="lt1"/>
-                </a:solidFill>
-              </a:rPr>
-              <a:t>/mina/</a:t>
-            </a:r>
-            <a:r>
-              <a:rPr lang="en-US" altLang="zh-CN" dirty="0" err="1" smtClean="0">
-                <a:solidFill>
-                  <a:schemeClr val="lt1"/>
-                </a:solidFill>
-              </a:rPr>
-              <a:t>JGroups</a:t>
-            </a:r>
-            <a:r>
-              <a:rPr altLang="en-US" dirty="0" smtClean="0">
-                <a:solidFill>
-                  <a:schemeClr val="lt1"/>
-                </a:solidFill>
-              </a:rPr>
-              <a:t>）</a:t>
-            </a:r>
-            <a:endParaRPr lang="en-US" altLang="zh-CN" dirty="0" smtClean="0">
-              <a:solidFill>
-                <a:schemeClr val="lt1"/>
-              </a:solidFill>
-            </a:endParaRPr>
-          </a:p>
-          <a:p>
-            <a:pPr>
-              <a:buFont typeface="Wingdings" pitchFamily="2" charset="2"/>
-              <a:buChar char="Ø"/>
-            </a:pPr>
-            <a:r>
-              <a:rPr altLang="en-US" dirty="0" smtClean="0">
-                <a:solidFill>
-                  <a:schemeClr val="lt1"/>
-                </a:solidFill>
-              </a:rPr>
-              <a:t>分布式事件处理</a:t>
-            </a:r>
-            <a:endParaRPr lang="en-US" altLang="en-US" dirty="0" smtClean="0">
-              <a:solidFill>
-                <a:schemeClr val="lt1"/>
-              </a:solidFill>
-            </a:endParaRPr>
-          </a:p>
-          <a:p>
-            <a:pPr>
-              <a:buFont typeface="Wingdings" pitchFamily="2" charset="2"/>
-              <a:buChar char="Ø"/>
-            </a:pPr>
-            <a:r>
-              <a:rPr altLang="en-US" dirty="0" smtClean="0"/>
-              <a:t>高效</a:t>
-            </a:r>
-            <a:r>
-              <a:rPr altLang="en-US" dirty="0" smtClean="0">
-                <a:solidFill>
-                  <a:schemeClr val="lt1"/>
-                </a:solidFill>
-              </a:rPr>
-              <a:t>序列化</a:t>
-            </a:r>
-            <a:r>
-              <a:rPr lang="en-US" altLang="en-US" dirty="0" smtClean="0">
-                <a:solidFill>
-                  <a:schemeClr val="lt1"/>
-                </a:solidFill>
-              </a:rPr>
-              <a:t>/</a:t>
-            </a:r>
-            <a:r>
-              <a:rPr altLang="en-US" dirty="0" smtClean="0">
-                <a:solidFill>
-                  <a:schemeClr val="lt1"/>
-                </a:solidFill>
-              </a:rPr>
-              <a:t>反序列化</a:t>
-            </a:r>
-            <a:endParaRPr lang="en-US" altLang="en-US" dirty="0" smtClean="0">
-              <a:solidFill>
-                <a:schemeClr val="lt1"/>
-              </a:solidFill>
-            </a:endParaRPr>
-          </a:p>
-          <a:p>
-            <a:pPr>
-              <a:buFont typeface="Wingdings" pitchFamily="2" charset="2"/>
-              <a:buChar char="Ø"/>
-            </a:pPr>
-            <a:endParaRPr lang="en-US" altLang="en-US" dirty="0" smtClean="0">
-              <a:solidFill>
-                <a:schemeClr val="lt1"/>
-              </a:solidFill>
-            </a:endParaRPr>
-          </a:p>
-          <a:p>
-            <a:endParaRPr altLang="en-US" dirty="0" smtClean="0">
-              <a:solidFill>
-                <a:schemeClr val="lt1"/>
-              </a:solidFill>
-            </a:endParaRPr>
+              <a:t>序列化报文格式</a:t>
+            </a:r>
+            <a:endParaRPr altLang="en-US" dirty="0"/>
           </a:p>
         </p:txBody>
       </p:sp>
       <p:cxnSp>
         <p:nvCxnSpPr>
-          <p:cNvPr id="20" name="直接连接符 19"/>
+          <p:cNvPr id="25" name="直接连接符 24"/>
           <p:cNvCxnSpPr/>
           <p:nvPr/>
         </p:nvCxnSpPr>
         <p:spPr>
           <a:xfrm>
-            <a:off x="3786182" y="6143644"/>
-            <a:ext cx="4786346" cy="1588"/>
+            <a:off x="5000628" y="5572140"/>
+            <a:ext cx="2857520" cy="1588"/>
           </a:xfrm>
           <a:prstGeom prst="line">
             <a:avLst/>
@@ -15422,13 +15389,13 @@
       </p:cxnSp>
       <p:sp>
         <p:nvSpPr>
-          <p:cNvPr id="22" name="TextBox 21"/>
+          <p:cNvPr id="26" name="TextBox 25"/>
           <p:cNvSpPr txBox="1"/>
           <p:nvPr/>
         </p:nvSpPr>
         <p:spPr>
           <a:xfrm>
-            <a:off x="357158" y="214290"/>
+            <a:off x="357158" y="357166"/>
             <a:ext cx="3230372" cy="369332"/>
           </a:xfrm>
           <a:prstGeom prst="rect">
@@ -15444,7 +15411,7 @@
           <a:p>
             <a:r>
               <a:rPr lang="en-US" altLang="zh-CN" dirty="0" smtClean="0">
-                <a:hlinkClick r:id="rId6"/>
+                <a:hlinkClick r:id="rId3"/>
               </a:rPr>
               <a:t>http://www.bbossgroups.com</a:t>
             </a:r>
@@ -15452,6 +15419,39 @@
           </a:p>
         </p:txBody>
       </p:sp>
+      <p:pic>
+        <p:nvPicPr>
+          <p:cNvPr id="1027" name="Picture 3"/>
+          <p:cNvPicPr>
+            <a:picLocks noChangeAspect="1" noChangeArrowheads="1"/>
+          </p:cNvPicPr>
+          <p:nvPr/>
+        </p:nvPicPr>
+        <p:blipFill>
+          <a:blip r:embed="rId4"/>
+          <a:srcRect/>
+          <a:stretch>
+            <a:fillRect/>
+          </a:stretch>
+        </p:blipFill>
+        <p:spPr bwMode="auto">
+          <a:xfrm>
+            <a:off x="1209675" y="1085850"/>
+            <a:ext cx="6724650" cy="4686300"/>
+          </a:xfrm>
+          <a:prstGeom prst="rect">
+            <a:avLst/>
+          </a:prstGeom>
+          <a:noFill/>
+          <a:ln w="9525">
+            <a:noFill/>
+            <a:miter lim="800000"/>
+            <a:headEnd/>
+            <a:tailEnd/>
+          </a:ln>
+          <a:effectLst/>
+        </p:spPr>
+      </p:pic>
     </p:spTree>
   </p:cSld>
   <p:clrMapOvr>
@@ -15487,780 +15487,115 @@
           <a:chExt cx="0" cy="0"/>
         </a:xfrm>
       </p:grpSpPr>
-      <p:pic>
-        <p:nvPicPr>
-          <p:cNvPr id="10" name="Octagon 9"/>
-          <p:cNvPicPr>
-            <a:picLocks noGrp="1" noChangeAspect="1"/>
-          </p:cNvPicPr>
-          <p:nvPr>
-            <p:ph type="pic" sz="quarter" idx="12"/>
-          </p:nvPr>
-        </p:nvPicPr>
-        <p:blipFill>
-          <a:blip r:embed="rId3"/>
-          <a:srcRect l="12500" r="12500"/>
-          <a:stretch>
-            <a:fillRect/>
-          </a:stretch>
-        </p:blipFill>
-        <p:spPr>
-          <a:xfrm>
-            <a:off x="6172200" y="1066800"/>
-            <a:ext cx="2743200" cy="3657600"/>
+      <p:sp>
+        <p:nvSpPr>
+          <p:cNvPr id="2" name="Rectangle 1"/>
+          <p:cNvSpPr>
+            <a:spLocks noGrp="1"/>
+          </p:cNvSpPr>
+          <p:nvPr>
+            <p:ph type="title"/>
+          </p:nvPr>
+        </p:nvSpPr>
+        <p:spPr>
+          <a:xfrm>
+            <a:off x="642910" y="5857892"/>
+            <a:ext cx="7781730" cy="642918"/>
+          </a:xfrm>
+        </p:spPr>
+        <p:txBody>
+          <a:bodyPr>
+            <a:normAutofit/>
+          </a:bodyPr>
+          <a:lstStyle>
+            <a:extLst/>
+          </a:lstStyle>
+          <a:p>
+            <a:r>
+              <a:rPr lang="en-US" altLang="zh-CN" dirty="0" err="1" smtClean="0"/>
+              <a:t>BBOSSGroups</a:t>
+            </a:r>
+            <a:r>
+              <a:rPr altLang="en-US" dirty="0" smtClean="0"/>
+              <a:t>组成</a:t>
+            </a:r>
+            <a:r>
+              <a:rPr lang="en-US" altLang="zh-CN" dirty="0" smtClean="0"/>
+              <a:t>-</a:t>
+            </a:r>
+            <a:r>
+              <a:rPr altLang="en-US" dirty="0" smtClean="0"/>
+              <a:t>序列化案例</a:t>
+            </a:r>
+            <a:endParaRPr altLang="en-US" dirty="0"/>
+          </a:p>
+        </p:txBody>
+      </p:sp>
+      <p:sp>
+        <p:nvSpPr>
+          <p:cNvPr id="26" name="TextBox 25"/>
+          <p:cNvSpPr txBox="1"/>
+          <p:nvPr/>
+        </p:nvSpPr>
+        <p:spPr>
+          <a:xfrm>
+            <a:off x="357158" y="357166"/>
+            <a:ext cx="3230372" cy="369332"/>
           </a:xfrm>
           <a:prstGeom prst="rect">
             <a:avLst/>
           </a:prstGeom>
           <a:noFill/>
-          <a:ln w="19050" cap="rnd" cmpd="sng" algn="ctr">
-            <a:solidFill>
-              <a:schemeClr val="tx1"/>
-            </a:solidFill>
-            <a:prstDash val="solid"/>
-            <a:miter lim="800000"/>
-          </a:ln>
-          <a:effectLst>
-            <a:innerShdw blurRad="50800" dist="50800" dir="13500000">
-              <a:srgbClr val="000000">
-                <a:alpha val="60000"/>
-              </a:srgbClr>
-            </a:innerShdw>
-          </a:effectLst>
-        </p:spPr>
-      </p:pic>
-      <p:sp>
-        <p:nvSpPr>
-          <p:cNvPr id="11" name="W¥ل云玗İαЂÕØÚáÛ丫:Téxt Plàçèhòlðêr 表¥鷗字㌍_W 10"/>
-          <p:cNvSpPr>
-            <a:spLocks noGrp="1"/>
-          </p:cNvSpPr>
-          <p:nvPr>
-            <p:ph type="body" sz="quarter" idx="13"/>
-          </p:nvPr>
-        </p:nvSpPr>
-        <p:spPr>
-          <a:xfrm>
-            <a:off x="142844" y="5500702"/>
-            <a:ext cx="8610600" cy="1038244"/>
-          </a:xfrm>
-        </p:spPr>
-        <p:txBody>
-          <a:bodyPr/>
-          <a:lstStyle>
-            <a:extLst/>
-          </a:lstStyle>
-          <a:p>
-            <a:r>
-              <a:rPr lang="en-US" altLang="zh-CN" sz="3200" dirty="0" err="1" smtClean="0"/>
-              <a:t>BBossGroups</a:t>
-            </a:r>
-            <a:r>
-              <a:rPr altLang="en-US" sz="3200" dirty="0" smtClean="0"/>
-              <a:t>特点</a:t>
-            </a:r>
-            <a:r>
-              <a:rPr lang="en-US" altLang="zh-CN" sz="3200" dirty="0" smtClean="0"/>
-              <a:t>-</a:t>
-            </a:r>
-            <a:r>
-              <a:rPr altLang="en-US" sz="3200" dirty="0" smtClean="0"/>
-              <a:t>可监控</a:t>
-            </a:r>
-            <a:endParaRPr lang="zh-CN" sz="3200" dirty="0"/>
+        </p:spPr>
+        <p:txBody>
+          <a:bodyPr wrap="none" rtlCol="0">
+            <a:spAutoFit/>
+          </a:bodyPr>
+          <a:lstStyle/>
+          <a:p>
+            <a:r>
+              <a:rPr lang="en-US" altLang="zh-CN" dirty="0" smtClean="0">
+                <a:hlinkClick r:id="rId3"/>
+              </a:rPr>
+              <a:t>http://www.bbossgroups.com</a:t>
+            </a:r>
+            <a:endParaRPr lang="zh-CN" altLang="en-US" dirty="0"/>
           </a:p>
         </p:txBody>
       </p:sp>
       <p:pic>
         <p:nvPicPr>
-          <p:cNvPr id="9" name="mnts-sky.png"/>
+          <p:cNvPr id="2050" name="Picture 2"/>
           <p:cNvPicPr>
-            <a:picLocks noGrp="1" noChangeAspect="1"/>
+            <a:picLocks noChangeAspect="1" noChangeArrowheads="1"/>
           </p:cNvPicPr>
-          <p:nvPr>
-            <p:ph type="pic" sz="quarter" idx="10"/>
-          </p:nvPr>
+          <p:nvPr/>
         </p:nvPicPr>
         <p:blipFill>
-          <a:blip r:embed="rId4" cstate="print"/>
+          <a:blip r:embed="rId4"/>
           <a:srcRect/>
           <a:stretch>
             <a:fillRect/>
           </a:stretch>
         </p:blipFill>
-        <p:spPr>
-          <a:xfrm>
-            <a:off x="228600" y="1066800"/>
-            <a:ext cx="2743200" cy="1933572"/>
+        <p:spPr bwMode="auto">
+          <a:xfrm>
+            <a:off x="1347788" y="2538413"/>
+            <a:ext cx="6448425" cy="1781175"/>
           </a:xfrm>
           <a:prstGeom prst="rect">
             <a:avLst/>
           </a:prstGeom>
           <a:noFill/>
-          <a:ln w="3175" cap="sq" cmpd="sng" algn="ctr">
+          <a:ln w="9525">
             <a:noFill/>
-            <a:prstDash val="solid"/>
             <a:miter lim="800000"/>
+            <a:headEnd/>
+            <a:tailEnd/>
           </a:ln>
-          <a:effectLst>
-            <a:outerShdw blurRad="50800" dist="50800" dir="2700000" algn="tl" rotWithShape="0">
-              <a:srgbClr val="000000">
-                <a:alpha val="70000"/>
-              </a:srgbClr>
-            </a:outerShdw>
-          </a:effectLst>
+          <a:effectLst/>
         </p:spPr>
       </p:pic>
-      <p:pic>
-        <p:nvPicPr>
-          <p:cNvPr id="13" name="trees_j0202227.png"/>
-          <p:cNvPicPr>
-            <a:picLocks noGrp="1" noChangeAspect="1"/>
-          </p:cNvPicPr>
-          <p:nvPr>
-            <p:ph type="pic" sz="quarter" idx="11"/>
-          </p:nvPr>
-        </p:nvPicPr>
-        <p:blipFill>
-          <a:blip r:embed="rId5"/>
-          <a:srcRect/>
-          <a:stretch>
-            <a:fillRect/>
-          </a:stretch>
-        </p:blipFill>
-        <p:spPr>
-          <a:xfrm>
-            <a:off x="3200400" y="1066800"/>
-            <a:ext cx="2743200" cy="3719522"/>
-          </a:xfrm>
-          <a:prstGeom prst="roundRect">
-            <a:avLst>
-              <a:gd name="adj" fmla="val 16667"/>
-            </a:avLst>
-          </a:prstGeom>
-          <a:noFill/>
-          <a:ln w="38100" cap="sq" cmpd="sng" algn="ctr">
-            <a:noFill/>
-            <a:prstDash val="solid"/>
-            <a:miter lim="800000"/>
-          </a:ln>
-          <a:effectLst>
-            <a:outerShdw blurRad="63500" dist="76200" dir="2700000" algn="tl" rotWithShape="0">
-              <a:srgbClr val="000000">
-                <a:alpha val="70000"/>
-              </a:srgbClr>
-            </a:outerShdw>
-            <a:softEdge rad="31750"/>
-          </a:effectLst>
-        </p:spPr>
-      </p:pic>
-      <p:sp>
-        <p:nvSpPr>
-          <p:cNvPr id="6" name="TextBox 5"/>
-          <p:cNvSpPr txBox="1"/>
-          <p:nvPr/>
-        </p:nvSpPr>
-        <p:spPr>
-          <a:xfrm>
-            <a:off x="285720" y="1285860"/>
-            <a:ext cx="2504212" cy="1477328"/>
-          </a:xfrm>
-          <a:prstGeom prst="rect">
-            <a:avLst/>
-          </a:prstGeom>
-        </p:spPr>
-        <p:style>
-          <a:lnRef idx="1">
-            <a:schemeClr val="accent3"/>
-          </a:lnRef>
-          <a:fillRef idx="3">
-            <a:schemeClr val="accent3"/>
-          </a:fillRef>
-          <a:effectRef idx="2">
-            <a:schemeClr val="accent3"/>
-          </a:effectRef>
-          <a:fontRef idx="minor">
-            <a:schemeClr val="lt1"/>
-          </a:fontRef>
-        </p:style>
-        <p:txBody>
-          <a:bodyPr wrap="none" rtlCol="0">
-            <a:spAutoFit/>
-          </a:bodyPr>
-          <a:lstStyle/>
-          <a:p>
-            <a:pPr>
-              <a:buFont typeface="Wingdings" pitchFamily="2" charset="2"/>
-              <a:buChar char="Ø"/>
-            </a:pPr>
-            <a:r>
-              <a:rPr lang="en-US" altLang="zh-CN" dirty="0" err="1" smtClean="0"/>
-              <a:t>ioc</a:t>
-            </a:r>
-            <a:r>
-              <a:rPr altLang="en-US" dirty="0" smtClean="0"/>
-              <a:t>组件基本配置信息</a:t>
-            </a:r>
-            <a:endParaRPr lang="en-US" altLang="en-US" dirty="0" smtClean="0"/>
-          </a:p>
-          <a:p>
-            <a:pPr>
-              <a:buFont typeface="Wingdings" pitchFamily="2" charset="2"/>
-              <a:buChar char="Ø"/>
-            </a:pPr>
-            <a:r>
-              <a:rPr altLang="en-US" dirty="0" smtClean="0"/>
-              <a:t>所属组件容器类型</a:t>
-            </a:r>
-            <a:endParaRPr lang="en-US" altLang="en-US" dirty="0" smtClean="0"/>
-          </a:p>
-          <a:p>
-            <a:pPr>
-              <a:buFont typeface="Wingdings" pitchFamily="2" charset="2"/>
-              <a:buChar char="Ø"/>
-            </a:pPr>
-            <a:r>
-              <a:rPr altLang="en-US" dirty="0" smtClean="0"/>
-              <a:t>所属配置文件路径</a:t>
-            </a:r>
-            <a:endParaRPr lang="en-US" altLang="en-US" dirty="0" smtClean="0"/>
-          </a:p>
-          <a:p>
-            <a:pPr>
-              <a:buFont typeface="Wingdings" pitchFamily="2" charset="2"/>
-              <a:buChar char="Ø"/>
-            </a:pPr>
-            <a:r>
-              <a:rPr altLang="en-US" dirty="0" smtClean="0"/>
-              <a:t>属性注入配置</a:t>
-            </a:r>
-            <a:endParaRPr lang="en-US" altLang="en-US" dirty="0" smtClean="0"/>
-          </a:p>
-          <a:p>
-            <a:endParaRPr lang="zh-CN" altLang="en-US" dirty="0"/>
-          </a:p>
-        </p:txBody>
-      </p:sp>
-      <p:sp>
-        <p:nvSpPr>
-          <p:cNvPr id="7" name="TextBox 6"/>
-          <p:cNvSpPr txBox="1"/>
-          <p:nvPr/>
-        </p:nvSpPr>
-        <p:spPr>
-          <a:xfrm>
-            <a:off x="3643306" y="1357298"/>
-            <a:ext cx="1785950" cy="2308324"/>
-          </a:xfrm>
-          <a:prstGeom prst="rect">
-            <a:avLst/>
-          </a:prstGeom>
-        </p:spPr>
-        <p:style>
-          <a:lnRef idx="1">
-            <a:schemeClr val="accent3"/>
-          </a:lnRef>
-          <a:fillRef idx="3">
-            <a:schemeClr val="accent3"/>
-          </a:fillRef>
-          <a:effectRef idx="2">
-            <a:schemeClr val="accent3"/>
-          </a:effectRef>
-          <a:fontRef idx="minor">
-            <a:schemeClr val="lt1"/>
-          </a:fontRef>
-        </p:style>
-        <p:txBody>
-          <a:bodyPr wrap="square" rtlCol="0">
-            <a:spAutoFit/>
-          </a:bodyPr>
-          <a:lstStyle/>
-          <a:p>
-            <a:pPr>
-              <a:buFont typeface="Wingdings" pitchFamily="2" charset="2"/>
-              <a:buChar char="Ø"/>
-            </a:pPr>
-            <a:r>
-              <a:rPr altLang="en-US" dirty="0" smtClean="0"/>
-              <a:t>构建函数注入配置</a:t>
-            </a:r>
-            <a:endParaRPr lang="en-US" altLang="en-US" dirty="0" smtClean="0"/>
-          </a:p>
-          <a:p>
-            <a:pPr>
-              <a:buFont typeface="Wingdings" pitchFamily="2" charset="2"/>
-              <a:buChar char="Ø"/>
-            </a:pPr>
-            <a:r>
-              <a:rPr altLang="en-US" dirty="0" smtClean="0"/>
-              <a:t>声明式事务配置</a:t>
-            </a:r>
-            <a:endParaRPr lang="en-US" altLang="en-US" dirty="0" smtClean="0"/>
-          </a:p>
-          <a:p>
-            <a:pPr>
-              <a:buFont typeface="Wingdings" pitchFamily="2" charset="2"/>
-              <a:buChar char="Ø"/>
-            </a:pPr>
-            <a:r>
-              <a:rPr altLang="en-US" dirty="0" smtClean="0"/>
-              <a:t>拦截器配置信息</a:t>
-            </a:r>
-            <a:endParaRPr lang="en-US" altLang="en-US" dirty="0" smtClean="0"/>
-          </a:p>
-          <a:p>
-            <a:pPr>
-              <a:buFont typeface="Wingdings" pitchFamily="2" charset="2"/>
-              <a:buChar char="Ø"/>
-            </a:pPr>
-            <a:r>
-              <a:rPr lang="en-US" altLang="zh-CN" dirty="0" err="1" smtClean="0"/>
-              <a:t>mvc</a:t>
-            </a:r>
-            <a:r>
-              <a:rPr altLang="en-US" dirty="0" smtClean="0"/>
-              <a:t>跳转路径映射配置信息</a:t>
-            </a:r>
-            <a:endParaRPr altLang="en-US" dirty="0" smtClean="0">
-              <a:solidFill>
-                <a:schemeClr val="lt1"/>
-              </a:solidFill>
-            </a:endParaRPr>
-          </a:p>
-        </p:txBody>
-      </p:sp>
-      <p:sp>
-        <p:nvSpPr>
-          <p:cNvPr id="8" name="矩形 7"/>
-          <p:cNvSpPr/>
-          <p:nvPr/>
-        </p:nvSpPr>
-        <p:spPr>
-          <a:xfrm>
-            <a:off x="357158" y="642918"/>
-            <a:ext cx="1207382" cy="400110"/>
-          </a:xfrm>
-          <a:prstGeom prst="rect">
-            <a:avLst/>
-          </a:prstGeom>
-        </p:spPr>
-        <p:txBody>
-          <a:bodyPr wrap="none">
-            <a:spAutoFit/>
-          </a:bodyPr>
-          <a:lstStyle/>
-          <a:p>
-            <a:pPr>
-              <a:buFont typeface="Wingdings" pitchFamily="2" charset="2"/>
-              <a:buChar char="u"/>
-            </a:pPr>
-            <a:r>
-              <a:rPr altLang="en-US" sz="2000" dirty="0" smtClean="0"/>
-              <a:t>可监控</a:t>
-            </a:r>
-          </a:p>
-        </p:txBody>
-      </p:sp>
-      <p:sp>
-        <p:nvSpPr>
-          <p:cNvPr id="12" name="矩形 11"/>
-          <p:cNvSpPr/>
-          <p:nvPr/>
-        </p:nvSpPr>
-        <p:spPr>
-          <a:xfrm>
-            <a:off x="3571868" y="642918"/>
-            <a:ext cx="1207382" cy="400110"/>
-          </a:xfrm>
-          <a:prstGeom prst="rect">
-            <a:avLst/>
-          </a:prstGeom>
-        </p:spPr>
-        <p:txBody>
-          <a:bodyPr wrap="none">
-            <a:spAutoFit/>
-          </a:bodyPr>
-          <a:lstStyle/>
-          <a:p>
-            <a:pPr>
-              <a:buFont typeface="Wingdings" pitchFamily="2" charset="2"/>
-              <a:buChar char="u"/>
-            </a:pPr>
-            <a:r>
-              <a:rPr altLang="en-US" sz="2000" dirty="0" smtClean="0"/>
-              <a:t>可监控</a:t>
-            </a:r>
-          </a:p>
-        </p:txBody>
-      </p:sp>
-      <p:sp>
-        <p:nvSpPr>
-          <p:cNvPr id="14" name="矩形 13"/>
-          <p:cNvSpPr/>
-          <p:nvPr/>
-        </p:nvSpPr>
-        <p:spPr>
-          <a:xfrm>
-            <a:off x="6215074" y="642918"/>
-            <a:ext cx="1207382" cy="400110"/>
-          </a:xfrm>
-          <a:prstGeom prst="rect">
-            <a:avLst/>
-          </a:prstGeom>
-        </p:spPr>
-        <p:txBody>
-          <a:bodyPr wrap="none">
-            <a:spAutoFit/>
-          </a:bodyPr>
-          <a:lstStyle/>
-          <a:p>
-            <a:pPr>
-              <a:buFont typeface="Wingdings" pitchFamily="2" charset="2"/>
-              <a:buChar char="u"/>
-            </a:pPr>
-            <a:r>
-              <a:rPr altLang="en-US" sz="2000" dirty="0" smtClean="0"/>
-              <a:t>可监控</a:t>
-            </a:r>
-          </a:p>
-        </p:txBody>
-      </p:sp>
-      <p:sp>
-        <p:nvSpPr>
-          <p:cNvPr id="19" name="TextBox 18"/>
-          <p:cNvSpPr txBox="1"/>
-          <p:nvPr/>
-        </p:nvSpPr>
-        <p:spPr>
-          <a:xfrm>
-            <a:off x="6500826" y="1214422"/>
-            <a:ext cx="2071702" cy="3139321"/>
-          </a:xfrm>
-          <a:prstGeom prst="rect">
-            <a:avLst/>
-          </a:prstGeom>
-        </p:spPr>
-        <p:style>
-          <a:lnRef idx="1">
-            <a:schemeClr val="accent3"/>
-          </a:lnRef>
-          <a:fillRef idx="3">
-            <a:schemeClr val="accent3"/>
-          </a:fillRef>
-          <a:effectRef idx="2">
-            <a:schemeClr val="accent3"/>
-          </a:effectRef>
-          <a:fontRef idx="minor">
-            <a:schemeClr val="lt1"/>
-          </a:fontRef>
-        </p:style>
-        <p:txBody>
-          <a:bodyPr wrap="square" rtlCol="0">
-            <a:spAutoFit/>
-          </a:bodyPr>
-          <a:lstStyle/>
-          <a:p>
-            <a:pPr>
-              <a:buFont typeface="Wingdings" pitchFamily="2" charset="2"/>
-              <a:buChar char="Ø"/>
-            </a:pPr>
-            <a:r>
-              <a:rPr lang="en-US" altLang="zh-CN" dirty="0" err="1" smtClean="0"/>
-              <a:t>rmi</a:t>
-            </a:r>
-            <a:r>
-              <a:rPr altLang="en-US" dirty="0" smtClean="0"/>
-              <a:t>服务配置信息</a:t>
-            </a:r>
-            <a:endParaRPr lang="en-US" altLang="en-US" dirty="0" smtClean="0"/>
-          </a:p>
-          <a:p>
-            <a:pPr>
-              <a:buFont typeface="Wingdings" pitchFamily="2" charset="2"/>
-              <a:buChar char="Ø"/>
-            </a:pPr>
-            <a:r>
-              <a:rPr lang="en-US" altLang="zh-CN" dirty="0" err="1" smtClean="0"/>
-              <a:t>webservice</a:t>
-            </a:r>
-            <a:r>
-              <a:rPr altLang="en-US" dirty="0" smtClean="0"/>
-              <a:t>服务配置信息</a:t>
-            </a:r>
-            <a:endParaRPr lang="en-US" altLang="en-US" dirty="0" smtClean="0"/>
-          </a:p>
-          <a:p>
-            <a:pPr>
-              <a:buFont typeface="Wingdings" pitchFamily="2" charset="2"/>
-              <a:buChar char="Ø"/>
-            </a:pPr>
-            <a:r>
-              <a:rPr altLang="en-US" dirty="0" smtClean="0"/>
-              <a:t>组件扩展属性配置</a:t>
-            </a:r>
-            <a:endParaRPr lang="en-US" altLang="en-US" dirty="0" smtClean="0"/>
-          </a:p>
-          <a:p>
-            <a:pPr>
-              <a:buFont typeface="Wingdings" pitchFamily="2" charset="2"/>
-              <a:buChar char="Ø"/>
-            </a:pPr>
-            <a:r>
-              <a:rPr altLang="en-US" dirty="0" smtClean="0"/>
-              <a:t>全局参数信息配置</a:t>
-            </a:r>
-            <a:endParaRPr lang="en-US" altLang="en-US" dirty="0" smtClean="0"/>
-          </a:p>
-          <a:p>
-            <a:pPr>
-              <a:buFont typeface="Wingdings" pitchFamily="2" charset="2"/>
-              <a:buChar char="Ø"/>
-            </a:pPr>
-            <a:r>
-              <a:rPr lang="en-US" altLang="zh-CN" dirty="0" err="1" smtClean="0"/>
-              <a:t>sql</a:t>
-            </a:r>
-            <a:r>
-              <a:rPr altLang="en-US" dirty="0" smtClean="0"/>
-              <a:t>配置文件信息</a:t>
-            </a:r>
-            <a:endParaRPr lang="en-US" altLang="en-US" dirty="0" smtClean="0"/>
-          </a:p>
-          <a:p>
-            <a:pPr>
-              <a:buFont typeface="Wingdings" pitchFamily="2" charset="2"/>
-              <a:buChar char="Ø"/>
-            </a:pPr>
-            <a:r>
-              <a:rPr lang="en-US" altLang="zh-CN" dirty="0" err="1" smtClean="0"/>
-              <a:t>sql</a:t>
-            </a:r>
-            <a:r>
-              <a:rPr altLang="en-US" dirty="0" smtClean="0"/>
-              <a:t>语句配置信息</a:t>
-            </a:r>
-            <a:endParaRPr lang="en-US" altLang="en-US" dirty="0" smtClean="0"/>
-          </a:p>
-          <a:p>
-            <a:pPr>
-              <a:buFont typeface="Wingdings" pitchFamily="2" charset="2"/>
-              <a:buChar char="Ø"/>
-            </a:pPr>
-            <a:r>
-              <a:rPr lang="en-US" altLang="zh-CN" dirty="0" err="1" smtClean="0"/>
-              <a:t>sql</a:t>
-            </a:r>
-            <a:r>
-              <a:rPr altLang="en-US" dirty="0" smtClean="0"/>
-              <a:t>文件热加载</a:t>
-            </a:r>
-            <a:endParaRPr altLang="en-US" dirty="0" smtClean="0">
-              <a:solidFill>
-                <a:schemeClr val="lt1"/>
-              </a:solidFill>
-            </a:endParaRPr>
-          </a:p>
-        </p:txBody>
-      </p:sp>
-      <p:cxnSp>
-        <p:nvCxnSpPr>
-          <p:cNvPr id="18" name="直接连接符 17"/>
-          <p:cNvCxnSpPr/>
-          <p:nvPr/>
-        </p:nvCxnSpPr>
-        <p:spPr>
-          <a:xfrm>
-            <a:off x="3786182" y="6072206"/>
-            <a:ext cx="1143008" cy="1588"/>
-          </a:xfrm>
-          <a:prstGeom prst="line">
-            <a:avLst/>
-          </a:prstGeom>
-          <a:ln w="57150">
-            <a:solidFill>
-              <a:srgbClr val="FF0000"/>
-            </a:solidFill>
-          </a:ln>
-        </p:spPr>
-        <p:style>
-          <a:lnRef idx="2">
-            <a:schemeClr val="accent2"/>
-          </a:lnRef>
-          <a:fillRef idx="0">
-            <a:schemeClr val="accent2"/>
-          </a:fillRef>
-          <a:effectRef idx="1">
-            <a:schemeClr val="accent2"/>
-          </a:effectRef>
-          <a:fontRef idx="minor">
-            <a:schemeClr val="tx1"/>
-          </a:fontRef>
-        </p:style>
-      </p:cxnSp>
-      <p:pic>
-        <p:nvPicPr>
-          <p:cNvPr id="21" name="mnts-sky.png"/>
-          <p:cNvPicPr>
-            <a:picLocks noChangeAspect="1"/>
-          </p:cNvPicPr>
-          <p:nvPr/>
-        </p:nvPicPr>
-        <p:blipFill>
-          <a:blip r:embed="rId4" cstate="print"/>
-          <a:srcRect/>
-          <a:stretch>
-            <a:fillRect/>
-          </a:stretch>
-        </p:blipFill>
-        <p:spPr>
-          <a:xfrm>
-            <a:off x="228600" y="3567130"/>
-            <a:ext cx="2743200" cy="1433506"/>
-          </a:xfrm>
-          <a:prstGeom prst="rect">
-            <a:avLst/>
-          </a:prstGeom>
-          <a:noFill/>
-          <a:ln w="3175" cap="sq" cmpd="sng" algn="ctr">
-            <a:noFill/>
-            <a:prstDash val="solid"/>
-            <a:miter lim="800000"/>
-          </a:ln>
-          <a:effectLst>
-            <a:outerShdw blurRad="50800" dist="50800" dir="2700000" algn="tl" rotWithShape="0">
-              <a:srgbClr val="000000">
-                <a:alpha val="70000"/>
-              </a:srgbClr>
-            </a:outerShdw>
-          </a:effectLst>
-        </p:spPr>
-      </p:pic>
-      <p:sp>
-        <p:nvSpPr>
-          <p:cNvPr id="22" name="TextBox 21"/>
-          <p:cNvSpPr txBox="1"/>
-          <p:nvPr/>
-        </p:nvSpPr>
-        <p:spPr>
-          <a:xfrm>
-            <a:off x="285720" y="3786190"/>
-            <a:ext cx="1983235" cy="646331"/>
-          </a:xfrm>
-          <a:prstGeom prst="rect">
-            <a:avLst/>
-          </a:prstGeom>
-        </p:spPr>
-        <p:style>
-          <a:lnRef idx="1">
-            <a:schemeClr val="accent3"/>
-          </a:lnRef>
-          <a:fillRef idx="3">
-            <a:schemeClr val="accent3"/>
-          </a:fillRef>
-          <a:effectRef idx="2">
-            <a:schemeClr val="accent3"/>
-          </a:effectRef>
-          <a:fontRef idx="minor">
-            <a:schemeClr val="lt1"/>
-          </a:fontRef>
-        </p:style>
-        <p:txBody>
-          <a:bodyPr wrap="none" rtlCol="0">
-            <a:spAutoFit/>
-          </a:bodyPr>
-          <a:lstStyle/>
-          <a:p>
-            <a:pPr>
-              <a:buFont typeface="Wingdings" pitchFamily="2" charset="2"/>
-              <a:buChar char="Ø"/>
-            </a:pPr>
-            <a:r>
-              <a:rPr altLang="en-US" dirty="0" smtClean="0"/>
-              <a:t>连接池实时监控</a:t>
-            </a:r>
-            <a:endParaRPr lang="en-US" altLang="en-US" dirty="0" smtClean="0"/>
-          </a:p>
-          <a:p>
-            <a:pPr>
-              <a:buFont typeface="Wingdings" pitchFamily="2" charset="2"/>
-              <a:buChar char="Ø"/>
-            </a:pPr>
-            <a:r>
-              <a:rPr lang="en-US" altLang="zh-CN" dirty="0" smtClean="0"/>
-              <a:t>JVM</a:t>
-            </a:r>
-            <a:r>
-              <a:rPr altLang="en-US" dirty="0" smtClean="0"/>
-              <a:t>内存监控</a:t>
-            </a:r>
-            <a:endParaRPr lang="zh-CN" altLang="en-US" dirty="0"/>
-          </a:p>
-        </p:txBody>
-      </p:sp>
-      <p:sp>
-        <p:nvSpPr>
-          <p:cNvPr id="23" name="矩形 22"/>
-          <p:cNvSpPr/>
-          <p:nvPr/>
-        </p:nvSpPr>
-        <p:spPr>
-          <a:xfrm>
-            <a:off x="357158" y="3143248"/>
-            <a:ext cx="1207382" cy="400110"/>
-          </a:xfrm>
-          <a:prstGeom prst="rect">
-            <a:avLst/>
-          </a:prstGeom>
-        </p:spPr>
-        <p:txBody>
-          <a:bodyPr wrap="none">
-            <a:spAutoFit/>
-          </a:bodyPr>
-          <a:lstStyle/>
-          <a:p>
-            <a:pPr>
-              <a:buFont typeface="Wingdings" pitchFamily="2" charset="2"/>
-              <a:buChar char="u"/>
-            </a:pPr>
-            <a:r>
-              <a:rPr altLang="en-US" sz="2000" dirty="0" smtClean="0"/>
-              <a:t>可监控</a:t>
-            </a:r>
-          </a:p>
-        </p:txBody>
-      </p:sp>
-      <p:sp>
-        <p:nvSpPr>
-          <p:cNvPr id="24" name="TextBox 23"/>
-          <p:cNvSpPr txBox="1"/>
-          <p:nvPr/>
-        </p:nvSpPr>
-        <p:spPr>
-          <a:xfrm>
-            <a:off x="285720" y="142852"/>
-            <a:ext cx="3230372" cy="369332"/>
-          </a:xfrm>
-          <a:prstGeom prst="rect">
-            <a:avLst/>
-          </a:prstGeom>
-          <a:noFill/>
-        </p:spPr>
-        <p:txBody>
-          <a:bodyPr wrap="none" rtlCol="0">
-            <a:spAutoFit/>
-          </a:bodyPr>
-          <a:lstStyle/>
-          <a:p>
-            <a:r>
-              <a:rPr lang="en-US" altLang="zh-CN" dirty="0" smtClean="0">
-                <a:hlinkClick r:id="rId6"/>
-              </a:rPr>
-              <a:t>http://www.bbossgroups.com</a:t>
-            </a:r>
-            <a:endParaRPr lang="zh-CN" altLang="en-US" dirty="0"/>
-          </a:p>
-        </p:txBody>
-      </p:sp>
     </p:spTree>
   </p:cSld>
   <p:clrMapOvr>
@@ -16296,6 +15631,48 @@
           <a:chExt cx="0" cy="0"/>
         </a:xfrm>
       </p:grpSpPr>
+      <p:pic>
+        <p:nvPicPr>
+          <p:cNvPr id="10" name="Octagon 9"/>
+          <p:cNvPicPr>
+            <a:picLocks noGrp="1" noChangeAspect="1"/>
+          </p:cNvPicPr>
+          <p:nvPr>
+            <p:ph type="pic" sz="quarter" idx="12"/>
+          </p:nvPr>
+        </p:nvPicPr>
+        <p:blipFill>
+          <a:blip r:embed="rId3"/>
+          <a:srcRect l="12500" r="12500"/>
+          <a:stretch>
+            <a:fillRect/>
+          </a:stretch>
+        </p:blipFill>
+        <p:spPr>
+          <a:xfrm>
+            <a:off x="6172200" y="1066800"/>
+            <a:ext cx="2743200" cy="3657600"/>
+          </a:xfrm>
+          <a:prstGeom prst="rect">
+            <a:avLst/>
+          </a:prstGeom>
+          <a:noFill/>
+          <a:ln w="19050" cap="rnd" cmpd="sng" algn="ctr">
+            <a:solidFill>
+              <a:schemeClr val="tx1"/>
+            </a:solidFill>
+            <a:prstDash val="solid"/>
+            <a:miter lim="800000"/>
+          </a:ln>
+          <a:effectLst>
+            <a:innerShdw blurRad="50800" dist="50800" dir="13500000">
+              <a:srgbClr val="000000">
+                <a:alpha val="60000"/>
+              </a:srgbClr>
+            </a:innerShdw>
+          </a:effectLst>
+        </p:spPr>
+      </p:pic>
       <p:sp>
         <p:nvSpPr>
           <p:cNvPr id="11" name="W¥ل云玗İαЂÕØÚáÛ丫:Téxt Plàçèhòlðêr 表¥鷗字㌍_W 10"/>
@@ -16308,7 +15685,7 @@
         </p:nvSpPr>
         <p:spPr>
           <a:xfrm>
-            <a:off x="0" y="5819756"/>
+            <a:off x="142844" y="5500702"/>
             <a:ext cx="8610600" cy="1038244"/>
           </a:xfrm>
         </p:spPr>
@@ -16332,9 +15709,376 @@
             </a:r>
             <a:r>
               <a:rPr altLang="en-US" sz="3200" dirty="0" smtClean="0"/>
-              <a:t>可监控</a:t>
+              <a:t>覆盖面广，轻量级，分布式</a:t>
             </a:r>
             <a:endParaRPr lang="zh-CN" sz="3200" dirty="0"/>
+          </a:p>
+        </p:txBody>
+      </p:sp>
+      <p:pic>
+        <p:nvPicPr>
+          <p:cNvPr id="9" name="mnts-sky.png"/>
+          <p:cNvPicPr>
+            <a:picLocks noGrp="1" noChangeAspect="1"/>
+          </p:cNvPicPr>
+          <p:nvPr>
+            <p:ph type="pic" sz="quarter" idx="10"/>
+          </p:nvPr>
+        </p:nvPicPr>
+        <p:blipFill>
+          <a:blip r:embed="rId4" cstate="print"/>
+          <a:srcRect/>
+          <a:stretch>
+            <a:fillRect/>
+          </a:stretch>
+        </p:blipFill>
+        <p:spPr>
+          <a:xfrm>
+            <a:off x="228600" y="1066800"/>
+            <a:ext cx="2743200" cy="3657600"/>
+          </a:xfrm>
+          <a:prstGeom prst="rect">
+            <a:avLst/>
+          </a:prstGeom>
+          <a:noFill/>
+          <a:ln w="3175" cap="sq" cmpd="sng" algn="ctr">
+            <a:noFill/>
+            <a:prstDash val="solid"/>
+            <a:miter lim="800000"/>
+          </a:ln>
+          <a:effectLst>
+            <a:outerShdw blurRad="50800" dist="50800" dir="2700000" algn="tl" rotWithShape="0">
+              <a:srgbClr val="000000">
+                <a:alpha val="70000"/>
+              </a:srgbClr>
+            </a:outerShdw>
+          </a:effectLst>
+        </p:spPr>
+      </p:pic>
+      <p:pic>
+        <p:nvPicPr>
+          <p:cNvPr id="13" name="trees_j0202227.png"/>
+          <p:cNvPicPr>
+            <a:picLocks noGrp="1" noChangeAspect="1"/>
+          </p:cNvPicPr>
+          <p:nvPr>
+            <p:ph type="pic" sz="quarter" idx="11"/>
+          </p:nvPr>
+        </p:nvPicPr>
+        <p:blipFill>
+          <a:blip r:embed="rId5"/>
+          <a:srcRect/>
+          <a:stretch>
+            <a:fillRect/>
+          </a:stretch>
+        </p:blipFill>
+        <p:spPr>
+          <a:xfrm>
+            <a:off x="3200400" y="1066800"/>
+            <a:ext cx="2743200" cy="3719522"/>
+          </a:xfrm>
+          <a:prstGeom prst="roundRect">
+            <a:avLst>
+              <a:gd name="adj" fmla="val 16667"/>
+            </a:avLst>
+          </a:prstGeom>
+          <a:noFill/>
+          <a:ln w="38100" cap="sq" cmpd="sng" algn="ctr">
+            <a:noFill/>
+            <a:prstDash val="solid"/>
+            <a:miter lim="800000"/>
+          </a:ln>
+          <a:effectLst>
+            <a:outerShdw blurRad="63500" dist="76200" dir="2700000" algn="tl" rotWithShape="0">
+              <a:srgbClr val="000000">
+                <a:alpha val="70000"/>
+              </a:srgbClr>
+            </a:outerShdw>
+            <a:softEdge rad="31750"/>
+          </a:effectLst>
+        </p:spPr>
+      </p:pic>
+      <p:sp>
+        <p:nvSpPr>
+          <p:cNvPr id="6" name="TextBox 5"/>
+          <p:cNvSpPr txBox="1"/>
+          <p:nvPr/>
+        </p:nvSpPr>
+        <p:spPr>
+          <a:xfrm>
+            <a:off x="500034" y="1428736"/>
+            <a:ext cx="2076209" cy="2862322"/>
+          </a:xfrm>
+          <a:prstGeom prst="rect">
+            <a:avLst/>
+          </a:prstGeom>
+        </p:spPr>
+        <p:style>
+          <a:lnRef idx="1">
+            <a:schemeClr val="accent3"/>
+          </a:lnRef>
+          <a:fillRef idx="3">
+            <a:schemeClr val="accent3"/>
+          </a:fillRef>
+          <a:effectRef idx="2">
+            <a:schemeClr val="accent3"/>
+          </a:effectRef>
+          <a:fontRef idx="minor">
+            <a:schemeClr val="lt1"/>
+          </a:fontRef>
+        </p:style>
+        <p:txBody>
+          <a:bodyPr wrap="none" rtlCol="0">
+            <a:spAutoFit/>
+          </a:bodyPr>
+          <a:lstStyle/>
+          <a:p>
+            <a:pPr>
+              <a:buFont typeface="Wingdings" pitchFamily="2" charset="2"/>
+              <a:buChar char="Ø"/>
+            </a:pPr>
+            <a:r>
+              <a:rPr lang="en-US" altLang="zh-CN" dirty="0" smtClean="0"/>
+              <a:t>AOP/</a:t>
+            </a:r>
+            <a:r>
+              <a:rPr lang="en-US" altLang="zh-CN" dirty="0" err="1" smtClean="0"/>
+              <a:t>ioc</a:t>
+            </a:r>
+            <a:endParaRPr lang="en-US" altLang="en-US" dirty="0" smtClean="0"/>
+          </a:p>
+          <a:p>
+            <a:pPr>
+              <a:buFont typeface="Wingdings" pitchFamily="2" charset="2"/>
+              <a:buChar char="Ø"/>
+            </a:pPr>
+            <a:r>
+              <a:rPr lang="en-US" altLang="zh-CN" dirty="0" smtClean="0"/>
+              <a:t>MVC</a:t>
+            </a:r>
+          </a:p>
+          <a:p>
+            <a:pPr>
+              <a:buFont typeface="Wingdings" pitchFamily="2" charset="2"/>
+              <a:buChar char="Ø"/>
+            </a:pPr>
+            <a:r>
+              <a:rPr altLang="en-US" dirty="0" smtClean="0"/>
+              <a:t>持久层</a:t>
+            </a:r>
+            <a:endParaRPr lang="en-US" altLang="en-US" dirty="0" smtClean="0"/>
+          </a:p>
+          <a:p>
+            <a:pPr>
+              <a:buFont typeface="Wingdings" pitchFamily="2" charset="2"/>
+              <a:buChar char="Ø"/>
+            </a:pPr>
+            <a:r>
+              <a:rPr altLang="en-US" dirty="0" smtClean="0"/>
+              <a:t>标签库</a:t>
+            </a:r>
+            <a:endParaRPr lang="en-US" altLang="en-US" dirty="0" smtClean="0"/>
+          </a:p>
+          <a:p>
+            <a:pPr>
+              <a:buFont typeface="Wingdings" pitchFamily="2" charset="2"/>
+              <a:buChar char="Ø"/>
+            </a:pPr>
+            <a:r>
+              <a:rPr lang="en-US" altLang="zh-CN" dirty="0" smtClean="0"/>
+              <a:t>JMS/MQ</a:t>
+            </a:r>
+            <a:r>
+              <a:rPr altLang="en-US" dirty="0" smtClean="0"/>
+              <a:t>集成</a:t>
+            </a:r>
+            <a:endParaRPr lang="en-US" altLang="en-US" dirty="0" smtClean="0"/>
+          </a:p>
+          <a:p>
+            <a:pPr>
+              <a:buFont typeface="Wingdings" pitchFamily="2" charset="2"/>
+              <a:buChar char="Ø"/>
+            </a:pPr>
+            <a:r>
+              <a:rPr lang="en-US" altLang="zh-CN" dirty="0" err="1" smtClean="0"/>
+              <a:t>WebService</a:t>
+            </a:r>
+            <a:r>
+              <a:rPr altLang="en-US" dirty="0" smtClean="0"/>
+              <a:t>集成</a:t>
+            </a:r>
+            <a:endParaRPr lang="en-US" altLang="en-US" dirty="0" smtClean="0"/>
+          </a:p>
+          <a:p>
+            <a:pPr>
+              <a:buFont typeface="Wingdings" pitchFamily="2" charset="2"/>
+              <a:buChar char="Ø"/>
+            </a:pPr>
+            <a:r>
+              <a:rPr lang="en-US" altLang="zh-CN" dirty="0" smtClean="0"/>
+              <a:t>Quartz</a:t>
+            </a:r>
+            <a:r>
+              <a:rPr altLang="en-US" dirty="0" smtClean="0"/>
+              <a:t>集成</a:t>
+            </a:r>
+            <a:endParaRPr lang="en-US" altLang="en-US" dirty="0" smtClean="0"/>
+          </a:p>
+          <a:p>
+            <a:pPr>
+              <a:buFont typeface="Wingdings" pitchFamily="2" charset="2"/>
+              <a:buChar char="Ø"/>
+            </a:pPr>
+            <a:r>
+              <a:rPr lang="en-US" altLang="zh-CN" dirty="0" smtClean="0"/>
+              <a:t>RMI</a:t>
+            </a:r>
+            <a:r>
+              <a:rPr altLang="en-US" dirty="0" smtClean="0"/>
+              <a:t>集成</a:t>
+            </a:r>
+            <a:endParaRPr lang="en-US" altLang="en-US" dirty="0" smtClean="0"/>
+          </a:p>
+          <a:p>
+            <a:pPr>
+              <a:buFont typeface="Wingdings" pitchFamily="2" charset="2"/>
+              <a:buChar char="Ø"/>
+            </a:pPr>
+            <a:r>
+              <a:rPr altLang="en-US" dirty="0" smtClean="0"/>
+              <a:t>数据源</a:t>
+            </a:r>
+            <a:r>
+              <a:rPr lang="en-US" altLang="en-US" dirty="0" smtClean="0"/>
+              <a:t>/</a:t>
+            </a:r>
+            <a:r>
+              <a:rPr altLang="en-US" dirty="0" smtClean="0"/>
+              <a:t>链接池</a:t>
+            </a:r>
+            <a:endParaRPr lang="en-US" altLang="en-US" dirty="0" smtClean="0"/>
+          </a:p>
+          <a:p>
+            <a:endParaRPr lang="zh-CN" altLang="en-US" dirty="0"/>
+          </a:p>
+        </p:txBody>
+      </p:sp>
+      <p:sp>
+        <p:nvSpPr>
+          <p:cNvPr id="7" name="TextBox 6"/>
+          <p:cNvSpPr txBox="1"/>
+          <p:nvPr/>
+        </p:nvSpPr>
+        <p:spPr>
+          <a:xfrm>
+            <a:off x="3643306" y="1428736"/>
+            <a:ext cx="1785950" cy="1477328"/>
+          </a:xfrm>
+          <a:prstGeom prst="rect">
+            <a:avLst/>
+          </a:prstGeom>
+        </p:spPr>
+        <p:style>
+          <a:lnRef idx="1">
+            <a:schemeClr val="accent3"/>
+          </a:lnRef>
+          <a:fillRef idx="3">
+            <a:schemeClr val="accent3"/>
+          </a:fillRef>
+          <a:effectRef idx="2">
+            <a:schemeClr val="accent3"/>
+          </a:effectRef>
+          <a:fontRef idx="minor">
+            <a:schemeClr val="lt1"/>
+          </a:fontRef>
+        </p:style>
+        <p:txBody>
+          <a:bodyPr wrap="square" rtlCol="0">
+            <a:spAutoFit/>
+          </a:bodyPr>
+          <a:lstStyle/>
+          <a:p>
+            <a:pPr>
+              <a:buFont typeface="Wingdings" pitchFamily="2" charset="2"/>
+              <a:buChar char="Ø"/>
+            </a:pPr>
+            <a:r>
+              <a:rPr lang="en-US" altLang="en-US" dirty="0" err="1" smtClean="0">
+                <a:solidFill>
+                  <a:schemeClr val="lt1"/>
+                </a:solidFill>
+              </a:rPr>
+              <a:t>上手容易</a:t>
+            </a:r>
+            <a:endParaRPr lang="en-US" altLang="en-US" dirty="0" smtClean="0">
+              <a:solidFill>
+                <a:schemeClr val="lt1"/>
+              </a:solidFill>
+            </a:endParaRPr>
+          </a:p>
+          <a:p>
+            <a:pPr>
+              <a:buFont typeface="Wingdings" pitchFamily="2" charset="2"/>
+              <a:buChar char="Ø"/>
+            </a:pPr>
+            <a:r>
+              <a:rPr lang="en-US" altLang="en-US" dirty="0" err="1" smtClean="0">
+                <a:solidFill>
+                  <a:schemeClr val="lt1"/>
+                </a:solidFill>
+              </a:rPr>
+              <a:t>成熟度高</a:t>
+            </a:r>
+            <a:endParaRPr lang="en-US" altLang="en-US" dirty="0" smtClean="0">
+              <a:solidFill>
+                <a:schemeClr val="lt1"/>
+              </a:solidFill>
+            </a:endParaRPr>
+          </a:p>
+          <a:p>
+            <a:pPr>
+              <a:buFont typeface="Wingdings" pitchFamily="2" charset="2"/>
+              <a:buChar char="Ø"/>
+            </a:pPr>
+            <a:r>
+              <a:rPr lang="en-US" altLang="en-US" dirty="0" err="1" smtClean="0">
+                <a:solidFill>
+                  <a:schemeClr val="lt1"/>
+                </a:solidFill>
+              </a:rPr>
+              <a:t>兼容性好</a:t>
+            </a:r>
+            <a:endParaRPr lang="en-US" altLang="en-US" dirty="0" smtClean="0">
+              <a:solidFill>
+                <a:schemeClr val="lt1"/>
+              </a:solidFill>
+            </a:endParaRPr>
+          </a:p>
+          <a:p>
+            <a:pPr>
+              <a:buFont typeface="Wingdings" pitchFamily="2" charset="2"/>
+              <a:buChar char="Ø"/>
+            </a:pPr>
+            <a:r>
+              <a:rPr lang="en-US" altLang="en-US" dirty="0" err="1" smtClean="0">
+                <a:solidFill>
+                  <a:schemeClr val="lt1"/>
+                </a:solidFill>
+              </a:rPr>
+              <a:t>简单适用</a:t>
+            </a:r>
+            <a:endParaRPr lang="en-US" altLang="en-US" dirty="0" smtClean="0">
+              <a:solidFill>
+                <a:schemeClr val="lt1"/>
+              </a:solidFill>
+            </a:endParaRPr>
+          </a:p>
+          <a:p>
+            <a:endParaRPr altLang="en-US" dirty="0" smtClean="0">
+              <a:solidFill>
+                <a:schemeClr val="lt1"/>
+              </a:solidFill>
+            </a:endParaRPr>
           </a:p>
         </p:txBody>
       </p:sp>
@@ -16365,21 +16109,264 @@
             </a:pPr>
             <a:r>
               <a:rPr altLang="en-US" sz="2000" dirty="0" smtClean="0"/>
-              <a:t>监控首页</a:t>
-            </a:r>
+              <a:t>覆盖面广</a:t>
+            </a:r>
+          </a:p>
+        </p:txBody>
+      </p:sp>
+      <p:sp>
+        <p:nvSpPr>
+          <p:cNvPr id="12" name="矩形 11"/>
+          <p:cNvSpPr/>
+          <p:nvPr/>
+        </p:nvSpPr>
+        <p:spPr>
+          <a:xfrm>
+            <a:off x="3571868" y="642918"/>
+            <a:ext cx="1207382" cy="400110"/>
+          </a:xfrm>
+          <a:prstGeom prst="rect">
+            <a:avLst/>
+          </a:prstGeom>
+        </p:spPr>
+        <p:txBody>
+          <a:bodyPr wrap="none">
+            <a:spAutoFit/>
+          </a:bodyPr>
+          <a:lstStyle/>
+          <a:p>
+            <a:pPr>
+              <a:buFont typeface="Wingdings" pitchFamily="2" charset="2"/>
+              <a:buChar char="u"/>
+            </a:pPr>
+            <a:r>
+              <a:rPr altLang="en-US" sz="2000" dirty="0" smtClean="0"/>
+              <a:t>轻量级</a:t>
+            </a:r>
+          </a:p>
+        </p:txBody>
+      </p:sp>
+      <p:sp>
+        <p:nvSpPr>
+          <p:cNvPr id="14" name="矩形 13"/>
+          <p:cNvSpPr/>
+          <p:nvPr/>
+        </p:nvSpPr>
+        <p:spPr>
+          <a:xfrm>
+            <a:off x="6215074" y="642918"/>
+            <a:ext cx="1207382" cy="400110"/>
+          </a:xfrm>
+          <a:prstGeom prst="rect">
+            <a:avLst/>
+          </a:prstGeom>
+        </p:spPr>
+        <p:txBody>
+          <a:bodyPr wrap="none">
+            <a:spAutoFit/>
+          </a:bodyPr>
+          <a:lstStyle/>
+          <a:p>
+            <a:pPr>
+              <a:buFont typeface="Wingdings" pitchFamily="2" charset="2"/>
+              <a:buChar char="u"/>
+            </a:pPr>
+            <a:r>
+              <a:rPr altLang="en-US" sz="2000" dirty="0" smtClean="0"/>
+              <a:t>分布式</a:t>
+            </a:r>
+          </a:p>
+        </p:txBody>
+      </p:sp>
+      <p:sp>
+        <p:nvSpPr>
+          <p:cNvPr id="15" name="TextBox 14"/>
+          <p:cNvSpPr txBox="1"/>
+          <p:nvPr/>
+        </p:nvSpPr>
+        <p:spPr>
+          <a:xfrm>
+            <a:off x="6357950" y="1285860"/>
+            <a:ext cx="2286016" cy="2585323"/>
+          </a:xfrm>
+          <a:prstGeom prst="rect">
+            <a:avLst/>
+          </a:prstGeom>
+        </p:spPr>
+        <p:style>
+          <a:lnRef idx="1">
+            <a:schemeClr val="accent3"/>
+          </a:lnRef>
+          <a:fillRef idx="3">
+            <a:schemeClr val="accent3"/>
+          </a:fillRef>
+          <a:effectRef idx="2">
+            <a:schemeClr val="accent3"/>
+          </a:effectRef>
+          <a:fontRef idx="minor">
+            <a:schemeClr val="lt1"/>
+          </a:fontRef>
+        </p:style>
+        <p:txBody>
+          <a:bodyPr wrap="square" rtlCol="0">
+            <a:spAutoFit/>
+          </a:bodyPr>
+          <a:lstStyle/>
+          <a:p>
+            <a:pPr>
+              <a:buFont typeface="Wingdings" pitchFamily="2" charset="2"/>
+              <a:buChar char="Ø"/>
+            </a:pPr>
+            <a:r>
+              <a:rPr lang="en-US" altLang="zh-CN" dirty="0" smtClean="0">
+                <a:solidFill>
+                  <a:schemeClr val="lt1"/>
+                </a:solidFill>
+              </a:rPr>
+              <a:t>RPC</a:t>
+            </a:r>
+            <a:r>
+              <a:rPr altLang="en-US" dirty="0" smtClean="0">
+                <a:solidFill>
+                  <a:schemeClr val="lt1"/>
+                </a:solidFill>
+              </a:rPr>
+              <a:t>（多协议支持，</a:t>
+            </a:r>
+            <a:r>
+              <a:rPr lang="en-US" altLang="zh-CN" dirty="0" smtClean="0">
+                <a:solidFill>
+                  <a:schemeClr val="lt1"/>
+                </a:solidFill>
+              </a:rPr>
+              <a:t>Http/</a:t>
+            </a:r>
+            <a:r>
+              <a:rPr lang="en-US" altLang="zh-CN" dirty="0" err="1" smtClean="0">
+                <a:solidFill>
+                  <a:schemeClr val="lt1"/>
+                </a:solidFill>
+              </a:rPr>
+              <a:t>netty</a:t>
+            </a:r>
+            <a:r>
+              <a:rPr lang="en-US" altLang="zh-CN" dirty="0" smtClean="0">
+                <a:solidFill>
+                  <a:schemeClr val="lt1"/>
+                </a:solidFill>
+              </a:rPr>
+              <a:t>/mina/</a:t>
+            </a:r>
+            <a:r>
+              <a:rPr lang="en-US" altLang="zh-CN" dirty="0" err="1" smtClean="0">
+                <a:solidFill>
+                  <a:schemeClr val="lt1"/>
+                </a:solidFill>
+              </a:rPr>
+              <a:t>JGroups</a:t>
+            </a:r>
+            <a:r>
+              <a:rPr altLang="en-US" dirty="0" smtClean="0">
+                <a:solidFill>
+                  <a:schemeClr val="lt1"/>
+                </a:solidFill>
+              </a:rPr>
+              <a:t>）</a:t>
+            </a:r>
+            <a:endParaRPr lang="en-US" altLang="zh-CN" dirty="0" smtClean="0">
+              <a:solidFill>
+                <a:schemeClr val="lt1"/>
+              </a:solidFill>
+            </a:endParaRPr>
+          </a:p>
+          <a:p>
+            <a:pPr>
+              <a:buFont typeface="Wingdings" pitchFamily="2" charset="2"/>
+              <a:buChar char="Ø"/>
+            </a:pPr>
+            <a:r>
+              <a:rPr altLang="en-US" dirty="0" smtClean="0">
+                <a:solidFill>
+                  <a:schemeClr val="lt1"/>
+                </a:solidFill>
+              </a:rPr>
+              <a:t>分布式事件处理</a:t>
+            </a:r>
+            <a:endParaRPr lang="en-US" altLang="en-US" dirty="0" smtClean="0">
+              <a:solidFill>
+                <a:schemeClr val="lt1"/>
+              </a:solidFill>
+            </a:endParaRPr>
+          </a:p>
+          <a:p>
+            <a:pPr>
+              <a:buFont typeface="Wingdings" pitchFamily="2" charset="2"/>
+              <a:buChar char="Ø"/>
+            </a:pPr>
+            <a:r>
+              <a:rPr altLang="en-US" dirty="0" smtClean="0"/>
+              <a:t>高效</a:t>
+            </a:r>
+            <a:r>
+              <a:rPr altLang="en-US" dirty="0" smtClean="0">
+                <a:solidFill>
+                  <a:schemeClr val="lt1"/>
+                </a:solidFill>
+              </a:rPr>
+              <a:t>序列化</a:t>
+            </a:r>
+            <a:r>
+              <a:rPr lang="en-US" altLang="en-US" dirty="0" smtClean="0">
+                <a:solidFill>
+                  <a:schemeClr val="lt1"/>
+                </a:solidFill>
+              </a:rPr>
+              <a:t>/</a:t>
+            </a:r>
+            <a:r>
+              <a:rPr altLang="en-US" dirty="0" smtClean="0">
+                <a:solidFill>
+                  <a:schemeClr val="lt1"/>
+                </a:solidFill>
+              </a:rPr>
+              <a:t>反序列化</a:t>
+            </a:r>
+            <a:endParaRPr lang="en-US" altLang="en-US" dirty="0" smtClean="0">
+              <a:solidFill>
+                <a:schemeClr val="lt1"/>
+              </a:solidFill>
+            </a:endParaRPr>
+          </a:p>
+          <a:p>
+            <a:pPr>
+              <a:buFont typeface="Wingdings" pitchFamily="2" charset="2"/>
+              <a:buChar char="Ø"/>
+            </a:pPr>
+            <a:endParaRPr lang="en-US" altLang="en-US" dirty="0" smtClean="0">
+              <a:solidFill>
+                <a:schemeClr val="lt1"/>
+              </a:solidFill>
+            </a:endParaRPr>
+          </a:p>
+          <a:p>
+            <a:endParaRPr altLang="en-US" dirty="0" smtClean="0">
+              <a:solidFill>
+                <a:schemeClr val="lt1"/>
+              </a:solidFill>
+            </a:endParaRPr>
           </a:p>
         </p:txBody>
       </p:sp>
       <p:cxnSp>
         <p:nvCxnSpPr>
-          <p:cNvPr id="18" name="直接连接符 17"/>
+          <p:cNvPr id="20" name="直接连接符 19"/>
           <p:cNvCxnSpPr/>
           <p:nvPr/>
         </p:nvCxnSpPr>
         <p:spPr>
           <a:xfrm>
-            <a:off x="3643306" y="6357958"/>
-            <a:ext cx="1143008" cy="1588"/>
+            <a:off x="3786182" y="6143644"/>
+            <a:ext cx="4786346" cy="1588"/>
           </a:xfrm>
           <a:prstGeom prst="line">
             <a:avLst/>
@@ -16405,56 +16392,21 @@
           </a:fontRef>
         </p:style>
       </p:cxnSp>
-      <p:pic>
-        <p:nvPicPr>
-          <p:cNvPr id="3077" name="Picture 5"/>
-          <p:cNvPicPr>
-            <a:picLocks noGrp="1" noChangeAspect="1" noChangeArrowheads="1"/>
-          </p:cNvPicPr>
-          <p:nvPr>
-            <p:ph type="pic" sz="quarter" idx="10"/>
-          </p:nvPr>
-        </p:nvPicPr>
-        <p:blipFill>
-          <a:blip r:embed="rId3"/>
-          <a:srcRect t="2084" b="2084"/>
-          <a:stretch>
-            <a:fillRect/>
-          </a:stretch>
-        </p:blipFill>
-        <p:spPr bwMode="auto">
-          <a:xfrm>
-            <a:off x="228600" y="1066800"/>
-            <a:ext cx="8343928" cy="2147888"/>
+      <p:sp>
+        <p:nvSpPr>
+          <p:cNvPr id="22" name="TextBox 21"/>
+          <p:cNvSpPr txBox="1"/>
+          <p:nvPr/>
+        </p:nvSpPr>
+        <p:spPr>
+          <a:xfrm>
+            <a:off x="357158" y="214290"/>
+            <a:ext cx="3230372" cy="369332"/>
           </a:xfrm>
           <a:prstGeom prst="rect">
             <a:avLst/>
           </a:prstGeom>
           <a:noFill/>
-          <a:ln w="9525">
-            <a:noFill/>
-            <a:miter lim="800000"/>
-            <a:headEnd/>
-            <a:tailEnd/>
-          </a:ln>
-          <a:effectLst/>
-        </p:spPr>
-      </p:pic>
-      <p:sp>
-        <p:nvSpPr>
-          <p:cNvPr id="24" name="TextBox 23"/>
-          <p:cNvSpPr txBox="1"/>
-          <p:nvPr/>
-        </p:nvSpPr>
-        <p:spPr>
-          <a:xfrm>
-            <a:off x="285720" y="214290"/>
-            <a:ext cx="3230372" cy="369332"/>
-          </a:xfrm>
-          <a:prstGeom prst="rect">
-            <a:avLst/>
-          </a:prstGeom>
-          <a:noFill/>
         </p:spPr>
         <p:txBody>
           <a:bodyPr wrap="none" rtlCol="0">
@@ -16464,7 +16416,7 @@
           <a:p>
             <a:r>
               <a:rPr lang="en-US" altLang="zh-CN" dirty="0" smtClean="0">
-                <a:hlinkClick r:id="rId4"/>
+                <a:hlinkClick r:id="rId6"/>
               </a:rPr>
               <a:t>http://www.bbossgroups.com</a:t>
             </a:r>
@@ -16507,6 +16459,48 @@
           <a:chExt cx="0" cy="0"/>
         </a:xfrm>
       </p:grpSpPr>
+      <p:pic>
+        <p:nvPicPr>
+          <p:cNvPr id="10" name="Octagon 9"/>
+          <p:cNvPicPr>
+            <a:picLocks noGrp="1" noChangeAspect="1"/>
+          </p:cNvPicPr>
+          <p:nvPr>
+            <p:ph type="pic" sz="quarter" idx="12"/>
+          </p:nvPr>
+        </p:nvPicPr>
+        <p:blipFill>
+          <a:blip r:embed="rId3"/>
+          <a:srcRect l="12500" r="12500"/>
+          <a:stretch>
+            <a:fillRect/>
+          </a:stretch>
+        </p:blipFill>
+        <p:spPr>
+          <a:xfrm>
+            <a:off x="6172200" y="1066800"/>
+            <a:ext cx="2743200" cy="3657600"/>
+          </a:xfrm>
+          <a:prstGeom prst="rect">
+            <a:avLst/>
+          </a:prstGeom>
+          <a:noFill/>
+          <a:ln w="19050" cap="rnd" cmpd="sng" algn="ctr">
+            <a:solidFill>
+              <a:schemeClr val="tx1"/>
+            </a:solidFill>
+            <a:prstDash val="solid"/>
+            <a:miter lim="800000"/>
+          </a:ln>
+          <a:effectLst>
+            <a:innerShdw blurRad="50800" dist="50800" dir="13500000">
+              <a:srgbClr val="000000">
+                <a:alpha val="60000"/>
+              </a:srgbClr>
+            </a:innerShdw>
+          </a:effectLst>
+        </p:spPr>
+      </p:pic>
       <p:sp>
         <p:nvSpPr>
           <p:cNvPr id="11" name="W¥ل云玗İαЂÕØÚáÛ丫:Téxt Plàçèhòlðêr 表¥鷗字㌍_W 10"/>
@@ -16519,7 +16513,7 @@
         </p:nvSpPr>
         <p:spPr>
           <a:xfrm>
-            <a:off x="0" y="5819756"/>
+            <a:off x="142844" y="5500702"/>
             <a:ext cx="8610600" cy="1038244"/>
           </a:xfrm>
         </p:spPr>
@@ -16549,6 +16543,264 @@
           </a:p>
         </p:txBody>
       </p:sp>
+      <p:pic>
+        <p:nvPicPr>
+          <p:cNvPr id="9" name="mnts-sky.png"/>
+          <p:cNvPicPr>
+            <a:picLocks noGrp="1" noChangeAspect="1"/>
+          </p:cNvPicPr>
+          <p:nvPr>
+            <p:ph type="pic" sz="quarter" idx="10"/>
+          </p:nvPr>
+        </p:nvPicPr>
+        <p:blipFill>
+          <a:blip r:embed="rId4" cstate="print"/>
+          <a:srcRect/>
+          <a:stretch>
+            <a:fillRect/>
+          </a:stretch>
+        </p:blipFill>
+        <p:spPr>
+          <a:xfrm>
+            <a:off x="228600" y="1066800"/>
+            <a:ext cx="2743200" cy="1933572"/>
+          </a:xfrm>
+          <a:prstGeom prst="rect">
+            <a:avLst/>
+          </a:prstGeom>
+          <a:noFill/>
+          <a:ln w="3175" cap="sq" cmpd="sng" algn="ctr">
+            <a:noFill/>
+            <a:prstDash val="solid"/>
+            <a:miter lim="800000"/>
+          </a:ln>
+          <a:effectLst>
+            <a:outerShdw blurRad="50800" dist="50800" dir="2700000" algn="tl" rotWithShape="0">
+              <a:srgbClr val="000000">
+                <a:alpha val="70000"/>
+              </a:srgbClr>
+            </a:outerShdw>
+          </a:effectLst>
+        </p:spPr>
+      </p:pic>
+      <p:pic>
+        <p:nvPicPr>
+          <p:cNvPr id="13" name="trees_j0202227.png"/>
+          <p:cNvPicPr>
+            <a:picLocks noGrp="1" noChangeAspect="1"/>
+          </p:cNvPicPr>
+          <p:nvPr>
+            <p:ph type="pic" sz="quarter" idx="11"/>
+          </p:nvPr>
+        </p:nvPicPr>
+        <p:blipFill>
+          <a:blip r:embed="rId5"/>
+          <a:srcRect/>
+          <a:stretch>
+            <a:fillRect/>
+          </a:stretch>
+        </p:blipFill>
+        <p:spPr>
+          <a:xfrm>
+            <a:off x="3200400" y="1066800"/>
+            <a:ext cx="2743200" cy="3719522"/>
+          </a:xfrm>
+          <a:prstGeom prst="roundRect">
+            <a:avLst>
+              <a:gd name="adj" fmla="val 16667"/>
+            </a:avLst>
+          </a:prstGeom>
+          <a:noFill/>
+          <a:ln w="38100" cap="sq" cmpd="sng" algn="ctr">
+            <a:noFill/>
+            <a:prstDash val="solid"/>
+            <a:miter lim="800000"/>
+          </a:ln>
+          <a:effectLst>
+            <a:outerShdw blurRad="63500" dist="76200" dir="2700000" algn="tl" rotWithShape="0">
+              <a:srgbClr val="000000">
+                <a:alpha val="70000"/>
+              </a:srgbClr>
+            </a:outerShdw>
+            <a:softEdge rad="31750"/>
+          </a:effectLst>
+        </p:spPr>
+      </p:pic>
+      <p:sp>
+        <p:nvSpPr>
+          <p:cNvPr id="6" name="TextBox 5"/>
+          <p:cNvSpPr txBox="1"/>
+          <p:nvPr/>
+        </p:nvSpPr>
+        <p:spPr>
+          <a:xfrm>
+            <a:off x="285720" y="1285860"/>
+            <a:ext cx="2504212" cy="1477328"/>
+          </a:xfrm>
+          <a:prstGeom prst="rect">
+            <a:avLst/>
+          </a:prstGeom>
+        </p:spPr>
+        <p:style>
+          <a:lnRef idx="1">
+            <a:schemeClr val="accent3"/>
+          </a:lnRef>
+          <a:fillRef idx="3">
+            <a:schemeClr val="accent3"/>
+          </a:fillRef>
+          <a:effectRef idx="2">
+            <a:schemeClr val="accent3"/>
+          </a:effectRef>
+          <a:fontRef idx="minor">
+            <a:schemeClr val="lt1"/>
+          </a:fontRef>
+        </p:style>
+        <p:txBody>
+          <a:bodyPr wrap="none" rtlCol="0">
+            <a:spAutoFit/>
+          </a:bodyPr>
+          <a:lstStyle/>
+          <a:p>
+            <a:pPr>
+              <a:buFont typeface="Wingdings" pitchFamily="2" charset="2"/>
+              <a:buChar char="Ø"/>
+            </a:pPr>
+            <a:r>
+              <a:rPr lang="en-US" altLang="zh-CN" dirty="0" err="1" smtClean="0"/>
+              <a:t>ioc</a:t>
+            </a:r>
+            <a:r>
+              <a:rPr altLang="en-US" dirty="0" smtClean="0"/>
+              <a:t>组件基本配置信息</a:t>
+            </a:r>
+            <a:endParaRPr lang="en-US" altLang="en-US" dirty="0" smtClean="0"/>
+          </a:p>
+          <a:p>
+            <a:pPr>
+              <a:buFont typeface="Wingdings" pitchFamily="2" charset="2"/>
+              <a:buChar char="Ø"/>
+            </a:pPr>
+            <a:r>
+              <a:rPr altLang="en-US" dirty="0" smtClean="0"/>
+              <a:t>所属组件容器类型</a:t>
+            </a:r>
+            <a:endParaRPr lang="en-US" altLang="en-US" dirty="0" smtClean="0"/>
+          </a:p>
+          <a:p>
+            <a:pPr>
+              <a:buFont typeface="Wingdings" pitchFamily="2" charset="2"/>
+              <a:buChar char="Ø"/>
+            </a:pPr>
+            <a:r>
+              <a:rPr altLang="en-US" dirty="0" smtClean="0"/>
+              <a:t>所属配置文件路径</a:t>
+            </a:r>
+            <a:endParaRPr lang="en-US" altLang="en-US" dirty="0" smtClean="0"/>
+          </a:p>
+          <a:p>
+            <a:pPr>
+              <a:buFont typeface="Wingdings" pitchFamily="2" charset="2"/>
+              <a:buChar char="Ø"/>
+            </a:pPr>
+            <a:r>
+              <a:rPr altLang="en-US" dirty="0" smtClean="0"/>
+              <a:t>属性注入配置</a:t>
+            </a:r>
+            <a:endParaRPr lang="en-US" altLang="en-US" dirty="0" smtClean="0"/>
+          </a:p>
+          <a:p>
+            <a:endParaRPr lang="zh-CN" altLang="en-US" dirty="0"/>
+          </a:p>
+        </p:txBody>
+      </p:sp>
+      <p:sp>
+        <p:nvSpPr>
+          <p:cNvPr id="7" name="TextBox 6"/>
+          <p:cNvSpPr txBox="1"/>
+          <p:nvPr/>
+        </p:nvSpPr>
+        <p:spPr>
+          <a:xfrm>
+            <a:off x="3643306" y="1357298"/>
+            <a:ext cx="1785950" cy="2308324"/>
+          </a:xfrm>
+          <a:prstGeom prst="rect">
+            <a:avLst/>
+          </a:prstGeom>
+        </p:spPr>
+        <p:style>
+          <a:lnRef idx="1">
+            <a:schemeClr val="accent3"/>
+          </a:lnRef>
+          <a:fillRef idx="3">
+            <a:schemeClr val="accent3"/>
+          </a:fillRef>
+          <a:effectRef idx="2">
+            <a:schemeClr val="accent3"/>
+          </a:effectRef>
+          <a:fontRef idx="minor">
+            <a:schemeClr val="lt1"/>
+          </a:fontRef>
+        </p:style>
+        <p:txBody>
+          <a:bodyPr wrap="square" rtlCol="0">
+            <a:spAutoFit/>
+          </a:bodyPr>
+          <a:lstStyle/>
+          <a:p>
+            <a:pPr>
+              <a:buFont typeface="Wingdings" pitchFamily="2" charset="2"/>
+              <a:buChar char="Ø"/>
+            </a:pPr>
+            <a:r>
+              <a:rPr altLang="en-US" dirty="0" smtClean="0"/>
+              <a:t>构建函数注入配置</a:t>
+            </a:r>
+            <a:endParaRPr lang="en-US" altLang="en-US" dirty="0" smtClean="0"/>
+          </a:p>
+          <a:p>
+            <a:pPr>
+              <a:buFont typeface="Wingdings" pitchFamily="2" charset="2"/>
+              <a:buChar char="Ø"/>
+            </a:pPr>
+            <a:r>
+              <a:rPr altLang="en-US" dirty="0" smtClean="0"/>
+              <a:t>声明式事务配置</a:t>
+            </a:r>
+            <a:endParaRPr lang="en-US" altLang="en-US" dirty="0" smtClean="0"/>
+          </a:p>
+          <a:p>
+            <a:pPr>
+              <a:buFont typeface="Wingdings" pitchFamily="2" charset="2"/>
+              <a:buChar char="Ø"/>
+            </a:pPr>
+            <a:r>
+              <a:rPr altLang="en-US" dirty="0" smtClean="0"/>
+              <a:t>拦截器配置信息</a:t>
+            </a:r>
+            <a:endParaRPr lang="en-US" altLang="en-US" dirty="0" smtClean="0"/>
+          </a:p>
+          <a:p>
+            <a:pPr>
+              <a:buFont typeface="Wingdings" pitchFamily="2" charset="2"/>
+              <a:buChar char="Ø"/>
+            </a:pPr>
+            <a:r>
+              <a:rPr lang="en-US" altLang="zh-CN" dirty="0" err="1" smtClean="0"/>
+              <a:t>mvc</a:t>
+            </a:r>
+            <a:r>
+              <a:rPr altLang="en-US" dirty="0" smtClean="0"/>
+              <a:t>跳转路径映射配置信息</a:t>
+            </a:r>
+            <a:endParaRPr altLang="en-US" dirty="0" smtClean="0">
+              <a:solidFill>
+                <a:schemeClr val="lt1"/>
+              </a:solidFill>
+            </a:endParaRPr>
+          </a:p>
+        </p:txBody>
+      </p:sp>
       <p:sp>
         <p:nvSpPr>
           <p:cNvPr id="8" name="矩形 7"/>
@@ -16558,7 +16810,7 @@
         <p:spPr>
           <a:xfrm>
             <a:off x="357158" y="642918"/>
-            <a:ext cx="1720343" cy="400110"/>
+            <a:ext cx="1207382" cy="400110"/>
           </a:xfrm>
           <a:prstGeom prst="rect">
             <a:avLst/>
@@ -16576,8 +16828,209 @@
             </a:pPr>
             <a:r>
               <a:rPr altLang="en-US" sz="2000" dirty="0" smtClean="0"/>
-              <a:t>数据源监控</a:t>
-            </a:r>
+              <a:t>可监控</a:t>
+            </a:r>
+          </a:p>
+        </p:txBody>
+      </p:sp>
+      <p:sp>
+        <p:nvSpPr>
+          <p:cNvPr id="12" name="矩形 11"/>
+          <p:cNvSpPr/>
+          <p:nvPr/>
+        </p:nvSpPr>
+        <p:spPr>
+          <a:xfrm>
+            <a:off x="3571868" y="642918"/>
+            <a:ext cx="1207382" cy="400110"/>
+          </a:xfrm>
+          <a:prstGeom prst="rect">
+            <a:avLst/>
+          </a:prstGeom>
+        </p:spPr>
+        <p:txBody>
+          <a:bodyPr wrap="none">
+            <a:spAutoFit/>
+          </a:bodyPr>
+          <a:lstStyle/>
+          <a:p>
+            <a:pPr>
+              <a:buFont typeface="Wingdings" pitchFamily="2" charset="2"/>
+              <a:buChar char="u"/>
+            </a:pPr>
+            <a:r>
+              <a:rPr altLang="en-US" sz="2000" dirty="0" smtClean="0"/>
+              <a:t>可监控</a:t>
+            </a:r>
+          </a:p>
+        </p:txBody>
+      </p:sp>
+      <p:sp>
+        <p:nvSpPr>
+          <p:cNvPr id="14" name="矩形 13"/>
+          <p:cNvSpPr/>
+          <p:nvPr/>
+        </p:nvSpPr>
+        <p:spPr>
+          <a:xfrm>
+            <a:off x="6215074" y="642918"/>
+            <a:ext cx="1207382" cy="400110"/>
+          </a:xfrm>
+          <a:prstGeom prst="rect">
+            <a:avLst/>
+          </a:prstGeom>
+        </p:spPr>
+        <p:txBody>
+          <a:bodyPr wrap="none">
+            <a:spAutoFit/>
+          </a:bodyPr>
+          <a:lstStyle/>
+          <a:p>
+            <a:pPr>
+              <a:buFont typeface="Wingdings" pitchFamily="2" charset="2"/>
+              <a:buChar char="u"/>
+            </a:pPr>
+            <a:r>
+              <a:rPr altLang="en-US" sz="2000" dirty="0" smtClean="0"/>
+              <a:t>可监控</a:t>
+            </a:r>
+          </a:p>
+        </p:txBody>
+      </p:sp>
+      <p:sp>
+        <p:nvSpPr>
+          <p:cNvPr id="19" name="TextBox 18"/>
+          <p:cNvSpPr txBox="1"/>
+          <p:nvPr/>
+        </p:nvSpPr>
+        <p:spPr>
+          <a:xfrm>
+            <a:off x="6500826" y="1214422"/>
+            <a:ext cx="2071702" cy="3139321"/>
+          </a:xfrm>
+          <a:prstGeom prst="rect">
+            <a:avLst/>
+          </a:prstGeom>
+        </p:spPr>
+        <p:style>
+          <a:lnRef idx="1">
+            <a:schemeClr val="accent3"/>
+          </a:lnRef>
+          <a:fillRef idx="3">
+            <a:schemeClr val="accent3"/>
+          </a:fillRef>
+          <a:effectRef idx="2">
+            <a:schemeClr val="accent3"/>
+          </a:effectRef>
+          <a:fontRef idx="minor">
+            <a:schemeClr val="lt1"/>
+          </a:fontRef>
+        </p:style>
+        <p:txBody>
+          <a:bodyPr wrap="square" rtlCol="0">
+            <a:spAutoFit/>
+          </a:bodyPr>
+          <a:lstStyle/>
+          <a:p>
+            <a:pPr>
+              <a:buFont typeface="Wingdings" pitchFamily="2" charset="2"/>
+              <a:buChar char="Ø"/>
+            </a:pPr>
+            <a:r>
+              <a:rPr lang="en-US" altLang="zh-CN" dirty="0" err="1" smtClean="0"/>
+              <a:t>rmi</a:t>
+            </a:r>
+            <a:r>
+              <a:rPr altLang="en-US" dirty="0" smtClean="0"/>
+              <a:t>服务配置信息</a:t>
+            </a:r>
+            <a:endParaRPr lang="en-US" altLang="en-US" dirty="0" smtClean="0"/>
+          </a:p>
+          <a:p>
+            <a:pPr>
+              <a:buFont typeface="Wingdings" pitchFamily="2" charset="2"/>
+              <a:buChar char="Ø"/>
+            </a:pPr>
+            <a:r>
+              <a:rPr lang="en-US" altLang="zh-CN" dirty="0" err="1" smtClean="0"/>
+              <a:t>webservice</a:t>
+            </a:r>
+            <a:r>
+              <a:rPr altLang="en-US" dirty="0" smtClean="0"/>
+              <a:t>服务配置信息</a:t>
+            </a:r>
+            <a:endParaRPr lang="en-US" altLang="en-US" dirty="0" smtClean="0"/>
+          </a:p>
+          <a:p>
+            <a:pPr>
+              <a:buFont typeface="Wingdings" pitchFamily="2" charset="2"/>
+              <a:buChar char="Ø"/>
+            </a:pPr>
+            <a:r>
+              <a:rPr altLang="en-US" dirty="0" smtClean="0"/>
+              <a:t>组件扩展属性配置</a:t>
+            </a:r>
+            <a:endParaRPr lang="en-US" altLang="en-US" dirty="0" smtClean="0"/>
+          </a:p>
+          <a:p>
+            <a:pPr>
+              <a:buFont typeface="Wingdings" pitchFamily="2" charset="2"/>
+              <a:buChar char="Ø"/>
+            </a:pPr>
+            <a:r>
+              <a:rPr altLang="en-US" dirty="0" smtClean="0"/>
+              <a:t>全局参数信息配置</a:t>
+            </a:r>
+            <a:endParaRPr lang="en-US" altLang="en-US" dirty="0" smtClean="0"/>
+          </a:p>
+          <a:p>
+            <a:pPr>
+              <a:buFont typeface="Wingdings" pitchFamily="2" charset="2"/>
+              <a:buChar char="Ø"/>
+            </a:pPr>
+            <a:r>
+              <a:rPr lang="en-US" altLang="zh-CN" dirty="0" err="1" smtClean="0"/>
+              <a:t>sql</a:t>
+            </a:r>
+            <a:r>
+              <a:rPr altLang="en-US" dirty="0" smtClean="0"/>
+              <a:t>配置文件信息</a:t>
+            </a:r>
+            <a:endParaRPr lang="en-US" altLang="en-US" dirty="0" smtClean="0"/>
+          </a:p>
+          <a:p>
+            <a:pPr>
+              <a:buFont typeface="Wingdings" pitchFamily="2" charset="2"/>
+              <a:buChar char="Ø"/>
+            </a:pPr>
+            <a:r>
+              <a:rPr lang="en-US" altLang="zh-CN" dirty="0" err="1" smtClean="0"/>
+              <a:t>sql</a:t>
+            </a:r>
+            <a:r>
+              <a:rPr altLang="en-US" dirty="0" smtClean="0"/>
+              <a:t>语句配置信息</a:t>
+            </a:r>
+            <a:endParaRPr lang="en-US" altLang="en-US" dirty="0" smtClean="0"/>
+          </a:p>
+          <a:p>
+            <a:pPr>
+              <a:buFont typeface="Wingdings" pitchFamily="2" charset="2"/>
+              <a:buChar char="Ø"/>
+            </a:pPr>
+            <a:r>
+              <a:rPr lang="en-US" altLang="zh-CN" dirty="0" err="1" smtClean="0"/>
+              <a:t>sql</a:t>
+            </a:r>
+            <a:r>
+              <a:rPr altLang="en-US" dirty="0" smtClean="0"/>
+              <a:t>文件热加载</a:t>
+            </a:r>
+            <a:endParaRPr altLang="en-US" dirty="0" smtClean="0">
+              <a:solidFill>
+                <a:schemeClr val="lt1"/>
+              </a:solidFill>
+            </a:endParaRPr>
           </a:p>
         </p:txBody>
       </p:sp>
@@ -16589,7 +17042,7 @@
         </p:nvCxnSpPr>
         <p:spPr>
           <a:xfrm>
-            <a:off x="3643306" y="6357958"/>
+            <a:off x="3786182" y="6072206"/>
             <a:ext cx="1143008" cy="1588"/>
           </a:xfrm>
           <a:prstGeom prst="line">
@@ -16618,46 +17071,145 @@
       </p:cxnSp>
       <p:pic>
         <p:nvPicPr>
-          <p:cNvPr id="4098" name="Picture 2"/>
+          <p:cNvPr id="21" name="mnts-sky.png"/>
           <p:cNvPicPr>
-            <a:picLocks noChangeAspect="1" noChangeArrowheads="1"/>
+            <a:picLocks noChangeAspect="1"/>
           </p:cNvPicPr>
           <p:nvPr/>
         </p:nvPicPr>
         <p:blipFill>
-          <a:blip r:embed="rId3"/>
+          <a:blip r:embed="rId4" cstate="print"/>
           <a:srcRect/>
           <a:stretch>
             <a:fillRect/>
           </a:stretch>
         </p:blipFill>
-        <p:spPr bwMode="auto">
-          <a:xfrm>
-            <a:off x="357158" y="1071546"/>
-            <a:ext cx="8715404" cy="4643469"/>
+        <p:spPr>
+          <a:xfrm>
+            <a:off x="228600" y="3567130"/>
+            <a:ext cx="2743200" cy="1433506"/>
           </a:xfrm>
           <a:prstGeom prst="rect">
             <a:avLst/>
           </a:prstGeom>
           <a:noFill/>
-          <a:ln w="9525">
+          <a:ln w="3175" cap="sq" cmpd="sng" algn="ctr">
             <a:noFill/>
+            <a:prstDash val="solid"/>
             <a:miter lim="800000"/>
-            <a:headEnd/>
-            <a:tailEnd/>
           </a:ln>
-          <a:effectLst/>
+          <a:effectLst>
+            <a:outerShdw blurRad="50800" dist="50800" dir="2700000" algn="tl" rotWithShape="0">
+              <a:srgbClr val="000000">
+                <a:alpha val="70000"/>
+              </a:srgbClr>
+            </a:outerShdw>
+          </a:effectLst>
         </p:spPr>
       </p:pic>
       <p:sp>
         <p:nvSpPr>
-          <p:cNvPr id="9" name="TextBox 8"/>
+          <p:cNvPr id="22" name="TextBox 21"/>
           <p:cNvSpPr txBox="1"/>
           <p:nvPr/>
         </p:nvSpPr>
         <p:spPr>
           <a:xfrm>
-            <a:off x="357158" y="214290"/>
+            <a:off x="285720" y="3786190"/>
+            <a:ext cx="1983235" cy="646331"/>
+          </a:xfrm>
+          <a:prstGeom prst="rect">
+            <a:avLst/>
+          </a:prstGeom>
+        </p:spPr>
+        <p:style>
+          <a:lnRef idx="1">
+            <a:schemeClr val="accent3"/>
+          </a:lnRef>
+          <a:fillRef idx="3">
+            <a:schemeClr val="accent3"/>
+          </a:fillRef>
+          <a:effectRef idx="2">
+            <a:schemeClr val="accent3"/>
+          </a:effectRef>
+          <a:fontRef idx="minor">
+            <a:schemeClr val="lt1"/>
+          </a:fontRef>
+        </p:style>
+        <p:txBody>
+          <a:bodyPr wrap="none" rtlCol="0">
+            <a:spAutoFit/>
+          </a:bodyPr>
+          <a:lstStyle/>
+          <a:p>
+            <a:pPr>
+              <a:buFont typeface="Wingdings" pitchFamily="2" charset="2"/>
+              <a:buChar char="Ø"/>
+            </a:pPr>
+            <a:r>
+              <a:rPr altLang="en-US" dirty="0" smtClean="0"/>
+              <a:t>连接池实时监控</a:t>
+            </a:r>
+            <a:endParaRPr lang="en-US" altLang="en-US" dirty="0" smtClean="0"/>
+          </a:p>
+          <a:p>
+            <a:pPr>
+              <a:buFont typeface="Wingdings" pitchFamily="2" charset="2"/>
+              <a:buChar char="Ø"/>
+            </a:pPr>
+            <a:r>
+              <a:rPr lang="en-US" altLang="zh-CN" dirty="0" smtClean="0"/>
+              <a:t>JVM</a:t>
+            </a:r>
+            <a:r>
+              <a:rPr altLang="en-US" dirty="0" smtClean="0"/>
+              <a:t>内存监控</a:t>
+            </a:r>
+            <a:endParaRPr lang="zh-CN" altLang="en-US" dirty="0"/>
+          </a:p>
+        </p:txBody>
+      </p:sp>
+      <p:sp>
+        <p:nvSpPr>
+          <p:cNvPr id="23" name="矩形 22"/>
+          <p:cNvSpPr/>
+          <p:nvPr/>
+        </p:nvSpPr>
+        <p:spPr>
+          <a:xfrm>
+            <a:off x="357158" y="3143248"/>
+            <a:ext cx="1207382" cy="400110"/>
+          </a:xfrm>
+          <a:prstGeom prst="rect">
+            <a:avLst/>
+          </a:prstGeom>
+        </p:spPr>
+        <p:txBody>
+          <a:bodyPr wrap="none">
+            <a:spAutoFit/>
+          </a:bodyPr>
+          <a:lstStyle/>
+          <a:p>
+            <a:pPr>
+              <a:buFont typeface="Wingdings" pitchFamily="2" charset="2"/>
+              <a:buChar char="u"/>
+            </a:pPr>
+            <a:r>
+              <a:rPr altLang="en-US" sz="2000" dirty="0" smtClean="0"/>
+              <a:t>可监控</a:t>
+            </a:r>
+          </a:p>
+        </p:txBody>
+      </p:sp>
+      <p:sp>
+        <p:nvSpPr>
+          <p:cNvPr id="24" name="TextBox 23"/>
+          <p:cNvSpPr txBox="1"/>
+          <p:nvPr/>
+        </p:nvSpPr>
+        <p:spPr>
+          <a:xfrm>
+            <a:off x="285720" y="142852"/>
             <a:ext cx="3230372" cy="369332"/>
           </a:xfrm>
           <a:prstGeom prst="rect">
@@ -16673,7 +17225,7 @@
           <a:p>
             <a:r>
               <a:rPr lang="en-US" altLang="zh-CN" dirty="0" smtClean="0">
-                <a:hlinkClick r:id="rId4"/>
+                <a:hlinkClick r:id="rId6"/>
               </a:rPr>
               <a:t>http://www.bbossgroups.com</a:t>
             </a:r>
@@ -16766,8 +17318,8 @@
         </p:nvSpPr>
         <p:spPr>
           <a:xfrm>
-            <a:off x="285720" y="214290"/>
-            <a:ext cx="8425705" cy="400110"/>
+            <a:off x="357158" y="642918"/>
+            <a:ext cx="1463862" cy="400110"/>
           </a:xfrm>
           <a:prstGeom prst="rect">
             <a:avLst/>
@@ -16784,28 +17336,8 @@
               <a:buChar char="u"/>
             </a:pPr>
             <a:r>
-              <a:rPr lang="en-US" altLang="zh-CN" sz="2000" dirty="0" smtClean="0"/>
-              <a:t>AOP/IOC</a:t>
-            </a:r>
-            <a:r>
               <a:rPr altLang="en-US" sz="2000" dirty="0" smtClean="0"/>
-              <a:t>监控</a:t>
-            </a:r>
-            <a:r>
-              <a:rPr lang="en-US" altLang="en-US" sz="2000" dirty="0" smtClean="0"/>
-              <a:t>-</a:t>
-            </a:r>
-            <a:r>
-              <a:rPr altLang="en-US" sz="2000" dirty="0" smtClean="0"/>
-              <a:t>可方便地查看组件配置信息，可方便地查找</a:t>
-            </a:r>
-            <a:r>
-              <a:rPr lang="en-US" altLang="zh-CN" sz="2000" dirty="0" err="1" smtClean="0"/>
-              <a:t>rpc</a:t>
-            </a:r>
-            <a:r>
-              <a:rPr altLang="en-US" sz="2000" dirty="0" smtClean="0"/>
-              <a:t>服务信息</a:t>
+              <a:t>监控首页</a:t>
             </a:r>
           </a:p>
         </p:txBody>
@@ -16847,23 +17379,25 @@
       </p:cxnSp>
       <p:pic>
         <p:nvPicPr>
-          <p:cNvPr id="5123" name="Picture 3"/>
+          <p:cNvPr id="3077" name="Picture 5"/>
           <p:cNvPicPr>
-            <a:picLocks noChangeAspect="1" noChangeArrowheads="1"/>
+            <a:picLocks noGrp="1" noChangeAspect="1" noChangeArrowheads="1"/>
           </p:cNvPicPr>
-          <p:nvPr/>
+          <p:nvPr>
+            <p:ph type="pic" sz="quarter" idx="10"/>
+          </p:nvPr>
         </p:nvPicPr>
         <p:blipFill>
           <a:blip r:embed="rId3"/>
-          <a:srcRect/>
+          <a:srcRect t="2084" b="2084"/>
           <a:stretch>
             <a:fillRect/>
           </a:stretch>
         </p:blipFill>
         <p:spPr bwMode="auto">
           <a:xfrm>
-            <a:off x="500033" y="642918"/>
-            <a:ext cx="8358247" cy="5214974"/>
+            <a:off x="228600" y="1066800"/>
+            <a:ext cx="8343928" cy="2147888"/>
           </a:xfrm>
           <a:prstGeom prst="rect">
             <a:avLst/>
@@ -16880,13 +17414,13 @@
       </p:pic>
       <p:sp>
         <p:nvSpPr>
-          <p:cNvPr id="9" name="TextBox 8"/>
+          <p:cNvPr id="24" name="TextBox 23"/>
           <p:cNvSpPr txBox="1"/>
           <p:nvPr/>
         </p:nvSpPr>
         <p:spPr>
           <a:xfrm>
-            <a:off x="0" y="6488668"/>
+            <a:off x="285720" y="214290"/>
             <a:ext cx="3230372" cy="369332"/>
           </a:xfrm>
           <a:prstGeom prst="rect">
@@ -16945,162 +17479,157 @@
           <a:chExt cx="0" cy="0"/>
         </a:xfrm>
       </p:grpSpPr>
+      <p:sp>
+        <p:nvSpPr>
+          <p:cNvPr id="11" name="W¥ل云玗İαЂÕØÚáÛ丫:Téxt Plàçèhòlðêr 表¥鷗字㌍_W 10"/>
+          <p:cNvSpPr>
+            <a:spLocks noGrp="1"/>
+          </p:cNvSpPr>
+          <p:nvPr>
+            <p:ph type="body" sz="quarter" idx="13"/>
+          </p:nvPr>
+        </p:nvSpPr>
+        <p:spPr>
+          <a:xfrm>
+            <a:off x="0" y="5819756"/>
+            <a:ext cx="8610600" cy="1038244"/>
+          </a:xfrm>
+        </p:spPr>
+        <p:txBody>
+          <a:bodyPr/>
+          <a:lstStyle>
+            <a:extLst/>
+          </a:lstStyle>
+          <a:p>
+            <a:r>
+              <a:rPr lang="en-US" altLang="zh-CN" sz="3200" dirty="0" err="1" smtClean="0"/>
+              <a:t>BBossGroups</a:t>
+            </a:r>
+            <a:r>
+              <a:rPr altLang="en-US" sz="3200" dirty="0" smtClean="0"/>
+              <a:t>特点</a:t>
+            </a:r>
+            <a:r>
+              <a:rPr lang="en-US" altLang="zh-CN" sz="3200" dirty="0" smtClean="0"/>
+              <a:t>-</a:t>
+            </a:r>
+            <a:r>
+              <a:rPr altLang="en-US" sz="3200" dirty="0" smtClean="0"/>
+              <a:t>可监控</a:t>
+            </a:r>
+            <a:endParaRPr lang="zh-CN" sz="3200" dirty="0"/>
+          </a:p>
+        </p:txBody>
+      </p:sp>
+      <p:sp>
+        <p:nvSpPr>
+          <p:cNvPr id="8" name="矩形 7"/>
+          <p:cNvSpPr/>
+          <p:nvPr/>
+        </p:nvSpPr>
+        <p:spPr>
+          <a:xfrm>
+            <a:off x="357158" y="642918"/>
+            <a:ext cx="1720343" cy="400110"/>
+          </a:xfrm>
+          <a:prstGeom prst="rect">
+            <a:avLst/>
+          </a:prstGeom>
+        </p:spPr>
+        <p:txBody>
+          <a:bodyPr wrap="none">
+            <a:spAutoFit/>
+          </a:bodyPr>
+          <a:lstStyle/>
+          <a:p>
+            <a:pPr>
+              <a:buFont typeface="Wingdings" pitchFamily="2" charset="2"/>
+              <a:buChar char="u"/>
+            </a:pPr>
+            <a:r>
+              <a:rPr altLang="en-US" sz="2000" dirty="0" smtClean="0"/>
+              <a:t>数据源监控</a:t>
+            </a:r>
+          </a:p>
+        </p:txBody>
+      </p:sp>
+      <p:cxnSp>
+        <p:nvCxnSpPr>
+          <p:cNvPr id="18" name="直接连接符 17"/>
+          <p:cNvCxnSpPr/>
+          <p:nvPr/>
+        </p:nvCxnSpPr>
+        <p:spPr>
+          <a:xfrm>
+            <a:off x="3643306" y="6357958"/>
+            <a:ext cx="1143008" cy="1588"/>
+          </a:xfrm>
+          <a:prstGeom prst="line">
+            <a:avLst/>
+          </a:prstGeom>
+          <a:ln w="57150">
+            <a:solidFill>
+              <a:srgbClr val="FF0000"/>
+            </a:solidFill>
+          </a:ln>
+        </p:spPr>
+        <p:style>
+          <a:lnRef idx="2">
+            <a:schemeClr val="accent2"/>
+          </a:lnRef>
+          <a:fillRef idx="0">
+            <a:schemeClr val="accent2"/>
+          </a:fillRef>
+          <a:effectRef idx="1">
+            <a:schemeClr val="accent2"/>
+          </a:effectRef>
+          <a:fontRef idx="minor">
+            <a:schemeClr val="tx1"/>
+          </a:fontRef>
+        </p:style>
+      </p:cxnSp>
       <p:pic>
         <p:nvPicPr>
-          <p:cNvPr id="4" name="j0390471.jpg"/>
+          <p:cNvPr id="4098" name="Picture 2"/>
           <p:cNvPicPr>
-            <a:picLocks noGrp="1" noChangeAspect="1"/>
+            <a:picLocks noChangeAspect="1" noChangeArrowheads="1"/>
           </p:cNvPicPr>
-          <p:nvPr>
-            <p:ph type="pic" sz="quarter" idx="10"/>
-          </p:nvPr>
+          <p:nvPr/>
         </p:nvPicPr>
         <p:blipFill>
           <a:blip r:embed="rId3"/>
+          <a:srcRect/>
           <a:stretch>
             <a:fillRect/>
           </a:stretch>
         </p:blipFill>
-        <p:spPr>
-          <a:xfrm>
-            <a:off x="419100" y="381000"/>
-            <a:ext cx="4640263" cy="6172200"/>
+        <p:spPr bwMode="auto">
+          <a:xfrm>
+            <a:off x="357158" y="1071546"/>
+            <a:ext cx="8715404" cy="4643469"/>
           </a:xfrm>
           <a:prstGeom prst="rect">
             <a:avLst/>
           </a:prstGeom>
           <a:noFill/>
-          <a:ln w="38100" cap="sq" cmpd="sng" algn="ctr">
-            <a:solidFill>
-              <a:schemeClr val="tx1"/>
-            </a:solidFill>
-            <a:prstDash val="solid"/>
+          <a:ln w="9525">
+            <a:noFill/>
             <a:miter lim="800000"/>
+            <a:headEnd/>
+            <a:tailEnd/>
           </a:ln>
-          <a:effectLst>
-            <a:outerShdw blurRad="50800" dist="50800" dir="2700000" algn="tl" rotWithShape="0">
-              <a:srgbClr val="000000">
-                <a:alpha val="50000"/>
-              </a:srgbClr>
-            </a:outerShdw>
-          </a:effectLst>
+          <a:effectLst/>
         </p:spPr>
       </p:pic>
       <p:sp>
         <p:nvSpPr>
-          <p:cNvPr id="3" name="Rectangle 2"/>
-          <p:cNvSpPr>
-            <a:spLocks noGrp="1"/>
-          </p:cNvSpPr>
-          <p:nvPr>
-            <p:ph type="body" sz="quarter" idx="11"/>
-          </p:nvPr>
-        </p:nvSpPr>
-        <p:spPr>
-          <a:xfrm>
-            <a:off x="5214942" y="571480"/>
-            <a:ext cx="3505200" cy="3352800"/>
-          </a:xfrm>
-        </p:spPr>
-        <p:txBody>
-          <a:bodyPr/>
-          <a:lstStyle>
-            <a:extLst/>
-          </a:lstStyle>
-          <a:p>
-            <a:pPr>
-              <a:buFont typeface="Wingdings" pitchFamily="2" charset="2"/>
-              <a:buChar char="p"/>
-            </a:pPr>
-            <a:r>
-              <a:rPr lang="en-US" altLang="zh-CN" sz="2800" dirty="0" smtClean="0"/>
-              <a:t>MVC</a:t>
-            </a:r>
-            <a:r>
-              <a:rPr altLang="en-US" sz="2800" dirty="0" smtClean="0"/>
-              <a:t>架构</a:t>
-            </a:r>
-            <a:endParaRPr lang="en-US" altLang="en-US" sz="2800" dirty="0" smtClean="0"/>
-          </a:p>
-          <a:p>
-            <a:pPr>
-              <a:buFont typeface="Wingdings" pitchFamily="2" charset="2"/>
-              <a:buChar char="p"/>
-            </a:pPr>
-            <a:r>
-              <a:rPr lang="en-US" altLang="zh-CN" sz="2800" dirty="0" smtClean="0"/>
-              <a:t>MVC</a:t>
-            </a:r>
-            <a:r>
-              <a:rPr altLang="en-US" sz="2800" dirty="0" smtClean="0"/>
-              <a:t>开发配置</a:t>
-            </a:r>
-            <a:endParaRPr lang="en-US" altLang="en-US" sz="2800" dirty="0" smtClean="0"/>
-          </a:p>
-          <a:p>
-            <a:pPr>
-              <a:buFont typeface="Wingdings" pitchFamily="2" charset="2"/>
-              <a:buChar char="p"/>
-            </a:pPr>
-            <a:r>
-              <a:rPr lang="en-US" altLang="zh-CN" sz="2800" dirty="0" smtClean="0"/>
-              <a:t>MVC</a:t>
-            </a:r>
-            <a:r>
-              <a:rPr altLang="en-US" sz="2800" dirty="0" smtClean="0"/>
-              <a:t>开发代码</a:t>
-            </a:r>
-            <a:endParaRPr lang="zh-CN" sz="2800" dirty="0"/>
-          </a:p>
-        </p:txBody>
-      </p:sp>
-      <p:sp>
-        <p:nvSpPr>
-          <p:cNvPr id="6" name="TextBox 5"/>
+          <p:cNvPr id="9" name="TextBox 8"/>
           <p:cNvSpPr txBox="1"/>
           <p:nvPr/>
         </p:nvSpPr>
         <p:spPr>
           <a:xfrm>
-            <a:off x="5214942" y="1428736"/>
-            <a:ext cx="3926075" cy="584775"/>
-          </a:xfrm>
-          <a:prstGeom prst="rect">
-            <a:avLst/>
-          </a:prstGeom>
-          <a:noFill/>
-        </p:spPr>
-        <p:txBody>
-          <a:bodyPr wrap="none" rtlCol="0">
-            <a:spAutoFit/>
-          </a:bodyPr>
-          <a:lstStyle/>
-          <a:p>
-            <a:pPr>
-              <a:buFont typeface="Wingdings" pitchFamily="2" charset="2"/>
-              <a:buChar char="p"/>
-            </a:pPr>
-            <a:r>
-              <a:rPr lang="en-US" altLang="zh-CN" sz="3200" dirty="0" err="1" smtClean="0"/>
-              <a:t>Bbossgroups</a:t>
-            </a:r>
-            <a:r>
-              <a:rPr lang="en-US" altLang="zh-CN" sz="3200" dirty="0" smtClean="0"/>
-              <a:t> How</a:t>
-            </a:r>
-            <a:endParaRPr altLang="en-US" sz="3200" dirty="0"/>
-          </a:p>
-        </p:txBody>
-      </p:sp>
-      <p:sp>
-        <p:nvSpPr>
-          <p:cNvPr id="7" name="TextBox 6"/>
-          <p:cNvSpPr txBox="1"/>
-          <p:nvPr/>
-        </p:nvSpPr>
-        <p:spPr>
-          <a:xfrm>
-            <a:off x="357158" y="357166"/>
+            <a:off x="357158" y="214290"/>
             <a:ext cx="3230372" cy="369332"/>
           </a:xfrm>
           <a:prstGeom prst="rect">
